--- a/lesson_1/airports.pptx
+++ b/lesson_1/airports.pptx
@@ -1,24 +1,24 @@
 
 <file path=ppt/presentation.xml><?xml version="1.0" encoding="utf-8"?>
-<p:presentation xmlns:a="http://schemas.openxmlformats.org/drawingml/2006/main" xmlns:r="http://schemas.openxmlformats.org/officeDocument/2006/relationships" xmlns:mc="http://schemas.openxmlformats.org/markup-compatibility/2006" xmlns:mv="urn:schemas-microsoft-com:mac:vml" xmlns:p="http://schemas.openxmlformats.org/presentationml/2006/main" xmlns:c="http://schemas.openxmlformats.org/drawingml/2006/chart" xmlns:dgm="http://schemas.openxmlformats.org/drawingml/2006/diagram" xmlns:o="urn:schemas-microsoft-com:office:office" xmlns:v="urn:schemas-microsoft-com:vml" xmlns:pvml="urn:schemas-microsoft-com:office:powerpoint" xmlns:com="http://schemas.openxmlformats.org/drawingml/2006/compatibility" xmlns:p14="http://schemas.microsoft.com/office/powerpoint/2010/main" xmlns:p15="http://schemas.microsoft.com/office/powerpoint/2012/main" xmlns:ahyp="http://schemas.microsoft.com/office/drawing/2018/hyperlinkcolor" autoCompressPictures="0" strictFirstAndLastChars="0" saveSubsetFonts="1">
+<p:presentation xmlns:a="http://schemas.openxmlformats.org/drawingml/2006/main" xmlns:r="http://schemas.openxmlformats.org/officeDocument/2006/relationships" xmlns:p="http://schemas.openxmlformats.org/presentationml/2006/main" strictFirstAndLastChars="0" saveSubsetFonts="1" autoCompressPictures="0">
   <p:sldMasterIdLst>
-    <p:sldMasterId id="2147483659" r:id="rId4"/>
+    <p:sldMasterId id="2147483659" r:id="rId1"/>
   </p:sldMasterIdLst>
   <p:notesMasterIdLst>
-    <p:notesMasterId r:id="rId5"/>
+    <p:notesMasterId r:id="rId8"/>
   </p:notesMasterIdLst>
   <p:sldIdLst>
-    <p:sldId id="256" r:id="rId6"/>
-    <p:sldId id="257" r:id="rId7"/>
-    <p:sldId id="258" r:id="rId8"/>
-    <p:sldId id="259" r:id="rId9"/>
-    <p:sldId id="260" r:id="rId10"/>
-    <p:sldId id="261" r:id="rId11"/>
+    <p:sldId id="256" r:id="rId2"/>
+    <p:sldId id="257" r:id="rId3"/>
+    <p:sldId id="258" r:id="rId4"/>
+    <p:sldId id="259" r:id="rId5"/>
+    <p:sldId id="260" r:id="rId6"/>
+    <p:sldId id="261" r:id="rId7"/>
   </p:sldIdLst>
-  <p:sldSz cy="5143500" cx="9144000"/>
+  <p:sldSz cx="9144000" cy="5143500" type="screen16x9"/>
   <p:notesSz cx="6858000" cy="9144000"/>
   <p:defaultTextStyle>
-    <a:defPPr lvl="0" marR="0" rtl="0" algn="l">
+    <a:defPPr marR="0" lvl="0" algn="l" rtl="0">
       <a:lnSpc>
         <a:spcPct val="100000"/>
       </a:lnSpc>
@@ -29,7 +29,7 @@
         <a:spcPts val="0"/>
       </a:spcAft>
     </a:defPPr>
-    <a:lvl1pPr lvl="0" marR="0" rtl="0" algn="l">
+    <a:lvl1pPr marR="0" lvl="0" algn="l" rtl="0">
       <a:lnSpc>
         <a:spcPct val="100000"/>
       </a:lnSpc>
@@ -43,7 +43,7 @@
         <a:srgbClr val="000000"/>
       </a:buClr>
       <a:buFont typeface="Arial"/>
-      <a:defRPr b="0" i="0" sz="1400" u="none" cap="none" strike="noStrike">
+      <a:defRPr sz="1400" b="0" i="0" u="none" strike="noStrike" cap="none">
         <a:solidFill>
           <a:srgbClr val="000000"/>
         </a:solidFill>
@@ -53,7 +53,7 @@
         <a:sym typeface="Arial"/>
       </a:defRPr>
     </a:lvl1pPr>
-    <a:lvl2pPr lvl="1" marR="0" rtl="0" algn="l">
+    <a:lvl2pPr marR="0" lvl="1" algn="l" rtl="0">
       <a:lnSpc>
         <a:spcPct val="100000"/>
       </a:lnSpc>
@@ -67,7 +67,7 @@
         <a:srgbClr val="000000"/>
       </a:buClr>
       <a:buFont typeface="Arial"/>
-      <a:defRPr b="0" i="0" sz="1400" u="none" cap="none" strike="noStrike">
+      <a:defRPr sz="1400" b="0" i="0" u="none" strike="noStrike" cap="none">
         <a:solidFill>
           <a:srgbClr val="000000"/>
         </a:solidFill>
@@ -77,7 +77,7 @@
         <a:sym typeface="Arial"/>
       </a:defRPr>
     </a:lvl2pPr>
-    <a:lvl3pPr lvl="2" marR="0" rtl="0" algn="l">
+    <a:lvl3pPr marR="0" lvl="2" algn="l" rtl="0">
       <a:lnSpc>
         <a:spcPct val="100000"/>
       </a:lnSpc>
@@ -91,7 +91,7 @@
         <a:srgbClr val="000000"/>
       </a:buClr>
       <a:buFont typeface="Arial"/>
-      <a:defRPr b="0" i="0" sz="1400" u="none" cap="none" strike="noStrike">
+      <a:defRPr sz="1400" b="0" i="0" u="none" strike="noStrike" cap="none">
         <a:solidFill>
           <a:srgbClr val="000000"/>
         </a:solidFill>
@@ -101,7 +101,7 @@
         <a:sym typeface="Arial"/>
       </a:defRPr>
     </a:lvl3pPr>
-    <a:lvl4pPr lvl="3" marR="0" rtl="0" algn="l">
+    <a:lvl4pPr marR="0" lvl="3" algn="l" rtl="0">
       <a:lnSpc>
         <a:spcPct val="100000"/>
       </a:lnSpc>
@@ -115,7 +115,7 @@
         <a:srgbClr val="000000"/>
       </a:buClr>
       <a:buFont typeface="Arial"/>
-      <a:defRPr b="0" i="0" sz="1400" u="none" cap="none" strike="noStrike">
+      <a:defRPr sz="1400" b="0" i="0" u="none" strike="noStrike" cap="none">
         <a:solidFill>
           <a:srgbClr val="000000"/>
         </a:solidFill>
@@ -125,7 +125,7 @@
         <a:sym typeface="Arial"/>
       </a:defRPr>
     </a:lvl4pPr>
-    <a:lvl5pPr lvl="4" marR="0" rtl="0" algn="l">
+    <a:lvl5pPr marR="0" lvl="4" algn="l" rtl="0">
       <a:lnSpc>
         <a:spcPct val="100000"/>
       </a:lnSpc>
@@ -139,7 +139,7 @@
         <a:srgbClr val="000000"/>
       </a:buClr>
       <a:buFont typeface="Arial"/>
-      <a:defRPr b="0" i="0" sz="1400" u="none" cap="none" strike="noStrike">
+      <a:defRPr sz="1400" b="0" i="0" u="none" strike="noStrike" cap="none">
         <a:solidFill>
           <a:srgbClr val="000000"/>
         </a:solidFill>
@@ -149,7 +149,7 @@
         <a:sym typeface="Arial"/>
       </a:defRPr>
     </a:lvl5pPr>
-    <a:lvl6pPr lvl="5" marR="0" rtl="0" algn="l">
+    <a:lvl6pPr marR="0" lvl="5" algn="l" rtl="0">
       <a:lnSpc>
         <a:spcPct val="100000"/>
       </a:lnSpc>
@@ -163,7 +163,7 @@
         <a:srgbClr val="000000"/>
       </a:buClr>
       <a:buFont typeface="Arial"/>
-      <a:defRPr b="0" i="0" sz="1400" u="none" cap="none" strike="noStrike">
+      <a:defRPr sz="1400" b="0" i="0" u="none" strike="noStrike" cap="none">
         <a:solidFill>
           <a:srgbClr val="000000"/>
         </a:solidFill>
@@ -173,7 +173,7 @@
         <a:sym typeface="Arial"/>
       </a:defRPr>
     </a:lvl6pPr>
-    <a:lvl7pPr lvl="6" marR="0" rtl="0" algn="l">
+    <a:lvl7pPr marR="0" lvl="6" algn="l" rtl="0">
       <a:lnSpc>
         <a:spcPct val="100000"/>
       </a:lnSpc>
@@ -187,7 +187,7 @@
         <a:srgbClr val="000000"/>
       </a:buClr>
       <a:buFont typeface="Arial"/>
-      <a:defRPr b="0" i="0" sz="1400" u="none" cap="none" strike="noStrike">
+      <a:defRPr sz="1400" b="0" i="0" u="none" strike="noStrike" cap="none">
         <a:solidFill>
           <a:srgbClr val="000000"/>
         </a:solidFill>
@@ -197,7 +197,7 @@
         <a:sym typeface="Arial"/>
       </a:defRPr>
     </a:lvl7pPr>
-    <a:lvl8pPr lvl="7" marR="0" rtl="0" algn="l">
+    <a:lvl8pPr marR="0" lvl="7" algn="l" rtl="0">
       <a:lnSpc>
         <a:spcPct val="100000"/>
       </a:lnSpc>
@@ -211,7 +211,7 @@
         <a:srgbClr val="000000"/>
       </a:buClr>
       <a:buFont typeface="Arial"/>
-      <a:defRPr b="0" i="0" sz="1400" u="none" cap="none" strike="noStrike">
+      <a:defRPr sz="1400" b="0" i="0" u="none" strike="noStrike" cap="none">
         <a:solidFill>
           <a:srgbClr val="000000"/>
         </a:solidFill>
@@ -221,7 +221,7 @@
         <a:sym typeface="Arial"/>
       </a:defRPr>
     </a:lvl8pPr>
-    <a:lvl9pPr lvl="8" marR="0" rtl="0" algn="l">
+    <a:lvl9pPr marR="0" lvl="8" algn="l" rtl="0">
       <a:lnSpc>
         <a:spcPct val="100000"/>
       </a:lnSpc>
@@ -235,7 +235,7 @@
         <a:srgbClr val="000000"/>
       </a:buClr>
       <a:buFont typeface="Arial"/>
-      <a:defRPr b="0" i="0" sz="1400" u="none" cap="none" strike="noStrike">
+      <a:defRPr sz="1400" b="0" i="0" u="none" strike="noStrike" cap="none">
         <a:solidFill>
           <a:srgbClr val="000000"/>
         </a:solidFill>
@@ -248,7 +248,7 @@
   </p:defaultTextStyle>
   <p:extLst>
     <p:ext uri="{EFAFB233-063F-42B5-8137-9DF3F51BA10A}">
-      <p15:sldGuideLst>
+      <p15:sldGuideLst xmlns:p15="http://schemas.microsoft.com/office/powerpoint/2012/main">
         <p15:guide id="1" orient="horz" pos="1620">
           <p15:clr>
             <a:srgbClr val="747775"/>
@@ -266,11 +266,16 @@
 </file>
 
 <file path=ppt/notesMasters/notesMaster1.xml><?xml version="1.0" encoding="utf-8"?>
-<p:notesMaster xmlns:a="http://schemas.openxmlformats.org/drawingml/2006/main" xmlns:r="http://schemas.openxmlformats.org/officeDocument/2006/relationships" xmlns:mc="http://schemas.openxmlformats.org/markup-compatibility/2006" xmlns:mv="urn:schemas-microsoft-com:mac:vml" xmlns:p="http://schemas.openxmlformats.org/presentationml/2006/main" xmlns:c="http://schemas.openxmlformats.org/drawingml/2006/chart" xmlns:dgm="http://schemas.openxmlformats.org/drawingml/2006/diagram" xmlns:o="urn:schemas-microsoft-com:office:office" xmlns:v="urn:schemas-microsoft-com:vml" xmlns:pvml="urn:schemas-microsoft-com:office:powerpoint" xmlns:com="http://schemas.openxmlformats.org/drawingml/2006/compatibility" xmlns:p14="http://schemas.microsoft.com/office/powerpoint/2010/main" xmlns:p15="http://schemas.microsoft.com/office/powerpoint/2012/main" xmlns:ahyp="http://schemas.microsoft.com/office/drawing/2018/hyperlinkcolor">
+<p:notesMaster xmlns:a="http://schemas.openxmlformats.org/drawingml/2006/main" xmlns:r="http://schemas.openxmlformats.org/officeDocument/2006/relationships" xmlns:p="http://schemas.openxmlformats.org/presentationml/2006/main">
   <p:cSld>
+    <p:bg>
+      <p:bgRef idx="1001">
+        <a:schemeClr val="bg1"/>
+      </p:bgRef>
+    </p:bg>
     <p:spTree>
       <p:nvGrpSpPr>
-        <p:cNvPr id="2" name="Shape 2"/>
+        <p:cNvPr id="1" name="Shape 2"/>
         <p:cNvGrpSpPr/>
         <p:nvPr/>
       </p:nvGrpSpPr>
@@ -285,9 +290,11 @@
       <p:sp>
         <p:nvSpPr>
           <p:cNvPr id="3" name="Google Shape;3;n"/>
-          <p:cNvSpPr/>
+          <p:cNvSpPr>
+            <a:spLocks noGrp="1" noRot="1" noChangeAspect="1"/>
+          </p:cNvSpPr>
           <p:nvPr>
-            <p:ph idx="2" type="sldImg"/>
+            <p:ph type="sldImg" idx="2"/>
           </p:nvPr>
         </p:nvSpPr>
         <p:spPr>
@@ -296,9 +303,13 @@
             <a:ext cx="6096075" cy="3429000"/>
           </a:xfrm>
           <a:custGeom>
-            <a:rect b="b" l="l" r="r" t="t"/>
+            <a:avLst/>
+            <a:gdLst/>
+            <a:ahLst/>
+            <a:cxnLst/>
+            <a:rect l="l" t="t" r="r" b="b"/>
             <a:pathLst>
-              <a:path extrusionOk="0" h="120000" w="120000">
+              <a:path w="120000" h="120000" extrusionOk="0">
                 <a:moveTo>
                   <a:pt x="0" y="0"/>
                 </a:moveTo>
@@ -316,23 +327,25 @@
             </a:pathLst>
           </a:custGeom>
           <a:noFill/>
-          <a:ln cap="flat" cmpd="sng" w="9525">
+          <a:ln w="9525" cap="flat" cmpd="sng">
             <a:solidFill>
               <a:srgbClr val="000000"/>
             </a:solidFill>
             <a:prstDash val="solid"/>
             <a:round/>
-            <a:headEnd len="sm" w="sm" type="none"/>
-            <a:tailEnd len="sm" w="sm" type="none"/>
+            <a:headEnd type="none" w="sm" len="sm"/>
+            <a:tailEnd type="none" w="sm" len="sm"/>
           </a:ln>
         </p:spPr>
       </p:sp>
       <p:sp>
         <p:nvSpPr>
           <p:cNvPr id="4" name="Google Shape;4;n"/>
-          <p:cNvSpPr txBox="1"/>
+          <p:cNvSpPr txBox="1">
+            <a:spLocks noGrp="1"/>
+          </p:cNvSpPr>
           <p:nvPr>
-            <p:ph idx="1" type="body"/>
+            <p:ph type="body" idx="1"/>
           </p:nvPr>
         </p:nvSpPr>
         <p:spPr>
@@ -349,11 +362,11 @@
           </a:ln>
         </p:spPr>
         <p:txBody>
-          <a:bodyPr anchorCtr="0" anchor="t" bIns="91425" lIns="91425" spcFirstLastPara="1" rIns="91425" wrap="square" tIns="91425">
+          <a:bodyPr spcFirstLastPara="1" wrap="square" lIns="91425" tIns="91425" rIns="91425" bIns="91425" anchor="t" anchorCtr="0">
             <a:noAutofit/>
           </a:bodyPr>
           <a:lstStyle>
-            <a:lvl1pPr indent="-298450" lvl="0" marL="457200">
+            <a:lvl1pPr marL="457200" lvl="0" indent="-298450">
               <a:spcBef>
                 <a:spcPts val="0"/>
               </a:spcBef>
@@ -364,7 +377,7 @@
               <a:buChar char="●"/>
               <a:defRPr sz="1100"/>
             </a:lvl1pPr>
-            <a:lvl2pPr indent="-298450" lvl="1" marL="914400">
+            <a:lvl2pPr marL="914400" lvl="1" indent="-298450">
               <a:spcBef>
                 <a:spcPts val="0"/>
               </a:spcBef>
@@ -375,7 +388,7 @@
               <a:buChar char="○"/>
               <a:defRPr sz="1100"/>
             </a:lvl2pPr>
-            <a:lvl3pPr indent="-298450" lvl="2" marL="1371600">
+            <a:lvl3pPr marL="1371600" lvl="2" indent="-298450">
               <a:spcBef>
                 <a:spcPts val="0"/>
               </a:spcBef>
@@ -386,7 +399,7 @@
               <a:buChar char="■"/>
               <a:defRPr sz="1100"/>
             </a:lvl3pPr>
-            <a:lvl4pPr indent="-298450" lvl="3" marL="1828800">
+            <a:lvl4pPr marL="1828800" lvl="3" indent="-298450">
               <a:spcBef>
                 <a:spcPts val="0"/>
               </a:spcBef>
@@ -397,7 +410,7 @@
               <a:buChar char="●"/>
               <a:defRPr sz="1100"/>
             </a:lvl4pPr>
-            <a:lvl5pPr indent="-298450" lvl="4" marL="2286000">
+            <a:lvl5pPr marL="2286000" lvl="4" indent="-298450">
               <a:spcBef>
                 <a:spcPts val="0"/>
               </a:spcBef>
@@ -408,7 +421,7 @@
               <a:buChar char="○"/>
               <a:defRPr sz="1100"/>
             </a:lvl5pPr>
-            <a:lvl6pPr indent="-298450" lvl="5" marL="2743200">
+            <a:lvl6pPr marL="2743200" lvl="5" indent="-298450">
               <a:spcBef>
                 <a:spcPts val="0"/>
               </a:spcBef>
@@ -419,7 +432,7 @@
               <a:buChar char="■"/>
               <a:defRPr sz="1100"/>
             </a:lvl6pPr>
-            <a:lvl7pPr indent="-298450" lvl="6" marL="3200400">
+            <a:lvl7pPr marL="3200400" lvl="6" indent="-298450">
               <a:spcBef>
                 <a:spcPts val="0"/>
               </a:spcBef>
@@ -430,7 +443,7 @@
               <a:buChar char="●"/>
               <a:defRPr sz="1100"/>
             </a:lvl7pPr>
-            <a:lvl8pPr indent="-298450" lvl="7" marL="3657600">
+            <a:lvl8pPr marL="3657600" lvl="7" indent="-298450">
               <a:spcBef>
                 <a:spcPts val="0"/>
               </a:spcBef>
@@ -441,7 +454,7 @@
               <a:buChar char="○"/>
               <a:defRPr sz="1100"/>
             </a:lvl8pPr>
-            <a:lvl9pPr indent="-298450" lvl="8" marL="4114800">
+            <a:lvl9pPr marL="4114800" lvl="8" indent="-298450">
               <a:spcBef>
                 <a:spcPts val="0"/>
               </a:spcBef>
@@ -453,14 +466,16 @@
               <a:defRPr sz="1100"/>
             </a:lvl9pPr>
           </a:lstStyle>
-          <a:p/>
+          <a:p>
+            <a:endParaRPr/>
+          </a:p>
         </p:txBody>
       </p:sp>
     </p:spTree>
   </p:cSld>
-  <p:clrMap accent1="accent1" accent2="accent2" accent3="accent3" accent4="accent4" accent5="accent5" accent6="accent6" bg1="lt1" bg2="dk2" tx1="dk1" tx2="lt2" folHlink="folHlink" hlink="hlink"/>
+  <p:clrMap bg1="lt1" tx1="dk1" bg2="dk2" tx2="lt2" accent1="accent1" accent2="accent2" accent3="accent3" accent4="accent4" accent5="accent5" accent6="accent6" hlink="hlink" folHlink="folHlink"/>
   <p:notesStyle>
-    <a:defPPr lvl="0" marR="0" rtl="0" algn="l">
+    <a:defPPr marR="0" lvl="0" algn="l" rtl="0">
       <a:lnSpc>
         <a:spcPct val="100000"/>
       </a:lnSpc>
@@ -471,7 +486,7 @@
         <a:spcPts val="0"/>
       </a:spcAft>
     </a:defPPr>
-    <a:lvl1pPr lvl="0" marR="0" rtl="0" algn="l">
+    <a:lvl1pPr marR="0" lvl="0" algn="l" rtl="0">
       <a:lnSpc>
         <a:spcPct val="100000"/>
       </a:lnSpc>
@@ -485,7 +500,7 @@
         <a:srgbClr val="000000"/>
       </a:buClr>
       <a:buFont typeface="Arial"/>
-      <a:defRPr b="0" i="0" sz="1400" u="none" cap="none" strike="noStrike">
+      <a:defRPr sz="1400" b="0" i="0" u="none" strike="noStrike" cap="none">
         <a:solidFill>
           <a:srgbClr val="000000"/>
         </a:solidFill>
@@ -495,7 +510,7 @@
         <a:sym typeface="Arial"/>
       </a:defRPr>
     </a:lvl1pPr>
-    <a:lvl2pPr lvl="1" marR="0" rtl="0" algn="l">
+    <a:lvl2pPr marR="0" lvl="1" algn="l" rtl="0">
       <a:lnSpc>
         <a:spcPct val="100000"/>
       </a:lnSpc>
@@ -509,7 +524,7 @@
         <a:srgbClr val="000000"/>
       </a:buClr>
       <a:buFont typeface="Arial"/>
-      <a:defRPr b="0" i="0" sz="1400" u="none" cap="none" strike="noStrike">
+      <a:defRPr sz="1400" b="0" i="0" u="none" strike="noStrike" cap="none">
         <a:solidFill>
           <a:srgbClr val="000000"/>
         </a:solidFill>
@@ -519,7 +534,7 @@
         <a:sym typeface="Arial"/>
       </a:defRPr>
     </a:lvl2pPr>
-    <a:lvl3pPr lvl="2" marR="0" rtl="0" algn="l">
+    <a:lvl3pPr marR="0" lvl="2" algn="l" rtl="0">
       <a:lnSpc>
         <a:spcPct val="100000"/>
       </a:lnSpc>
@@ -533,7 +548,7 @@
         <a:srgbClr val="000000"/>
       </a:buClr>
       <a:buFont typeface="Arial"/>
-      <a:defRPr b="0" i="0" sz="1400" u="none" cap="none" strike="noStrike">
+      <a:defRPr sz="1400" b="0" i="0" u="none" strike="noStrike" cap="none">
         <a:solidFill>
           <a:srgbClr val="000000"/>
         </a:solidFill>
@@ -543,7 +558,7 @@
         <a:sym typeface="Arial"/>
       </a:defRPr>
     </a:lvl3pPr>
-    <a:lvl4pPr lvl="3" marR="0" rtl="0" algn="l">
+    <a:lvl4pPr marR="0" lvl="3" algn="l" rtl="0">
       <a:lnSpc>
         <a:spcPct val="100000"/>
       </a:lnSpc>
@@ -557,7 +572,7 @@
         <a:srgbClr val="000000"/>
       </a:buClr>
       <a:buFont typeface="Arial"/>
-      <a:defRPr b="0" i="0" sz="1400" u="none" cap="none" strike="noStrike">
+      <a:defRPr sz="1400" b="0" i="0" u="none" strike="noStrike" cap="none">
         <a:solidFill>
           <a:srgbClr val="000000"/>
         </a:solidFill>
@@ -567,7 +582,7 @@
         <a:sym typeface="Arial"/>
       </a:defRPr>
     </a:lvl4pPr>
-    <a:lvl5pPr lvl="4" marR="0" rtl="0" algn="l">
+    <a:lvl5pPr marR="0" lvl="4" algn="l" rtl="0">
       <a:lnSpc>
         <a:spcPct val="100000"/>
       </a:lnSpc>
@@ -581,7 +596,7 @@
         <a:srgbClr val="000000"/>
       </a:buClr>
       <a:buFont typeface="Arial"/>
-      <a:defRPr b="0" i="0" sz="1400" u="none" cap="none" strike="noStrike">
+      <a:defRPr sz="1400" b="0" i="0" u="none" strike="noStrike" cap="none">
         <a:solidFill>
           <a:srgbClr val="000000"/>
         </a:solidFill>
@@ -591,7 +606,7 @@
         <a:sym typeface="Arial"/>
       </a:defRPr>
     </a:lvl5pPr>
-    <a:lvl6pPr lvl="5" marR="0" rtl="0" algn="l">
+    <a:lvl6pPr marR="0" lvl="5" algn="l" rtl="0">
       <a:lnSpc>
         <a:spcPct val="100000"/>
       </a:lnSpc>
@@ -605,7 +620,7 @@
         <a:srgbClr val="000000"/>
       </a:buClr>
       <a:buFont typeface="Arial"/>
-      <a:defRPr b="0" i="0" sz="1400" u="none" cap="none" strike="noStrike">
+      <a:defRPr sz="1400" b="0" i="0" u="none" strike="noStrike" cap="none">
         <a:solidFill>
           <a:srgbClr val="000000"/>
         </a:solidFill>
@@ -615,7 +630,7 @@
         <a:sym typeface="Arial"/>
       </a:defRPr>
     </a:lvl6pPr>
-    <a:lvl7pPr lvl="6" marR="0" rtl="0" algn="l">
+    <a:lvl7pPr marR="0" lvl="6" algn="l" rtl="0">
       <a:lnSpc>
         <a:spcPct val="100000"/>
       </a:lnSpc>
@@ -629,7 +644,7 @@
         <a:srgbClr val="000000"/>
       </a:buClr>
       <a:buFont typeface="Arial"/>
-      <a:defRPr b="0" i="0" sz="1400" u="none" cap="none" strike="noStrike">
+      <a:defRPr sz="1400" b="0" i="0" u="none" strike="noStrike" cap="none">
         <a:solidFill>
           <a:srgbClr val="000000"/>
         </a:solidFill>
@@ -639,7 +654,7 @@
         <a:sym typeface="Arial"/>
       </a:defRPr>
     </a:lvl7pPr>
-    <a:lvl8pPr lvl="7" marR="0" rtl="0" algn="l">
+    <a:lvl8pPr marR="0" lvl="7" algn="l" rtl="0">
       <a:lnSpc>
         <a:spcPct val="100000"/>
       </a:lnSpc>
@@ -653,7 +668,7 @@
         <a:srgbClr val="000000"/>
       </a:buClr>
       <a:buFont typeface="Arial"/>
-      <a:defRPr b="0" i="0" sz="1400" u="none" cap="none" strike="noStrike">
+      <a:defRPr sz="1400" b="0" i="0" u="none" strike="noStrike" cap="none">
         <a:solidFill>
           <a:srgbClr val="000000"/>
         </a:solidFill>
@@ -663,7 +678,7 @@
         <a:sym typeface="Arial"/>
       </a:defRPr>
     </a:lvl8pPr>
-    <a:lvl9pPr lvl="8" marR="0" rtl="0" algn="l">
+    <a:lvl9pPr marR="0" lvl="8" algn="l" rtl="0">
       <a:lnSpc>
         <a:spcPct val="100000"/>
       </a:lnSpc>
@@ -677,7 +692,7 @@
         <a:srgbClr val="000000"/>
       </a:buClr>
       <a:buFont typeface="Arial"/>
-      <a:defRPr b="0" i="0" sz="1400" u="none" cap="none" strike="noStrike">
+      <a:defRPr sz="1400" b="0" i="0" u="none" strike="noStrike" cap="none">
         <a:solidFill>
           <a:srgbClr val="000000"/>
         </a:solidFill>
@@ -692,11 +707,11 @@
 </file>
 
 <file path=ppt/notesSlides/notesSlide1.xml><?xml version="1.0" encoding="utf-8"?>
-<p:notes xmlns:a="http://schemas.openxmlformats.org/drawingml/2006/main" xmlns:r="http://schemas.openxmlformats.org/officeDocument/2006/relationships" xmlns:mc="http://schemas.openxmlformats.org/markup-compatibility/2006" xmlns:mv="urn:schemas-microsoft-com:mac:vml" xmlns:p="http://schemas.openxmlformats.org/presentationml/2006/main" xmlns:c="http://schemas.openxmlformats.org/drawingml/2006/chart" xmlns:dgm="http://schemas.openxmlformats.org/drawingml/2006/diagram" xmlns:o="urn:schemas-microsoft-com:office:office" xmlns:v="urn:schemas-microsoft-com:vml" xmlns:pvml="urn:schemas-microsoft-com:office:powerpoint" xmlns:com="http://schemas.openxmlformats.org/drawingml/2006/compatibility" xmlns:p14="http://schemas.microsoft.com/office/powerpoint/2010/main" xmlns:p15="http://schemas.microsoft.com/office/powerpoint/2012/main" xmlns:ahyp="http://schemas.microsoft.com/office/drawing/2018/hyperlinkcolor" showMasterPhAnim="0" showMasterSp="0">
+<p:notes xmlns:a="http://schemas.openxmlformats.org/drawingml/2006/main" xmlns:r="http://schemas.openxmlformats.org/officeDocument/2006/relationships" xmlns:p="http://schemas.openxmlformats.org/presentationml/2006/main" showMasterSp="0" showMasterPhAnim="0">
   <p:cSld>
     <p:spTree>
       <p:nvGrpSpPr>
-        <p:cNvPr id="82" name="Shape 82"/>
+        <p:cNvPr id="1" name="Shape 82"/>
         <p:cNvGrpSpPr/>
         <p:nvPr/>
       </p:nvGrpSpPr>
@@ -711,20 +726,26 @@
       <p:sp>
         <p:nvSpPr>
           <p:cNvPr id="83" name="Google Shape;83;p:notes"/>
-          <p:cNvSpPr/>
+          <p:cNvSpPr>
+            <a:spLocks noGrp="1" noRot="1" noChangeAspect="1"/>
+          </p:cNvSpPr>
           <p:nvPr>
-            <p:ph idx="2" type="sldImg"/>
+            <p:ph type="sldImg" idx="2"/>
           </p:nvPr>
         </p:nvSpPr>
         <p:spPr>
           <a:xfrm>
-            <a:off x="381300" y="685800"/>
-            <a:ext cx="6096075" cy="3429000"/>
+            <a:off x="381000" y="685800"/>
+            <a:ext cx="6096000" cy="3429000"/>
           </a:xfrm>
           <a:custGeom>
-            <a:rect b="b" l="l" r="r" t="t"/>
+            <a:avLst/>
+            <a:gdLst/>
+            <a:ahLst/>
+            <a:cxnLst/>
+            <a:rect l="l" t="t" r="r" b="b"/>
             <a:pathLst>
-              <a:path extrusionOk="0" h="120000" w="120000">
+              <a:path w="120000" h="120000" extrusionOk="0">
                 <a:moveTo>
                   <a:pt x="0" y="0"/>
                 </a:moveTo>
@@ -746,9 +767,11 @@
       <p:sp>
         <p:nvSpPr>
           <p:cNvPr id="84" name="Google Shape;84;p:notes"/>
-          <p:cNvSpPr txBox="1"/>
+          <p:cNvSpPr txBox="1">
+            <a:spLocks noGrp="1"/>
+          </p:cNvSpPr>
           <p:nvPr>
-            <p:ph idx="1" type="body"/>
+            <p:ph type="body" idx="1"/>
           </p:nvPr>
         </p:nvSpPr>
         <p:spPr>
@@ -761,12 +784,12 @@
           </a:prstGeom>
         </p:spPr>
         <p:txBody>
-          <a:bodyPr anchorCtr="0" anchor="t" bIns="91425" lIns="91425" spcFirstLastPara="1" rIns="91425" wrap="square" tIns="91425">
+          <a:bodyPr spcFirstLastPara="1" wrap="square" lIns="91425" tIns="91425" rIns="91425" bIns="91425" anchor="t" anchorCtr="0">
             <a:noAutofit/>
           </a:bodyPr>
           <a:lstStyle/>
           <a:p>
-            <a:pPr indent="0" lvl="0" marL="0" rtl="0" algn="l">
+            <a:pPr marL="0" lvl="0" indent="0" algn="l" rtl="0">
               <a:spcBef>
                 <a:spcPts val="0"/>
               </a:spcBef>
@@ -775,9 +798,6 @@
               </a:spcAft>
               <a:buNone/>
             </a:pPr>
-            <a:r>
-              <a:t/>
-            </a:r>
             <a:endParaRPr/>
           </a:p>
         </p:txBody>
@@ -791,11 +811,11 @@
 </file>
 
 <file path=ppt/notesSlides/notesSlide2.xml><?xml version="1.0" encoding="utf-8"?>
-<p:notes xmlns:a="http://schemas.openxmlformats.org/drawingml/2006/main" xmlns:r="http://schemas.openxmlformats.org/officeDocument/2006/relationships" xmlns:mc="http://schemas.openxmlformats.org/markup-compatibility/2006" xmlns:mv="urn:schemas-microsoft-com:mac:vml" xmlns:p="http://schemas.openxmlformats.org/presentationml/2006/main" xmlns:c="http://schemas.openxmlformats.org/drawingml/2006/chart" xmlns:dgm="http://schemas.openxmlformats.org/drawingml/2006/diagram" xmlns:o="urn:schemas-microsoft-com:office:office" xmlns:v="urn:schemas-microsoft-com:vml" xmlns:pvml="urn:schemas-microsoft-com:office:powerpoint" xmlns:com="http://schemas.openxmlformats.org/drawingml/2006/compatibility" xmlns:p14="http://schemas.microsoft.com/office/powerpoint/2010/main" xmlns:p15="http://schemas.microsoft.com/office/powerpoint/2012/main" xmlns:ahyp="http://schemas.microsoft.com/office/drawing/2018/hyperlinkcolor" showMasterPhAnim="0" showMasterSp="0">
+<p:notes xmlns:a="http://schemas.openxmlformats.org/drawingml/2006/main" xmlns:r="http://schemas.openxmlformats.org/officeDocument/2006/relationships" xmlns:p="http://schemas.openxmlformats.org/presentationml/2006/main" showMasterSp="0" showMasterPhAnim="0">
   <p:cSld>
     <p:spTree>
       <p:nvGrpSpPr>
-        <p:cNvPr id="88" name="Shape 88"/>
+        <p:cNvPr id="1" name="Shape 88"/>
         <p:cNvGrpSpPr/>
         <p:nvPr/>
       </p:nvGrpSpPr>
@@ -810,9 +830,11 @@
       <p:sp>
         <p:nvSpPr>
           <p:cNvPr id="89" name="Google Shape;89;g29830cfcbfa_0_78:notes"/>
-          <p:cNvSpPr/>
+          <p:cNvSpPr>
+            <a:spLocks noGrp="1" noRot="1" noChangeAspect="1"/>
+          </p:cNvSpPr>
           <p:nvPr>
-            <p:ph idx="2" type="sldImg"/>
+            <p:ph type="sldImg" idx="2"/>
           </p:nvPr>
         </p:nvSpPr>
         <p:spPr>
@@ -821,9 +843,13 @@
             <a:ext cx="6096000" cy="3429000"/>
           </a:xfrm>
           <a:custGeom>
-            <a:rect b="b" l="l" r="r" t="t"/>
+            <a:avLst/>
+            <a:gdLst/>
+            <a:ahLst/>
+            <a:cxnLst/>
+            <a:rect l="l" t="t" r="r" b="b"/>
             <a:pathLst>
-              <a:path extrusionOk="0" h="120000" w="120000">
+              <a:path w="120000" h="120000" extrusionOk="0">
                 <a:moveTo>
                   <a:pt x="0" y="0"/>
                 </a:moveTo>
@@ -845,9 +871,11 @@
       <p:sp>
         <p:nvSpPr>
           <p:cNvPr id="90" name="Google Shape;90;g29830cfcbfa_0_78:notes"/>
-          <p:cNvSpPr txBox="1"/>
+          <p:cNvSpPr txBox="1">
+            <a:spLocks noGrp="1"/>
+          </p:cNvSpPr>
           <p:nvPr>
-            <p:ph idx="1" type="body"/>
+            <p:ph type="body" idx="1"/>
           </p:nvPr>
         </p:nvSpPr>
         <p:spPr>
@@ -860,12 +888,12 @@
           </a:prstGeom>
         </p:spPr>
         <p:txBody>
-          <a:bodyPr anchorCtr="0" anchor="t" bIns="91425" lIns="91425" spcFirstLastPara="1" rIns="91425" wrap="square" tIns="91425">
+          <a:bodyPr spcFirstLastPara="1" wrap="square" lIns="91425" tIns="91425" rIns="91425" bIns="91425" anchor="t" anchorCtr="0">
             <a:noAutofit/>
           </a:bodyPr>
           <a:lstStyle/>
           <a:p>
-            <a:pPr indent="0" lvl="0" marL="0" rtl="0" algn="l">
+            <a:pPr marL="0" lvl="0" indent="0" algn="l" rtl="0">
               <a:spcBef>
                 <a:spcPts val="0"/>
               </a:spcBef>
@@ -874,9 +902,6 @@
               </a:spcAft>
               <a:buNone/>
             </a:pPr>
-            <a:r>
-              <a:t/>
-            </a:r>
             <a:endParaRPr/>
           </a:p>
         </p:txBody>
@@ -890,11 +915,11 @@
 </file>
 
 <file path=ppt/notesSlides/notesSlide3.xml><?xml version="1.0" encoding="utf-8"?>
-<p:notes xmlns:a="http://schemas.openxmlformats.org/drawingml/2006/main" xmlns:r="http://schemas.openxmlformats.org/officeDocument/2006/relationships" xmlns:mc="http://schemas.openxmlformats.org/markup-compatibility/2006" xmlns:mv="urn:schemas-microsoft-com:mac:vml" xmlns:p="http://schemas.openxmlformats.org/presentationml/2006/main" xmlns:c="http://schemas.openxmlformats.org/drawingml/2006/chart" xmlns:dgm="http://schemas.openxmlformats.org/drawingml/2006/diagram" xmlns:o="urn:schemas-microsoft-com:office:office" xmlns:v="urn:schemas-microsoft-com:vml" xmlns:pvml="urn:schemas-microsoft-com:office:powerpoint" xmlns:com="http://schemas.openxmlformats.org/drawingml/2006/compatibility" xmlns:p14="http://schemas.microsoft.com/office/powerpoint/2010/main" xmlns:p15="http://schemas.microsoft.com/office/powerpoint/2012/main" xmlns:ahyp="http://schemas.microsoft.com/office/drawing/2018/hyperlinkcolor" showMasterPhAnim="0" showMasterSp="0">
+<p:notes xmlns:a="http://schemas.openxmlformats.org/drawingml/2006/main" xmlns:r="http://schemas.openxmlformats.org/officeDocument/2006/relationships" xmlns:p="http://schemas.openxmlformats.org/presentationml/2006/main" showMasterSp="0" showMasterPhAnim="0">
   <p:cSld>
     <p:spTree>
       <p:nvGrpSpPr>
-        <p:cNvPr id="94" name="Shape 94"/>
+        <p:cNvPr id="1" name="Shape 94"/>
         <p:cNvGrpSpPr/>
         <p:nvPr/>
       </p:nvGrpSpPr>
@@ -909,9 +934,11 @@
       <p:sp>
         <p:nvSpPr>
           <p:cNvPr id="95" name="Google Shape;95;g29830cfcbfa_0_83:notes"/>
-          <p:cNvSpPr/>
+          <p:cNvSpPr>
+            <a:spLocks noGrp="1" noRot="1" noChangeAspect="1"/>
+          </p:cNvSpPr>
           <p:nvPr>
-            <p:ph idx="2" type="sldImg"/>
+            <p:ph type="sldImg" idx="2"/>
           </p:nvPr>
         </p:nvSpPr>
         <p:spPr>
@@ -920,9 +947,13 @@
             <a:ext cx="6096000" cy="3429000"/>
           </a:xfrm>
           <a:custGeom>
-            <a:rect b="b" l="l" r="r" t="t"/>
+            <a:avLst/>
+            <a:gdLst/>
+            <a:ahLst/>
+            <a:cxnLst/>
+            <a:rect l="l" t="t" r="r" b="b"/>
             <a:pathLst>
-              <a:path extrusionOk="0" h="120000" w="120000">
+              <a:path w="120000" h="120000" extrusionOk="0">
                 <a:moveTo>
                   <a:pt x="0" y="0"/>
                 </a:moveTo>
@@ -944,9 +975,11 @@
       <p:sp>
         <p:nvSpPr>
           <p:cNvPr id="96" name="Google Shape;96;g29830cfcbfa_0_83:notes"/>
-          <p:cNvSpPr txBox="1"/>
+          <p:cNvSpPr txBox="1">
+            <a:spLocks noGrp="1"/>
+          </p:cNvSpPr>
           <p:nvPr>
-            <p:ph idx="1" type="body"/>
+            <p:ph type="body" idx="1"/>
           </p:nvPr>
         </p:nvSpPr>
         <p:spPr>
@@ -959,12 +992,12 @@
           </a:prstGeom>
         </p:spPr>
         <p:txBody>
-          <a:bodyPr anchorCtr="0" anchor="t" bIns="91425" lIns="91425" spcFirstLastPara="1" rIns="91425" wrap="square" tIns="91425">
+          <a:bodyPr spcFirstLastPara="1" wrap="square" lIns="91425" tIns="91425" rIns="91425" bIns="91425" anchor="t" anchorCtr="0">
             <a:noAutofit/>
           </a:bodyPr>
           <a:lstStyle/>
           <a:p>
-            <a:pPr indent="0" lvl="0" marL="0" rtl="0" algn="l">
+            <a:pPr marL="0" lvl="0" indent="0" algn="l" rtl="0">
               <a:spcBef>
                 <a:spcPts val="0"/>
               </a:spcBef>
@@ -973,9 +1006,6 @@
               </a:spcAft>
               <a:buNone/>
             </a:pPr>
-            <a:r>
-              <a:t/>
-            </a:r>
             <a:endParaRPr/>
           </a:p>
         </p:txBody>
@@ -989,11 +1019,11 @@
 </file>
 
 <file path=ppt/notesSlides/notesSlide4.xml><?xml version="1.0" encoding="utf-8"?>
-<p:notes xmlns:a="http://schemas.openxmlformats.org/drawingml/2006/main" xmlns:r="http://schemas.openxmlformats.org/officeDocument/2006/relationships" xmlns:mc="http://schemas.openxmlformats.org/markup-compatibility/2006" xmlns:mv="urn:schemas-microsoft-com:mac:vml" xmlns:p="http://schemas.openxmlformats.org/presentationml/2006/main" xmlns:c="http://schemas.openxmlformats.org/drawingml/2006/chart" xmlns:dgm="http://schemas.openxmlformats.org/drawingml/2006/diagram" xmlns:o="urn:schemas-microsoft-com:office:office" xmlns:v="urn:schemas-microsoft-com:vml" xmlns:pvml="urn:schemas-microsoft-com:office:powerpoint" xmlns:com="http://schemas.openxmlformats.org/drawingml/2006/compatibility" xmlns:p14="http://schemas.microsoft.com/office/powerpoint/2010/main" xmlns:p15="http://schemas.microsoft.com/office/powerpoint/2012/main" xmlns:ahyp="http://schemas.microsoft.com/office/drawing/2018/hyperlinkcolor" showMasterPhAnim="0" showMasterSp="0">
+<p:notes xmlns:a="http://schemas.openxmlformats.org/drawingml/2006/main" xmlns:r="http://schemas.openxmlformats.org/officeDocument/2006/relationships" xmlns:p="http://schemas.openxmlformats.org/presentationml/2006/main" showMasterSp="0" showMasterPhAnim="0">
   <p:cSld>
     <p:spTree>
       <p:nvGrpSpPr>
-        <p:cNvPr id="100" name="Shape 100"/>
+        <p:cNvPr id="1" name="Shape 100"/>
         <p:cNvGrpSpPr/>
         <p:nvPr/>
       </p:nvGrpSpPr>
@@ -1008,9 +1038,11 @@
       <p:sp>
         <p:nvSpPr>
           <p:cNvPr id="101" name="Google Shape;101;g29830cfcbfa_0_89:notes"/>
-          <p:cNvSpPr/>
+          <p:cNvSpPr>
+            <a:spLocks noGrp="1" noRot="1" noChangeAspect="1"/>
+          </p:cNvSpPr>
           <p:nvPr>
-            <p:ph idx="2" type="sldImg"/>
+            <p:ph type="sldImg" idx="2"/>
           </p:nvPr>
         </p:nvSpPr>
         <p:spPr>
@@ -1019,9 +1051,13 @@
             <a:ext cx="6096000" cy="3429000"/>
           </a:xfrm>
           <a:custGeom>
-            <a:rect b="b" l="l" r="r" t="t"/>
+            <a:avLst/>
+            <a:gdLst/>
+            <a:ahLst/>
+            <a:cxnLst/>
+            <a:rect l="l" t="t" r="r" b="b"/>
             <a:pathLst>
-              <a:path extrusionOk="0" h="120000" w="120000">
+              <a:path w="120000" h="120000" extrusionOk="0">
                 <a:moveTo>
                   <a:pt x="0" y="0"/>
                 </a:moveTo>
@@ -1043,9 +1079,11 @@
       <p:sp>
         <p:nvSpPr>
           <p:cNvPr id="102" name="Google Shape;102;g29830cfcbfa_0_89:notes"/>
-          <p:cNvSpPr txBox="1"/>
+          <p:cNvSpPr txBox="1">
+            <a:spLocks noGrp="1"/>
+          </p:cNvSpPr>
           <p:nvPr>
-            <p:ph idx="1" type="body"/>
+            <p:ph type="body" idx="1"/>
           </p:nvPr>
         </p:nvSpPr>
         <p:spPr>
@@ -1058,12 +1096,12 @@
           </a:prstGeom>
         </p:spPr>
         <p:txBody>
-          <a:bodyPr anchorCtr="0" anchor="t" bIns="91425" lIns="91425" spcFirstLastPara="1" rIns="91425" wrap="square" tIns="91425">
+          <a:bodyPr spcFirstLastPara="1" wrap="square" lIns="91425" tIns="91425" rIns="91425" bIns="91425" anchor="t" anchorCtr="0">
             <a:noAutofit/>
           </a:bodyPr>
           <a:lstStyle/>
           <a:p>
-            <a:pPr indent="0" lvl="0" marL="0" rtl="0" algn="l">
+            <a:pPr marL="0" lvl="0" indent="0" algn="l" rtl="0">
               <a:spcBef>
                 <a:spcPts val="0"/>
               </a:spcBef>
@@ -1072,9 +1110,6 @@
               </a:spcAft>
               <a:buNone/>
             </a:pPr>
-            <a:r>
-              <a:t/>
-            </a:r>
             <a:endParaRPr/>
           </a:p>
         </p:txBody>
@@ -1088,11 +1123,11 @@
 </file>
 
 <file path=ppt/notesSlides/notesSlide5.xml><?xml version="1.0" encoding="utf-8"?>
-<p:notes xmlns:a="http://schemas.openxmlformats.org/drawingml/2006/main" xmlns:r="http://schemas.openxmlformats.org/officeDocument/2006/relationships" xmlns:mc="http://schemas.openxmlformats.org/markup-compatibility/2006" xmlns:mv="urn:schemas-microsoft-com:mac:vml" xmlns:p="http://schemas.openxmlformats.org/presentationml/2006/main" xmlns:c="http://schemas.openxmlformats.org/drawingml/2006/chart" xmlns:dgm="http://schemas.openxmlformats.org/drawingml/2006/diagram" xmlns:o="urn:schemas-microsoft-com:office:office" xmlns:v="urn:schemas-microsoft-com:vml" xmlns:pvml="urn:schemas-microsoft-com:office:powerpoint" xmlns:com="http://schemas.openxmlformats.org/drawingml/2006/compatibility" xmlns:p14="http://schemas.microsoft.com/office/powerpoint/2010/main" xmlns:p15="http://schemas.microsoft.com/office/powerpoint/2012/main" xmlns:ahyp="http://schemas.microsoft.com/office/drawing/2018/hyperlinkcolor" showMasterPhAnim="0" showMasterSp="0">
+<p:notes xmlns:a="http://schemas.openxmlformats.org/drawingml/2006/main" xmlns:r="http://schemas.openxmlformats.org/officeDocument/2006/relationships" xmlns:p="http://schemas.openxmlformats.org/presentationml/2006/main" showMasterSp="0" showMasterPhAnim="0">
   <p:cSld>
     <p:spTree>
       <p:nvGrpSpPr>
-        <p:cNvPr id="106" name="Shape 106"/>
+        <p:cNvPr id="1" name="Shape 106"/>
         <p:cNvGrpSpPr/>
         <p:nvPr/>
       </p:nvGrpSpPr>
@@ -1107,20 +1142,26 @@
       <p:sp>
         <p:nvSpPr>
           <p:cNvPr id="107" name="Google Shape;107;g29830cfcbfa_0_94:notes"/>
-          <p:cNvSpPr/>
+          <p:cNvSpPr>
+            <a:spLocks noGrp="1" noRot="1" noChangeAspect="1"/>
+          </p:cNvSpPr>
           <p:nvPr>
-            <p:ph idx="2" type="sldImg"/>
+            <p:ph type="sldImg" idx="2"/>
           </p:nvPr>
         </p:nvSpPr>
         <p:spPr>
           <a:xfrm>
-            <a:off x="381300" y="685800"/>
+            <a:off x="381000" y="685800"/>
             <a:ext cx="6096000" cy="3429000"/>
           </a:xfrm>
           <a:custGeom>
-            <a:rect b="b" l="l" r="r" t="t"/>
+            <a:avLst/>
+            <a:gdLst/>
+            <a:ahLst/>
+            <a:cxnLst/>
+            <a:rect l="l" t="t" r="r" b="b"/>
             <a:pathLst>
-              <a:path extrusionOk="0" h="120000" w="120000">
+              <a:path w="120000" h="120000" extrusionOk="0">
                 <a:moveTo>
                   <a:pt x="0" y="0"/>
                 </a:moveTo>
@@ -1142,9 +1183,11 @@
       <p:sp>
         <p:nvSpPr>
           <p:cNvPr id="108" name="Google Shape;108;g29830cfcbfa_0_94:notes"/>
-          <p:cNvSpPr txBox="1"/>
+          <p:cNvSpPr txBox="1">
+            <a:spLocks noGrp="1"/>
+          </p:cNvSpPr>
           <p:nvPr>
-            <p:ph idx="1" type="body"/>
+            <p:ph type="body" idx="1"/>
           </p:nvPr>
         </p:nvSpPr>
         <p:spPr>
@@ -1157,12 +1200,12 @@
           </a:prstGeom>
         </p:spPr>
         <p:txBody>
-          <a:bodyPr anchorCtr="0" anchor="t" bIns="91425" lIns="91425" spcFirstLastPara="1" rIns="91425" wrap="square" tIns="91425">
+          <a:bodyPr spcFirstLastPara="1" wrap="square" lIns="91425" tIns="91425" rIns="91425" bIns="91425" anchor="t" anchorCtr="0">
             <a:noAutofit/>
           </a:bodyPr>
           <a:lstStyle/>
           <a:p>
-            <a:pPr indent="0" lvl="0" marL="0" rtl="0" algn="l">
+            <a:pPr marL="0" lvl="0" indent="0" algn="l" rtl="0">
               <a:spcBef>
                 <a:spcPts val="0"/>
               </a:spcBef>
@@ -1171,9 +1214,6 @@
               </a:spcAft>
               <a:buNone/>
             </a:pPr>
-            <a:r>
-              <a:t/>
-            </a:r>
             <a:endParaRPr/>
           </a:p>
         </p:txBody>
@@ -1187,11 +1227,11 @@
 </file>
 
 <file path=ppt/notesSlides/notesSlide6.xml><?xml version="1.0" encoding="utf-8"?>
-<p:notes xmlns:a="http://schemas.openxmlformats.org/drawingml/2006/main" xmlns:r="http://schemas.openxmlformats.org/officeDocument/2006/relationships" xmlns:mc="http://schemas.openxmlformats.org/markup-compatibility/2006" xmlns:mv="urn:schemas-microsoft-com:mac:vml" xmlns:p="http://schemas.openxmlformats.org/presentationml/2006/main" xmlns:c="http://schemas.openxmlformats.org/drawingml/2006/chart" xmlns:dgm="http://schemas.openxmlformats.org/drawingml/2006/diagram" xmlns:o="urn:schemas-microsoft-com:office:office" xmlns:v="urn:schemas-microsoft-com:vml" xmlns:pvml="urn:schemas-microsoft-com:office:powerpoint" xmlns:com="http://schemas.openxmlformats.org/drawingml/2006/compatibility" xmlns:p14="http://schemas.microsoft.com/office/powerpoint/2010/main" xmlns:p15="http://schemas.microsoft.com/office/powerpoint/2012/main" xmlns:ahyp="http://schemas.microsoft.com/office/drawing/2018/hyperlinkcolor" showMasterPhAnim="0" showMasterSp="0">
+<p:notes xmlns:a="http://schemas.openxmlformats.org/drawingml/2006/main" xmlns:r="http://schemas.openxmlformats.org/officeDocument/2006/relationships" xmlns:p="http://schemas.openxmlformats.org/presentationml/2006/main" showMasterSp="0" showMasterPhAnim="0">
   <p:cSld>
     <p:spTree>
       <p:nvGrpSpPr>
-        <p:cNvPr id="112" name="Shape 112"/>
+        <p:cNvPr id="1" name="Shape 112"/>
         <p:cNvGrpSpPr/>
         <p:nvPr/>
       </p:nvGrpSpPr>
@@ -1206,20 +1246,26 @@
       <p:sp>
         <p:nvSpPr>
           <p:cNvPr id="113" name="Google Shape;113;g29830cfcbfa_0_99:notes"/>
-          <p:cNvSpPr/>
+          <p:cNvSpPr>
+            <a:spLocks noGrp="1" noRot="1" noChangeAspect="1"/>
+          </p:cNvSpPr>
           <p:nvPr>
-            <p:ph idx="2" type="sldImg"/>
+            <p:ph type="sldImg" idx="2"/>
           </p:nvPr>
         </p:nvSpPr>
         <p:spPr>
           <a:xfrm>
-            <a:off x="381300" y="685800"/>
+            <a:off x="381000" y="685800"/>
             <a:ext cx="6096000" cy="3429000"/>
           </a:xfrm>
           <a:custGeom>
-            <a:rect b="b" l="l" r="r" t="t"/>
+            <a:avLst/>
+            <a:gdLst/>
+            <a:ahLst/>
+            <a:cxnLst/>
+            <a:rect l="l" t="t" r="r" b="b"/>
             <a:pathLst>
-              <a:path extrusionOk="0" h="120000" w="120000">
+              <a:path w="120000" h="120000" extrusionOk="0">
                 <a:moveTo>
                   <a:pt x="0" y="0"/>
                 </a:moveTo>
@@ -1241,9 +1287,11 @@
       <p:sp>
         <p:nvSpPr>
           <p:cNvPr id="114" name="Google Shape;114;g29830cfcbfa_0_99:notes"/>
-          <p:cNvSpPr txBox="1"/>
+          <p:cNvSpPr txBox="1">
+            <a:spLocks noGrp="1"/>
+          </p:cNvSpPr>
           <p:nvPr>
-            <p:ph idx="1" type="body"/>
+            <p:ph type="body" idx="1"/>
           </p:nvPr>
         </p:nvSpPr>
         <p:spPr>
@@ -1256,12 +1304,12 @@
           </a:prstGeom>
         </p:spPr>
         <p:txBody>
-          <a:bodyPr anchorCtr="0" anchor="t" bIns="91425" lIns="91425" spcFirstLastPara="1" rIns="91425" wrap="square" tIns="91425">
+          <a:bodyPr spcFirstLastPara="1" wrap="square" lIns="91425" tIns="91425" rIns="91425" bIns="91425" anchor="t" anchorCtr="0">
             <a:noAutofit/>
           </a:bodyPr>
           <a:lstStyle/>
           <a:p>
-            <a:pPr indent="0" lvl="0" marL="0" rtl="0" algn="l">
+            <a:pPr marL="0" lvl="0" indent="0" algn="l" rtl="0">
               <a:spcBef>
                 <a:spcPts val="0"/>
               </a:spcBef>
@@ -1270,9 +1318,6 @@
               </a:spcAft>
               <a:buNone/>
             </a:pPr>
-            <a:r>
-              <a:t/>
-            </a:r>
             <a:endParaRPr/>
           </a:p>
         </p:txBody>
@@ -1286,18 +1331,19 @@
 </file>
 
 <file path=ppt/slideLayouts/slideLayout1.xml><?xml version="1.0" encoding="utf-8"?>
-<p:sldLayout xmlns:a="http://schemas.openxmlformats.org/drawingml/2006/main" xmlns:r="http://schemas.openxmlformats.org/officeDocument/2006/relationships" xmlns:mc="http://schemas.openxmlformats.org/markup-compatibility/2006" xmlns:mv="urn:schemas-microsoft-com:mac:vml" xmlns:p="http://schemas.openxmlformats.org/presentationml/2006/main" xmlns:c="http://schemas.openxmlformats.org/drawingml/2006/chart" xmlns:dgm="http://schemas.openxmlformats.org/drawingml/2006/diagram" xmlns:o="urn:schemas-microsoft-com:office:office" xmlns:v="urn:schemas-microsoft-com:vml" xmlns:pvml="urn:schemas-microsoft-com:office:powerpoint" xmlns:com="http://schemas.openxmlformats.org/drawingml/2006/compatibility" xmlns:p14="http://schemas.microsoft.com/office/powerpoint/2010/main" xmlns:p15="http://schemas.microsoft.com/office/powerpoint/2012/main" xmlns:ahyp="http://schemas.microsoft.com/office/drawing/2018/hyperlinkcolor" matchingName="Title slide" type="title">
+<p:sldLayout xmlns:a="http://schemas.openxmlformats.org/drawingml/2006/main" xmlns:r="http://schemas.openxmlformats.org/officeDocument/2006/relationships" xmlns:p="http://schemas.openxmlformats.org/presentationml/2006/main" matchingName="Title slide" type="title">
   <p:cSld name="TITLE">
     <p:bg>
       <p:bgPr>
         <a:solidFill>
           <a:schemeClr val="lt2"/>
         </a:solidFill>
+        <a:effectLst/>
       </p:bgPr>
     </p:bg>
     <p:spTree>
       <p:nvGrpSpPr>
-        <p:cNvPr id="9" name="Shape 9"/>
+        <p:cNvPr id="1" name="Shape 9"/>
         <p:cNvGrpSpPr/>
         <p:nvPr/>
       </p:nvGrpSpPr>
@@ -1331,12 +1377,12 @@
           </a:ln>
         </p:spPr>
         <p:txBody>
-          <a:bodyPr anchorCtr="0" anchor="ctr" bIns="91425" lIns="91425" spcFirstLastPara="1" rIns="91425" wrap="square" tIns="91425">
+          <a:bodyPr spcFirstLastPara="1" wrap="square" lIns="91425" tIns="91425" rIns="91425" bIns="91425" anchor="ctr" anchorCtr="0">
             <a:noAutofit/>
           </a:bodyPr>
           <a:lstStyle/>
           <a:p>
-            <a:pPr indent="0" lvl="0" marL="0" rtl="0" algn="l">
+            <a:pPr marL="0" lvl="0" indent="0" algn="l" rtl="0">
               <a:spcBef>
                 <a:spcPts val="0"/>
               </a:spcBef>
@@ -1345,9 +1391,6 @@
               </a:spcAft>
               <a:buNone/>
             </a:pPr>
-            <a:r>
-              <a:t/>
-            </a:r>
             <a:endParaRPr/>
           </a:p>
         </p:txBody>
@@ -1388,12 +1431,12 @@
             </a:ln>
           </p:spPr>
           <p:txBody>
-            <a:bodyPr anchorCtr="0" anchor="ctr" bIns="91425" lIns="91425" spcFirstLastPara="1" rIns="91425" wrap="square" tIns="91425">
+            <a:bodyPr spcFirstLastPara="1" wrap="square" lIns="91425" tIns="91425" rIns="91425" bIns="91425" anchor="ctr" anchorCtr="0">
               <a:noAutofit/>
             </a:bodyPr>
             <a:lstStyle/>
             <a:p>
-              <a:pPr indent="0" lvl="0" marL="0" rtl="0" algn="l">
+              <a:pPr marL="0" lvl="0" indent="0" algn="l" rtl="0">
                 <a:spcBef>
                   <a:spcPts val="0"/>
                 </a:spcBef>
@@ -1402,9 +1445,6 @@
                 </a:spcAft>
                 <a:buNone/>
               </a:pPr>
-              <a:r>
-                <a:t/>
-              </a:r>
               <a:endParaRPr/>
             </a:p>
           </p:txBody>
@@ -1431,12 +1471,12 @@
             </a:ln>
           </p:spPr>
           <p:txBody>
-            <a:bodyPr anchorCtr="0" anchor="ctr" bIns="91425" lIns="91425" spcFirstLastPara="1" rIns="91425" wrap="square" tIns="91425">
+            <a:bodyPr spcFirstLastPara="1" wrap="square" lIns="91425" tIns="91425" rIns="91425" bIns="91425" anchor="ctr" anchorCtr="0">
               <a:noAutofit/>
             </a:bodyPr>
             <a:lstStyle/>
             <a:p>
-              <a:pPr indent="0" lvl="0" marL="0" rtl="0" algn="l">
+              <a:pPr marL="0" lvl="0" indent="0" algn="l" rtl="0">
                 <a:spcBef>
                   <a:spcPts val="0"/>
                 </a:spcBef>
@@ -1445,9 +1485,6 @@
                 </a:spcAft>
                 <a:buNone/>
               </a:pPr>
-              <a:r>
-                <a:t/>
-              </a:r>
               <a:endParaRPr/>
             </a:p>
           </p:txBody>
@@ -1456,7 +1493,9 @@
       <p:sp>
         <p:nvSpPr>
           <p:cNvPr id="14" name="Google Shape;14;p2"/>
-          <p:cNvSpPr txBox="1"/>
+          <p:cNvSpPr txBox="1">
+            <a:spLocks noGrp="1"/>
+          </p:cNvSpPr>
           <p:nvPr>
             <p:ph type="ctrTitle"/>
           </p:nvPr>
@@ -1471,7 +1510,7 @@
           </a:prstGeom>
         </p:spPr>
         <p:txBody>
-          <a:bodyPr anchorCtr="0" anchor="t" bIns="91425" lIns="91425" spcFirstLastPara="1" rIns="91425" wrap="square" tIns="91425">
+          <a:bodyPr spcFirstLastPara="1" wrap="square" lIns="91425" tIns="91425" rIns="91425" bIns="91425" anchor="t" anchorCtr="0">
             <a:normAutofit/>
           </a:bodyPr>
           <a:lstStyle>
@@ -1575,15 +1614,19 @@
               <a:defRPr sz="4200"/>
             </a:lvl9pPr>
           </a:lstStyle>
-          <a:p/>
+          <a:p>
+            <a:endParaRPr/>
+          </a:p>
         </p:txBody>
       </p:sp>
       <p:sp>
         <p:nvSpPr>
           <p:cNvPr id="15" name="Google Shape;15;p2"/>
-          <p:cNvSpPr txBox="1"/>
+          <p:cNvSpPr txBox="1">
+            <a:spLocks noGrp="1"/>
+          </p:cNvSpPr>
           <p:nvPr>
-            <p:ph idx="1" type="subTitle"/>
+            <p:ph type="subTitle" idx="1"/>
           </p:nvPr>
         </p:nvSpPr>
         <p:spPr>
@@ -1596,7 +1639,7 @@
           </a:prstGeom>
         </p:spPr>
         <p:txBody>
-          <a:bodyPr anchorCtr="0" anchor="t" bIns="91425" lIns="91425" spcFirstLastPara="1" rIns="91425" wrap="square" tIns="91425">
+          <a:bodyPr spcFirstLastPara="1" wrap="square" lIns="91425" tIns="91425" rIns="91425" bIns="91425" anchor="t" anchorCtr="0">
             <a:normAutofit/>
           </a:bodyPr>
           <a:lstStyle>
@@ -1727,15 +1770,19 @@
               <a:defRPr sz="1600"/>
             </a:lvl9pPr>
           </a:lstStyle>
-          <a:p/>
+          <a:p>
+            <a:endParaRPr/>
+          </a:p>
         </p:txBody>
       </p:sp>
       <p:sp>
         <p:nvSpPr>
           <p:cNvPr id="16" name="Google Shape;16;p2"/>
-          <p:cNvSpPr txBox="1"/>
+          <p:cNvSpPr txBox="1">
+            <a:spLocks noGrp="1"/>
+          </p:cNvSpPr>
           <p:nvPr>
-            <p:ph idx="12" type="sldNum"/>
+            <p:ph type="sldNum" idx="12"/>
           </p:nvPr>
         </p:nvSpPr>
         <p:spPr>
@@ -1748,7 +1795,7 @@
           </a:prstGeom>
         </p:spPr>
         <p:txBody>
-          <a:bodyPr anchorCtr="0" anchor="ctr" bIns="91425" lIns="91425" spcFirstLastPara="1" rIns="91425" wrap="square" tIns="91425">
+          <a:bodyPr spcFirstLastPara="1" wrap="square" lIns="91425" tIns="91425" rIns="91425" bIns="91425" anchor="ctr" anchorCtr="0">
             <a:normAutofit/>
           </a:bodyPr>
           <a:lstStyle>
@@ -1790,7 +1837,7 @@
             </a:lvl9pPr>
           </a:lstStyle>
           <a:p>
-            <a:pPr indent="0" lvl="0" marL="0" rtl="0" algn="r">
+            <a:pPr marL="0" lvl="0" indent="0" algn="r" rtl="0">
               <a:spcBef>
                 <a:spcPts val="0"/>
               </a:spcBef>
@@ -1816,18 +1863,19 @@
 </file>
 
 <file path=ppt/slideLayouts/slideLayout10.xml><?xml version="1.0" encoding="utf-8"?>
-<p:sldLayout xmlns:a="http://schemas.openxmlformats.org/drawingml/2006/main" xmlns:r="http://schemas.openxmlformats.org/officeDocument/2006/relationships" xmlns:mc="http://schemas.openxmlformats.org/markup-compatibility/2006" xmlns:mv="urn:schemas-microsoft-com:mac:vml" xmlns:p="http://schemas.openxmlformats.org/presentationml/2006/main" xmlns:c="http://schemas.openxmlformats.org/drawingml/2006/chart" xmlns:dgm="http://schemas.openxmlformats.org/drawingml/2006/diagram" xmlns:o="urn:schemas-microsoft-com:office:office" xmlns:v="urn:schemas-microsoft-com:vml" xmlns:pvml="urn:schemas-microsoft-com:office:powerpoint" xmlns:com="http://schemas.openxmlformats.org/drawingml/2006/compatibility" xmlns:p14="http://schemas.microsoft.com/office/powerpoint/2010/main" xmlns:p15="http://schemas.microsoft.com/office/powerpoint/2012/main" xmlns:ahyp="http://schemas.microsoft.com/office/drawing/2018/hyperlinkcolor" matchingName="Big number">
+<p:sldLayout xmlns:a="http://schemas.openxmlformats.org/drawingml/2006/main" xmlns:r="http://schemas.openxmlformats.org/officeDocument/2006/relationships" xmlns:p="http://schemas.openxmlformats.org/presentationml/2006/main" matchingName="Big number">
   <p:cSld name="BIG_NUMBER">
     <p:bg>
       <p:bgPr>
         <a:solidFill>
           <a:schemeClr val="dk1"/>
         </a:solidFill>
+        <a:effectLst/>
       </p:bgPr>
     </p:bg>
     <p:spTree>
       <p:nvGrpSpPr>
-        <p:cNvPr id="73" name="Shape 73"/>
+        <p:cNvPr id="1" name="Shape 73"/>
         <p:cNvGrpSpPr/>
         <p:nvPr/>
       </p:nvGrpSpPr>
@@ -1875,12 +1923,12 @@
             </a:ln>
           </p:spPr>
           <p:txBody>
-            <a:bodyPr anchorCtr="0" anchor="ctr" bIns="91425" lIns="91425" spcFirstLastPara="1" rIns="91425" wrap="square" tIns="91425">
+            <a:bodyPr spcFirstLastPara="1" wrap="square" lIns="91425" tIns="91425" rIns="91425" bIns="91425" anchor="ctr" anchorCtr="0">
               <a:noAutofit/>
             </a:bodyPr>
             <a:lstStyle/>
             <a:p>
-              <a:pPr indent="0" lvl="0" marL="0" rtl="0" algn="l">
+              <a:pPr marL="0" lvl="0" indent="0" algn="l" rtl="0">
                 <a:spcBef>
                   <a:spcPts val="0"/>
                 </a:spcBef>
@@ -1889,9 +1937,6 @@
                 </a:spcAft>
                 <a:buNone/>
               </a:pPr>
-              <a:r>
-                <a:t/>
-              </a:r>
               <a:endParaRPr/>
             </a:p>
           </p:txBody>
@@ -1918,12 +1963,12 @@
             </a:ln>
           </p:spPr>
           <p:txBody>
-            <a:bodyPr anchorCtr="0" anchor="ctr" bIns="91425" lIns="91425" spcFirstLastPara="1" rIns="91425" wrap="square" tIns="91425">
+            <a:bodyPr spcFirstLastPara="1" wrap="square" lIns="91425" tIns="91425" rIns="91425" bIns="91425" anchor="ctr" anchorCtr="0">
               <a:noAutofit/>
             </a:bodyPr>
             <a:lstStyle/>
             <a:p>
-              <a:pPr indent="0" lvl="0" marL="0" rtl="0" algn="l">
+              <a:pPr marL="0" lvl="0" indent="0" algn="l" rtl="0">
                 <a:spcBef>
                   <a:spcPts val="0"/>
                 </a:spcBef>
@@ -1932,9 +1977,6 @@
                 </a:spcAft>
                 <a:buNone/>
               </a:pPr>
-              <a:r>
-                <a:t/>
-              </a:r>
               <a:endParaRPr/>
             </a:p>
           </p:txBody>
@@ -1943,9 +1985,11 @@
       <p:sp>
         <p:nvSpPr>
           <p:cNvPr id="77" name="Google Shape;77;p11"/>
-          <p:cNvSpPr txBox="1"/>
+          <p:cNvSpPr txBox="1">
+            <a:spLocks noGrp="1"/>
+          </p:cNvSpPr>
           <p:nvPr>
-            <p:ph hasCustomPrompt="1" type="title"/>
+            <p:ph type="title" hasCustomPrompt="1"/>
           </p:nvPr>
         </p:nvSpPr>
         <p:spPr>
@@ -1958,7 +2002,7 @@
           </a:prstGeom>
         </p:spPr>
         <p:txBody>
-          <a:bodyPr anchorCtr="0" anchor="t" bIns="91425" lIns="91425" spcFirstLastPara="1" rIns="91425" wrap="square" tIns="91425">
+          <a:bodyPr spcFirstLastPara="1" wrap="square" lIns="91425" tIns="91425" rIns="91425" bIns="91425" anchor="t" anchorCtr="0">
             <a:normAutofit/>
           </a:bodyPr>
           <a:lstStyle>
@@ -2135,9 +2179,11 @@
       <p:sp>
         <p:nvSpPr>
           <p:cNvPr id="78" name="Google Shape;78;p11"/>
-          <p:cNvSpPr txBox="1"/>
+          <p:cNvSpPr txBox="1">
+            <a:spLocks noGrp="1"/>
+          </p:cNvSpPr>
           <p:nvPr>
-            <p:ph idx="1" type="body"/>
+            <p:ph type="body" idx="1"/>
           </p:nvPr>
         </p:nvSpPr>
         <p:spPr>
@@ -2150,11 +2196,11 @@
           </a:prstGeom>
         </p:spPr>
         <p:txBody>
-          <a:bodyPr anchorCtr="0" anchor="t" bIns="91425" lIns="91425" spcFirstLastPara="1" rIns="91425" wrap="square" tIns="91425">
+          <a:bodyPr spcFirstLastPara="1" wrap="square" lIns="91425" tIns="91425" rIns="91425" bIns="91425" anchor="t" anchorCtr="0">
             <a:normAutofit/>
           </a:bodyPr>
           <a:lstStyle>
-            <a:lvl1pPr indent="-311150" lvl="0" marL="457200">
+            <a:lvl1pPr marL="457200" lvl="0" indent="-311150">
               <a:spcBef>
                 <a:spcPts val="0"/>
               </a:spcBef>
@@ -2172,7 +2218,7 @@
                 </a:solidFill>
               </a:defRPr>
             </a:lvl1pPr>
-            <a:lvl2pPr indent="-298450" lvl="1" marL="914400">
+            <a:lvl2pPr marL="914400" lvl="1" indent="-298450">
               <a:spcBef>
                 <a:spcPts val="0"/>
               </a:spcBef>
@@ -2190,7 +2236,7 @@
                 </a:solidFill>
               </a:defRPr>
             </a:lvl2pPr>
-            <a:lvl3pPr indent="-298450" lvl="2" marL="1371600">
+            <a:lvl3pPr marL="1371600" lvl="2" indent="-298450">
               <a:spcBef>
                 <a:spcPts val="0"/>
               </a:spcBef>
@@ -2208,7 +2254,7 @@
                 </a:solidFill>
               </a:defRPr>
             </a:lvl3pPr>
-            <a:lvl4pPr indent="-298450" lvl="3" marL="1828800">
+            <a:lvl4pPr marL="1828800" lvl="3" indent="-298450">
               <a:spcBef>
                 <a:spcPts val="0"/>
               </a:spcBef>
@@ -2226,7 +2272,7 @@
                 </a:solidFill>
               </a:defRPr>
             </a:lvl4pPr>
-            <a:lvl5pPr indent="-298450" lvl="4" marL="2286000">
+            <a:lvl5pPr marL="2286000" lvl="4" indent="-298450">
               <a:spcBef>
                 <a:spcPts val="0"/>
               </a:spcBef>
@@ -2244,7 +2290,7 @@
                 </a:solidFill>
               </a:defRPr>
             </a:lvl5pPr>
-            <a:lvl6pPr indent="-298450" lvl="5" marL="2743200">
+            <a:lvl6pPr marL="2743200" lvl="5" indent="-298450">
               <a:spcBef>
                 <a:spcPts val="0"/>
               </a:spcBef>
@@ -2262,7 +2308,7 @@
                 </a:solidFill>
               </a:defRPr>
             </a:lvl6pPr>
-            <a:lvl7pPr indent="-298450" lvl="6" marL="3200400">
+            <a:lvl7pPr marL="3200400" lvl="6" indent="-298450">
               <a:spcBef>
                 <a:spcPts val="0"/>
               </a:spcBef>
@@ -2280,7 +2326,7 @@
                 </a:solidFill>
               </a:defRPr>
             </a:lvl7pPr>
-            <a:lvl8pPr indent="-298450" lvl="7" marL="3657600">
+            <a:lvl8pPr marL="3657600" lvl="7" indent="-298450">
               <a:spcBef>
                 <a:spcPts val="0"/>
               </a:spcBef>
@@ -2298,7 +2344,7 @@
                 </a:solidFill>
               </a:defRPr>
             </a:lvl8pPr>
-            <a:lvl9pPr indent="-298450" lvl="8" marL="4114800">
+            <a:lvl9pPr marL="4114800" lvl="8" indent="-298450">
               <a:spcBef>
                 <a:spcPts val="0"/>
               </a:spcBef>
@@ -2317,15 +2363,19 @@
               </a:defRPr>
             </a:lvl9pPr>
           </a:lstStyle>
-          <a:p/>
+          <a:p>
+            <a:endParaRPr/>
+          </a:p>
         </p:txBody>
       </p:sp>
       <p:sp>
         <p:nvSpPr>
           <p:cNvPr id="79" name="Google Shape;79;p11"/>
-          <p:cNvSpPr txBox="1"/>
+          <p:cNvSpPr txBox="1">
+            <a:spLocks noGrp="1"/>
+          </p:cNvSpPr>
           <p:nvPr>
-            <p:ph idx="12" type="sldNum"/>
+            <p:ph type="sldNum" idx="12"/>
           </p:nvPr>
         </p:nvSpPr>
         <p:spPr>
@@ -2338,7 +2388,7 @@
           </a:prstGeom>
         </p:spPr>
         <p:txBody>
-          <a:bodyPr anchorCtr="0" anchor="ctr" bIns="91425" lIns="91425" spcFirstLastPara="1" rIns="91425" wrap="square" tIns="91425">
+          <a:bodyPr spcFirstLastPara="1" wrap="square" lIns="91425" tIns="91425" rIns="91425" bIns="91425" anchor="ctr" anchorCtr="0">
             <a:normAutofit/>
           </a:bodyPr>
           <a:lstStyle>
@@ -2416,7 +2466,7 @@
             </a:lvl9pPr>
           </a:lstStyle>
           <a:p>
-            <a:pPr indent="0" lvl="0" marL="0" rtl="0" algn="r">
+            <a:pPr marL="0" lvl="0" indent="0" algn="r" rtl="0">
               <a:spcBef>
                 <a:spcPts val="0"/>
               </a:spcBef>
@@ -2442,11 +2492,11 @@
 </file>
 
 <file path=ppt/slideLayouts/slideLayout11.xml><?xml version="1.0" encoding="utf-8"?>
-<p:sldLayout xmlns:a="http://schemas.openxmlformats.org/drawingml/2006/main" xmlns:r="http://schemas.openxmlformats.org/officeDocument/2006/relationships" xmlns:mc="http://schemas.openxmlformats.org/markup-compatibility/2006" xmlns:mv="urn:schemas-microsoft-com:mac:vml" xmlns:p="http://schemas.openxmlformats.org/presentationml/2006/main" xmlns:c="http://schemas.openxmlformats.org/drawingml/2006/chart" xmlns:dgm="http://schemas.openxmlformats.org/drawingml/2006/diagram" xmlns:o="urn:schemas-microsoft-com:office:office" xmlns:v="urn:schemas-microsoft-com:vml" xmlns:pvml="urn:schemas-microsoft-com:office:powerpoint" xmlns:com="http://schemas.openxmlformats.org/drawingml/2006/compatibility" xmlns:p14="http://schemas.microsoft.com/office/powerpoint/2010/main" xmlns:p15="http://schemas.microsoft.com/office/powerpoint/2012/main" xmlns:ahyp="http://schemas.microsoft.com/office/drawing/2018/hyperlinkcolor" matchingName="Blank" type="blank">
+<p:sldLayout xmlns:a="http://schemas.openxmlformats.org/drawingml/2006/main" xmlns:r="http://schemas.openxmlformats.org/officeDocument/2006/relationships" xmlns:p="http://schemas.openxmlformats.org/presentationml/2006/main" matchingName="Blank" type="blank">
   <p:cSld name="BLANK">
     <p:spTree>
       <p:nvGrpSpPr>
-        <p:cNvPr id="80" name="Shape 80"/>
+        <p:cNvPr id="1" name="Shape 80"/>
         <p:cNvGrpSpPr/>
         <p:nvPr/>
       </p:nvGrpSpPr>
@@ -2461,9 +2511,11 @@
       <p:sp>
         <p:nvSpPr>
           <p:cNvPr id="81" name="Google Shape;81;p12"/>
-          <p:cNvSpPr txBox="1"/>
+          <p:cNvSpPr txBox="1">
+            <a:spLocks noGrp="1"/>
+          </p:cNvSpPr>
           <p:nvPr>
-            <p:ph idx="12" type="sldNum"/>
+            <p:ph type="sldNum" idx="12"/>
           </p:nvPr>
         </p:nvSpPr>
         <p:spPr>
@@ -2476,7 +2528,7 @@
           </a:prstGeom>
         </p:spPr>
         <p:txBody>
-          <a:bodyPr anchorCtr="0" anchor="ctr" bIns="91425" lIns="91425" spcFirstLastPara="1" rIns="91425" wrap="square" tIns="91425">
+          <a:bodyPr spcFirstLastPara="1" wrap="square" lIns="91425" tIns="91425" rIns="91425" bIns="91425" anchor="ctr" anchorCtr="0">
             <a:normAutofit/>
           </a:bodyPr>
           <a:lstStyle>
@@ -2518,7 +2570,7 @@
             </a:lvl9pPr>
           </a:lstStyle>
           <a:p>
-            <a:pPr indent="0" lvl="0" marL="0" rtl="0" algn="r">
+            <a:pPr marL="0" lvl="0" indent="0" algn="r" rtl="0">
               <a:spcBef>
                 <a:spcPts val="0"/>
               </a:spcBef>
@@ -2544,18 +2596,19 @@
 </file>
 
 <file path=ppt/slideLayouts/slideLayout2.xml><?xml version="1.0" encoding="utf-8"?>
-<p:sldLayout xmlns:a="http://schemas.openxmlformats.org/drawingml/2006/main" xmlns:r="http://schemas.openxmlformats.org/officeDocument/2006/relationships" xmlns:mc="http://schemas.openxmlformats.org/markup-compatibility/2006" xmlns:mv="urn:schemas-microsoft-com:mac:vml" xmlns:p="http://schemas.openxmlformats.org/presentationml/2006/main" xmlns:c="http://schemas.openxmlformats.org/drawingml/2006/chart" xmlns:dgm="http://schemas.openxmlformats.org/drawingml/2006/diagram" xmlns:o="urn:schemas-microsoft-com:office:office" xmlns:v="urn:schemas-microsoft-com:vml" xmlns:pvml="urn:schemas-microsoft-com:office:powerpoint" xmlns:com="http://schemas.openxmlformats.org/drawingml/2006/compatibility" xmlns:p14="http://schemas.microsoft.com/office/powerpoint/2010/main" xmlns:p15="http://schemas.microsoft.com/office/powerpoint/2012/main" xmlns:ahyp="http://schemas.microsoft.com/office/drawing/2018/hyperlinkcolor" matchingName="Section header" type="secHead">
+<p:sldLayout xmlns:a="http://schemas.openxmlformats.org/drawingml/2006/main" xmlns:r="http://schemas.openxmlformats.org/officeDocument/2006/relationships" xmlns:p="http://schemas.openxmlformats.org/presentationml/2006/main" matchingName="Section header" type="secHead">
   <p:cSld name="SECTION_HEADER">
     <p:bg>
       <p:bgPr>
         <a:solidFill>
           <a:schemeClr val="dk1"/>
         </a:solidFill>
+        <a:effectLst/>
       </p:bgPr>
     </p:bg>
     <p:spTree>
       <p:nvGrpSpPr>
-        <p:cNvPr id="17" name="Shape 17"/>
+        <p:cNvPr id="1" name="Shape 17"/>
         <p:cNvGrpSpPr/>
         <p:nvPr/>
       </p:nvGrpSpPr>
@@ -2603,12 +2656,12 @@
             </a:ln>
           </p:spPr>
           <p:txBody>
-            <a:bodyPr anchorCtr="0" anchor="ctr" bIns="91425" lIns="91425" spcFirstLastPara="1" rIns="91425" wrap="square" tIns="91425">
+            <a:bodyPr spcFirstLastPara="1" wrap="square" lIns="91425" tIns="91425" rIns="91425" bIns="91425" anchor="ctr" anchorCtr="0">
               <a:noAutofit/>
             </a:bodyPr>
             <a:lstStyle/>
             <a:p>
-              <a:pPr indent="0" lvl="0" marL="0" rtl="0" algn="l">
+              <a:pPr marL="0" lvl="0" indent="0" algn="l" rtl="0">
                 <a:spcBef>
                   <a:spcPts val="0"/>
                 </a:spcBef>
@@ -2617,9 +2670,6 @@
                 </a:spcAft>
                 <a:buNone/>
               </a:pPr>
-              <a:r>
-                <a:t/>
-              </a:r>
               <a:endParaRPr/>
             </a:p>
           </p:txBody>
@@ -2646,12 +2696,12 @@
             </a:ln>
           </p:spPr>
           <p:txBody>
-            <a:bodyPr anchorCtr="0" anchor="ctr" bIns="91425" lIns="91425" spcFirstLastPara="1" rIns="91425" wrap="square" tIns="91425">
+            <a:bodyPr spcFirstLastPara="1" wrap="square" lIns="91425" tIns="91425" rIns="91425" bIns="91425" anchor="ctr" anchorCtr="0">
               <a:noAutofit/>
             </a:bodyPr>
             <a:lstStyle/>
             <a:p>
-              <a:pPr indent="0" lvl="0" marL="0" rtl="0" algn="l">
+              <a:pPr marL="0" lvl="0" indent="0" algn="l" rtl="0">
                 <a:spcBef>
                   <a:spcPts val="0"/>
                 </a:spcBef>
@@ -2660,9 +2710,6 @@
                 </a:spcAft>
                 <a:buNone/>
               </a:pPr>
-              <a:r>
-                <a:t/>
-              </a:r>
               <a:endParaRPr/>
             </a:p>
           </p:txBody>
@@ -2671,7 +2718,9 @@
       <p:sp>
         <p:nvSpPr>
           <p:cNvPr id="21" name="Google Shape;21;p3"/>
-          <p:cNvSpPr txBox="1"/>
+          <p:cNvSpPr txBox="1">
+            <a:spLocks noGrp="1"/>
+          </p:cNvSpPr>
           <p:nvPr>
             <p:ph type="title"/>
           </p:nvPr>
@@ -2686,7 +2735,7 @@
           </a:prstGeom>
         </p:spPr>
         <p:txBody>
-          <a:bodyPr anchorCtr="0" anchor="t" bIns="91425" lIns="91425" spcFirstLastPara="1" rIns="91425" wrap="square" tIns="91425">
+          <a:bodyPr spcFirstLastPara="1" wrap="square" lIns="91425" tIns="91425" rIns="91425" bIns="91425" anchor="t" anchorCtr="0">
             <a:normAutofit/>
           </a:bodyPr>
           <a:lstStyle>
@@ -2853,15 +2902,19 @@
               </a:defRPr>
             </a:lvl9pPr>
           </a:lstStyle>
-          <a:p/>
+          <a:p>
+            <a:endParaRPr/>
+          </a:p>
         </p:txBody>
       </p:sp>
       <p:sp>
         <p:nvSpPr>
           <p:cNvPr id="22" name="Google Shape;22;p3"/>
-          <p:cNvSpPr txBox="1"/>
+          <p:cNvSpPr txBox="1">
+            <a:spLocks noGrp="1"/>
+          </p:cNvSpPr>
           <p:nvPr>
-            <p:ph idx="12" type="sldNum"/>
+            <p:ph type="sldNum" idx="12"/>
           </p:nvPr>
         </p:nvSpPr>
         <p:spPr>
@@ -2874,7 +2927,7 @@
           </a:prstGeom>
         </p:spPr>
         <p:txBody>
-          <a:bodyPr anchorCtr="0" anchor="ctr" bIns="91425" lIns="91425" spcFirstLastPara="1" rIns="91425" wrap="square" tIns="91425">
+          <a:bodyPr spcFirstLastPara="1" wrap="square" lIns="91425" tIns="91425" rIns="91425" bIns="91425" anchor="ctr" anchorCtr="0">
             <a:normAutofit/>
           </a:bodyPr>
           <a:lstStyle>
@@ -2952,7 +3005,7 @@
             </a:lvl9pPr>
           </a:lstStyle>
           <a:p>
-            <a:pPr indent="0" lvl="0" marL="0" rtl="0" algn="r">
+            <a:pPr marL="0" lvl="0" indent="0" algn="r" rtl="0">
               <a:spcBef>
                 <a:spcPts val="0"/>
               </a:spcBef>
@@ -2978,11 +3031,11 @@
 </file>
 
 <file path=ppt/slideLayouts/slideLayout3.xml><?xml version="1.0" encoding="utf-8"?>
-<p:sldLayout xmlns:a="http://schemas.openxmlformats.org/drawingml/2006/main" xmlns:r="http://schemas.openxmlformats.org/officeDocument/2006/relationships" xmlns:mc="http://schemas.openxmlformats.org/markup-compatibility/2006" xmlns:mv="urn:schemas-microsoft-com:mac:vml" xmlns:p="http://schemas.openxmlformats.org/presentationml/2006/main" xmlns:c="http://schemas.openxmlformats.org/drawingml/2006/chart" xmlns:dgm="http://schemas.openxmlformats.org/drawingml/2006/diagram" xmlns:o="urn:schemas-microsoft-com:office:office" xmlns:v="urn:schemas-microsoft-com:vml" xmlns:pvml="urn:schemas-microsoft-com:office:powerpoint" xmlns:com="http://schemas.openxmlformats.org/drawingml/2006/compatibility" xmlns:p14="http://schemas.microsoft.com/office/powerpoint/2010/main" xmlns:p15="http://schemas.microsoft.com/office/powerpoint/2012/main" xmlns:ahyp="http://schemas.microsoft.com/office/drawing/2018/hyperlinkcolor" matchingName="Title and body" type="tx">
+<p:sldLayout xmlns:a="http://schemas.openxmlformats.org/drawingml/2006/main" xmlns:r="http://schemas.openxmlformats.org/officeDocument/2006/relationships" xmlns:p="http://schemas.openxmlformats.org/presentationml/2006/main" matchingName="Title and body" type="tx">
   <p:cSld name="TITLE_AND_BODY">
     <p:spTree>
       <p:nvGrpSpPr>
-        <p:cNvPr id="23" name="Shape 23"/>
+        <p:cNvPr id="1" name="Shape 23"/>
         <p:cNvGrpSpPr/>
         <p:nvPr/>
       </p:nvGrpSpPr>
@@ -3016,12 +3069,12 @@
           </a:ln>
         </p:spPr>
         <p:txBody>
-          <a:bodyPr anchorCtr="0" anchor="ctr" bIns="91425" lIns="91425" spcFirstLastPara="1" rIns="91425" wrap="square" tIns="91425">
+          <a:bodyPr spcFirstLastPara="1" wrap="square" lIns="91425" tIns="91425" rIns="91425" bIns="91425" anchor="ctr" anchorCtr="0">
             <a:noAutofit/>
           </a:bodyPr>
           <a:lstStyle/>
           <a:p>
-            <a:pPr indent="0" lvl="0" marL="0" rtl="0" algn="l">
+            <a:pPr marL="0" lvl="0" indent="0" algn="l" rtl="0">
               <a:spcBef>
                 <a:spcPts val="0"/>
               </a:spcBef>
@@ -3030,9 +3083,6 @@
               </a:spcAft>
               <a:buNone/>
             </a:pPr>
-            <a:r>
-              <a:t/>
-            </a:r>
             <a:endParaRPr/>
           </a:p>
         </p:txBody>
@@ -3073,12 +3123,12 @@
             </a:ln>
           </p:spPr>
           <p:txBody>
-            <a:bodyPr anchorCtr="0" anchor="ctr" bIns="91425" lIns="91425" spcFirstLastPara="1" rIns="91425" wrap="square" tIns="91425">
+            <a:bodyPr spcFirstLastPara="1" wrap="square" lIns="91425" tIns="91425" rIns="91425" bIns="91425" anchor="ctr" anchorCtr="0">
               <a:noAutofit/>
             </a:bodyPr>
             <a:lstStyle/>
             <a:p>
-              <a:pPr indent="0" lvl="0" marL="0" rtl="0" algn="l">
+              <a:pPr marL="0" lvl="0" indent="0" algn="l" rtl="0">
                 <a:spcBef>
                   <a:spcPts val="0"/>
                 </a:spcBef>
@@ -3087,9 +3137,6 @@
                 </a:spcAft>
                 <a:buNone/>
               </a:pPr>
-              <a:r>
-                <a:t/>
-              </a:r>
               <a:endParaRPr/>
             </a:p>
           </p:txBody>
@@ -3116,12 +3163,12 @@
             </a:ln>
           </p:spPr>
           <p:txBody>
-            <a:bodyPr anchorCtr="0" anchor="ctr" bIns="91425" lIns="91425" spcFirstLastPara="1" rIns="91425" wrap="square" tIns="91425">
+            <a:bodyPr spcFirstLastPara="1" wrap="square" lIns="91425" tIns="91425" rIns="91425" bIns="91425" anchor="ctr" anchorCtr="0">
               <a:noAutofit/>
             </a:bodyPr>
             <a:lstStyle/>
             <a:p>
-              <a:pPr indent="0" lvl="0" marL="0" rtl="0" algn="l">
+              <a:pPr marL="0" lvl="0" indent="0" algn="l" rtl="0">
                 <a:spcBef>
                   <a:spcPts val="0"/>
                 </a:spcBef>
@@ -3130,9 +3177,6 @@
                 </a:spcAft>
                 <a:buNone/>
               </a:pPr>
-              <a:r>
-                <a:t/>
-              </a:r>
               <a:endParaRPr/>
             </a:p>
           </p:txBody>
@@ -3141,7 +3185,9 @@
       <p:sp>
         <p:nvSpPr>
           <p:cNvPr id="28" name="Google Shape;28;p4"/>
-          <p:cNvSpPr txBox="1"/>
+          <p:cNvSpPr txBox="1">
+            <a:spLocks noGrp="1"/>
+          </p:cNvSpPr>
           <p:nvPr>
             <p:ph type="title"/>
           </p:nvPr>
@@ -3156,7 +3202,7 @@
           </a:prstGeom>
         </p:spPr>
         <p:txBody>
-          <a:bodyPr anchorCtr="0" anchor="t" bIns="91425" lIns="91425" spcFirstLastPara="1" rIns="91425" wrap="square" tIns="91425">
+          <a:bodyPr spcFirstLastPara="1" wrap="square" lIns="91425" tIns="91425" rIns="91425" bIns="91425" anchor="t" anchorCtr="0">
             <a:normAutofit/>
           </a:bodyPr>
           <a:lstStyle>
@@ -3260,15 +3306,19 @@
               <a:defRPr sz="2600"/>
             </a:lvl9pPr>
           </a:lstStyle>
-          <a:p/>
+          <a:p>
+            <a:endParaRPr/>
+          </a:p>
         </p:txBody>
       </p:sp>
       <p:sp>
         <p:nvSpPr>
           <p:cNvPr id="29" name="Google Shape;29;p4"/>
-          <p:cNvSpPr txBox="1"/>
+          <p:cNvSpPr txBox="1">
+            <a:spLocks noGrp="1"/>
+          </p:cNvSpPr>
           <p:nvPr>
-            <p:ph idx="1" type="body"/>
+            <p:ph type="body" idx="1"/>
           </p:nvPr>
         </p:nvSpPr>
         <p:spPr>
@@ -3281,11 +3331,11 @@
           </a:prstGeom>
         </p:spPr>
         <p:txBody>
-          <a:bodyPr anchorCtr="0" anchor="t" bIns="91425" lIns="91425" spcFirstLastPara="1" rIns="91425" wrap="square" tIns="91425">
+          <a:bodyPr spcFirstLastPara="1" wrap="square" lIns="91425" tIns="91425" rIns="91425" bIns="91425" anchor="t" anchorCtr="0">
             <a:normAutofit/>
           </a:bodyPr>
           <a:lstStyle>
-            <a:lvl1pPr indent="-311150" lvl="0" marL="457200">
+            <a:lvl1pPr marL="457200" lvl="0" indent="-311150">
               <a:spcBef>
                 <a:spcPts val="0"/>
               </a:spcBef>
@@ -3296,7 +3346,7 @@
               <a:buChar char="●"/>
               <a:defRPr/>
             </a:lvl1pPr>
-            <a:lvl2pPr indent="-298450" lvl="1" marL="914400">
+            <a:lvl2pPr marL="914400" lvl="1" indent="-298450">
               <a:spcBef>
                 <a:spcPts val="0"/>
               </a:spcBef>
@@ -3307,7 +3357,7 @@
               <a:buChar char="○"/>
               <a:defRPr/>
             </a:lvl2pPr>
-            <a:lvl3pPr indent="-298450" lvl="2" marL="1371600">
+            <a:lvl3pPr marL="1371600" lvl="2" indent="-298450">
               <a:spcBef>
                 <a:spcPts val="0"/>
               </a:spcBef>
@@ -3318,7 +3368,7 @@
               <a:buChar char="■"/>
               <a:defRPr/>
             </a:lvl3pPr>
-            <a:lvl4pPr indent="-298450" lvl="3" marL="1828800">
+            <a:lvl4pPr marL="1828800" lvl="3" indent="-298450">
               <a:spcBef>
                 <a:spcPts val="0"/>
               </a:spcBef>
@@ -3329,7 +3379,7 @@
               <a:buChar char="●"/>
               <a:defRPr/>
             </a:lvl4pPr>
-            <a:lvl5pPr indent="-298450" lvl="4" marL="2286000">
+            <a:lvl5pPr marL="2286000" lvl="4" indent="-298450">
               <a:spcBef>
                 <a:spcPts val="0"/>
               </a:spcBef>
@@ -3340,7 +3390,7 @@
               <a:buChar char="○"/>
               <a:defRPr/>
             </a:lvl5pPr>
-            <a:lvl6pPr indent="-298450" lvl="5" marL="2743200">
+            <a:lvl6pPr marL="2743200" lvl="5" indent="-298450">
               <a:spcBef>
                 <a:spcPts val="0"/>
               </a:spcBef>
@@ -3351,7 +3401,7 @@
               <a:buChar char="■"/>
               <a:defRPr/>
             </a:lvl6pPr>
-            <a:lvl7pPr indent="-298450" lvl="6" marL="3200400">
+            <a:lvl7pPr marL="3200400" lvl="6" indent="-298450">
               <a:spcBef>
                 <a:spcPts val="0"/>
               </a:spcBef>
@@ -3362,7 +3412,7 @@
               <a:buChar char="●"/>
               <a:defRPr/>
             </a:lvl7pPr>
-            <a:lvl8pPr indent="-298450" lvl="7" marL="3657600">
+            <a:lvl8pPr marL="3657600" lvl="7" indent="-298450">
               <a:spcBef>
                 <a:spcPts val="0"/>
               </a:spcBef>
@@ -3373,7 +3423,7 @@
               <a:buChar char="○"/>
               <a:defRPr/>
             </a:lvl8pPr>
-            <a:lvl9pPr indent="-298450" lvl="8" marL="4114800">
+            <a:lvl9pPr marL="4114800" lvl="8" indent="-298450">
               <a:spcBef>
                 <a:spcPts val="0"/>
               </a:spcBef>
@@ -3385,15 +3435,19 @@
               <a:defRPr/>
             </a:lvl9pPr>
           </a:lstStyle>
-          <a:p/>
+          <a:p>
+            <a:endParaRPr/>
+          </a:p>
         </p:txBody>
       </p:sp>
       <p:sp>
         <p:nvSpPr>
           <p:cNvPr id="30" name="Google Shape;30;p4"/>
-          <p:cNvSpPr txBox="1"/>
+          <p:cNvSpPr txBox="1">
+            <a:spLocks noGrp="1"/>
+          </p:cNvSpPr>
           <p:nvPr>
-            <p:ph idx="12" type="sldNum"/>
+            <p:ph type="sldNum" idx="12"/>
           </p:nvPr>
         </p:nvSpPr>
         <p:spPr>
@@ -3406,7 +3460,7 @@
           </a:prstGeom>
         </p:spPr>
         <p:txBody>
-          <a:bodyPr anchorCtr="0" anchor="ctr" bIns="91425" lIns="91425" spcFirstLastPara="1" rIns="91425" wrap="square" tIns="91425">
+          <a:bodyPr spcFirstLastPara="1" wrap="square" lIns="91425" tIns="91425" rIns="91425" bIns="91425" anchor="ctr" anchorCtr="0">
             <a:normAutofit/>
           </a:bodyPr>
           <a:lstStyle>
@@ -3448,7 +3502,7 @@
             </a:lvl9pPr>
           </a:lstStyle>
           <a:p>
-            <a:pPr indent="0" lvl="0" marL="0" rtl="0" algn="r">
+            <a:pPr marL="0" lvl="0" indent="0" algn="r" rtl="0">
               <a:spcBef>
                 <a:spcPts val="0"/>
               </a:spcBef>
@@ -3474,11 +3528,11 @@
 </file>
 
 <file path=ppt/slideLayouts/slideLayout4.xml><?xml version="1.0" encoding="utf-8"?>
-<p:sldLayout xmlns:a="http://schemas.openxmlformats.org/drawingml/2006/main" xmlns:r="http://schemas.openxmlformats.org/officeDocument/2006/relationships" xmlns:mc="http://schemas.openxmlformats.org/markup-compatibility/2006" xmlns:mv="urn:schemas-microsoft-com:mac:vml" xmlns:p="http://schemas.openxmlformats.org/presentationml/2006/main" xmlns:c="http://schemas.openxmlformats.org/drawingml/2006/chart" xmlns:dgm="http://schemas.openxmlformats.org/drawingml/2006/diagram" xmlns:o="urn:schemas-microsoft-com:office:office" xmlns:v="urn:schemas-microsoft-com:vml" xmlns:pvml="urn:schemas-microsoft-com:office:powerpoint" xmlns:com="http://schemas.openxmlformats.org/drawingml/2006/compatibility" xmlns:p14="http://schemas.microsoft.com/office/powerpoint/2010/main" xmlns:p15="http://schemas.microsoft.com/office/powerpoint/2012/main" xmlns:ahyp="http://schemas.microsoft.com/office/drawing/2018/hyperlinkcolor" matchingName="Title and two columns" type="twoColTx">
+<p:sldLayout xmlns:a="http://schemas.openxmlformats.org/drawingml/2006/main" xmlns:r="http://schemas.openxmlformats.org/officeDocument/2006/relationships" xmlns:p="http://schemas.openxmlformats.org/presentationml/2006/main" matchingName="Title and two columns" type="twoColTx">
   <p:cSld name="TITLE_AND_TWO_COLUMNS">
     <p:spTree>
       <p:nvGrpSpPr>
-        <p:cNvPr id="31" name="Shape 31"/>
+        <p:cNvPr id="1" name="Shape 31"/>
         <p:cNvGrpSpPr/>
         <p:nvPr/>
       </p:nvGrpSpPr>
@@ -3512,12 +3566,12 @@
           </a:ln>
         </p:spPr>
         <p:txBody>
-          <a:bodyPr anchorCtr="0" anchor="ctr" bIns="91425" lIns="91425" spcFirstLastPara="1" rIns="91425" wrap="square" tIns="91425">
+          <a:bodyPr spcFirstLastPara="1" wrap="square" lIns="91425" tIns="91425" rIns="91425" bIns="91425" anchor="ctr" anchorCtr="0">
             <a:noAutofit/>
           </a:bodyPr>
           <a:lstStyle/>
           <a:p>
-            <a:pPr indent="0" lvl="0" marL="0" rtl="0" algn="l">
+            <a:pPr marL="0" lvl="0" indent="0" algn="l" rtl="0">
               <a:spcBef>
                 <a:spcPts val="0"/>
               </a:spcBef>
@@ -3526,9 +3580,6 @@
               </a:spcAft>
               <a:buNone/>
             </a:pPr>
-            <a:r>
-              <a:t/>
-            </a:r>
             <a:endParaRPr/>
           </a:p>
         </p:txBody>
@@ -3569,12 +3620,12 @@
             </a:ln>
           </p:spPr>
           <p:txBody>
-            <a:bodyPr anchorCtr="0" anchor="ctr" bIns="91425" lIns="91425" spcFirstLastPara="1" rIns="91425" wrap="square" tIns="91425">
+            <a:bodyPr spcFirstLastPara="1" wrap="square" lIns="91425" tIns="91425" rIns="91425" bIns="91425" anchor="ctr" anchorCtr="0">
               <a:noAutofit/>
             </a:bodyPr>
             <a:lstStyle/>
             <a:p>
-              <a:pPr indent="0" lvl="0" marL="0" rtl="0" algn="l">
+              <a:pPr marL="0" lvl="0" indent="0" algn="l" rtl="0">
                 <a:spcBef>
                   <a:spcPts val="0"/>
                 </a:spcBef>
@@ -3583,9 +3634,6 @@
                 </a:spcAft>
                 <a:buNone/>
               </a:pPr>
-              <a:r>
-                <a:t/>
-              </a:r>
               <a:endParaRPr/>
             </a:p>
           </p:txBody>
@@ -3612,12 +3660,12 @@
             </a:ln>
           </p:spPr>
           <p:txBody>
-            <a:bodyPr anchorCtr="0" anchor="ctr" bIns="91425" lIns="91425" spcFirstLastPara="1" rIns="91425" wrap="square" tIns="91425">
+            <a:bodyPr spcFirstLastPara="1" wrap="square" lIns="91425" tIns="91425" rIns="91425" bIns="91425" anchor="ctr" anchorCtr="0">
               <a:noAutofit/>
             </a:bodyPr>
             <a:lstStyle/>
             <a:p>
-              <a:pPr indent="0" lvl="0" marL="0" rtl="0" algn="l">
+              <a:pPr marL="0" lvl="0" indent="0" algn="l" rtl="0">
                 <a:spcBef>
                   <a:spcPts val="0"/>
                 </a:spcBef>
@@ -3626,9 +3674,6 @@
                 </a:spcAft>
                 <a:buNone/>
               </a:pPr>
-              <a:r>
-                <a:t/>
-              </a:r>
               <a:endParaRPr/>
             </a:p>
           </p:txBody>
@@ -3637,7 +3682,9 @@
       <p:sp>
         <p:nvSpPr>
           <p:cNvPr id="36" name="Google Shape;36;p5"/>
-          <p:cNvSpPr txBox="1"/>
+          <p:cNvSpPr txBox="1">
+            <a:spLocks noGrp="1"/>
+          </p:cNvSpPr>
           <p:nvPr>
             <p:ph type="title"/>
           </p:nvPr>
@@ -3652,7 +3699,7 @@
           </a:prstGeom>
         </p:spPr>
         <p:txBody>
-          <a:bodyPr anchorCtr="0" anchor="t" bIns="91425" lIns="91425" spcFirstLastPara="1" rIns="91425" wrap="square" tIns="91425">
+          <a:bodyPr spcFirstLastPara="1" wrap="square" lIns="91425" tIns="91425" rIns="91425" bIns="91425" anchor="t" anchorCtr="0">
             <a:normAutofit/>
           </a:bodyPr>
           <a:lstStyle>
@@ -3756,15 +3803,19 @@
               <a:defRPr sz="2600"/>
             </a:lvl9pPr>
           </a:lstStyle>
-          <a:p/>
+          <a:p>
+            <a:endParaRPr/>
+          </a:p>
         </p:txBody>
       </p:sp>
       <p:sp>
         <p:nvSpPr>
           <p:cNvPr id="37" name="Google Shape;37;p5"/>
-          <p:cNvSpPr txBox="1"/>
+          <p:cNvSpPr txBox="1">
+            <a:spLocks noGrp="1"/>
+          </p:cNvSpPr>
           <p:nvPr>
-            <p:ph idx="1" type="body"/>
+            <p:ph type="body" idx="1"/>
           </p:nvPr>
         </p:nvSpPr>
         <p:spPr>
@@ -3777,11 +3828,11 @@
           </a:prstGeom>
         </p:spPr>
         <p:txBody>
-          <a:bodyPr anchorCtr="0" anchor="t" bIns="91425" lIns="91425" spcFirstLastPara="1" rIns="91425" wrap="square" tIns="91425">
+          <a:bodyPr spcFirstLastPara="1" wrap="square" lIns="91425" tIns="91425" rIns="91425" bIns="91425" anchor="t" anchorCtr="0">
             <a:normAutofit/>
           </a:bodyPr>
           <a:lstStyle>
-            <a:lvl1pPr indent="-311150" lvl="0" marL="457200">
+            <a:lvl1pPr marL="457200" lvl="0" indent="-311150">
               <a:spcBef>
                 <a:spcPts val="0"/>
               </a:spcBef>
@@ -3792,7 +3843,7 @@
               <a:buChar char="●"/>
               <a:defRPr/>
             </a:lvl1pPr>
-            <a:lvl2pPr indent="-298450" lvl="1" marL="914400">
+            <a:lvl2pPr marL="914400" lvl="1" indent="-298450">
               <a:spcBef>
                 <a:spcPts val="0"/>
               </a:spcBef>
@@ -3803,7 +3854,7 @@
               <a:buChar char="○"/>
               <a:defRPr/>
             </a:lvl2pPr>
-            <a:lvl3pPr indent="-298450" lvl="2" marL="1371600">
+            <a:lvl3pPr marL="1371600" lvl="2" indent="-298450">
               <a:spcBef>
                 <a:spcPts val="0"/>
               </a:spcBef>
@@ -3814,7 +3865,7 @@
               <a:buChar char="■"/>
               <a:defRPr/>
             </a:lvl3pPr>
-            <a:lvl4pPr indent="-298450" lvl="3" marL="1828800">
+            <a:lvl4pPr marL="1828800" lvl="3" indent="-298450">
               <a:spcBef>
                 <a:spcPts val="0"/>
               </a:spcBef>
@@ -3825,7 +3876,7 @@
               <a:buChar char="●"/>
               <a:defRPr/>
             </a:lvl4pPr>
-            <a:lvl5pPr indent="-298450" lvl="4" marL="2286000">
+            <a:lvl5pPr marL="2286000" lvl="4" indent="-298450">
               <a:spcBef>
                 <a:spcPts val="0"/>
               </a:spcBef>
@@ -3836,7 +3887,7 @@
               <a:buChar char="○"/>
               <a:defRPr/>
             </a:lvl5pPr>
-            <a:lvl6pPr indent="-298450" lvl="5" marL="2743200">
+            <a:lvl6pPr marL="2743200" lvl="5" indent="-298450">
               <a:spcBef>
                 <a:spcPts val="0"/>
               </a:spcBef>
@@ -3847,7 +3898,7 @@
               <a:buChar char="■"/>
               <a:defRPr/>
             </a:lvl6pPr>
-            <a:lvl7pPr indent="-298450" lvl="6" marL="3200400">
+            <a:lvl7pPr marL="3200400" lvl="6" indent="-298450">
               <a:spcBef>
                 <a:spcPts val="0"/>
               </a:spcBef>
@@ -3858,7 +3909,7 @@
               <a:buChar char="●"/>
               <a:defRPr/>
             </a:lvl7pPr>
-            <a:lvl8pPr indent="-298450" lvl="7" marL="3657600">
+            <a:lvl8pPr marL="3657600" lvl="7" indent="-298450">
               <a:spcBef>
                 <a:spcPts val="0"/>
               </a:spcBef>
@@ -3869,7 +3920,7 @@
               <a:buChar char="○"/>
               <a:defRPr/>
             </a:lvl8pPr>
-            <a:lvl9pPr indent="-298450" lvl="8" marL="4114800">
+            <a:lvl9pPr marL="4114800" lvl="8" indent="-298450">
               <a:spcBef>
                 <a:spcPts val="0"/>
               </a:spcBef>
@@ -3881,15 +3932,19 @@
               <a:defRPr/>
             </a:lvl9pPr>
           </a:lstStyle>
-          <a:p/>
+          <a:p>
+            <a:endParaRPr/>
+          </a:p>
         </p:txBody>
       </p:sp>
       <p:sp>
         <p:nvSpPr>
           <p:cNvPr id="38" name="Google Shape;38;p5"/>
-          <p:cNvSpPr txBox="1"/>
+          <p:cNvSpPr txBox="1">
+            <a:spLocks noGrp="1"/>
+          </p:cNvSpPr>
           <p:nvPr>
-            <p:ph idx="2" type="body"/>
+            <p:ph type="body" idx="2"/>
           </p:nvPr>
         </p:nvSpPr>
         <p:spPr>
@@ -3902,11 +3957,11 @@
           </a:prstGeom>
         </p:spPr>
         <p:txBody>
-          <a:bodyPr anchorCtr="0" anchor="t" bIns="91425" lIns="91425" spcFirstLastPara="1" rIns="91425" wrap="square" tIns="91425">
+          <a:bodyPr spcFirstLastPara="1" wrap="square" lIns="91425" tIns="91425" rIns="91425" bIns="91425" anchor="t" anchorCtr="0">
             <a:normAutofit/>
           </a:bodyPr>
           <a:lstStyle>
-            <a:lvl1pPr indent="-311150" lvl="0" marL="457200">
+            <a:lvl1pPr marL="457200" lvl="0" indent="-311150">
               <a:spcBef>
                 <a:spcPts val="0"/>
               </a:spcBef>
@@ -3917,7 +3972,7 @@
               <a:buChar char="●"/>
               <a:defRPr/>
             </a:lvl1pPr>
-            <a:lvl2pPr indent="-298450" lvl="1" marL="914400">
+            <a:lvl2pPr marL="914400" lvl="1" indent="-298450">
               <a:spcBef>
                 <a:spcPts val="0"/>
               </a:spcBef>
@@ -3928,7 +3983,7 @@
               <a:buChar char="○"/>
               <a:defRPr/>
             </a:lvl2pPr>
-            <a:lvl3pPr indent="-298450" lvl="2" marL="1371600">
+            <a:lvl3pPr marL="1371600" lvl="2" indent="-298450">
               <a:spcBef>
                 <a:spcPts val="0"/>
               </a:spcBef>
@@ -3939,7 +3994,7 @@
               <a:buChar char="■"/>
               <a:defRPr/>
             </a:lvl3pPr>
-            <a:lvl4pPr indent="-298450" lvl="3" marL="1828800">
+            <a:lvl4pPr marL="1828800" lvl="3" indent="-298450">
               <a:spcBef>
                 <a:spcPts val="0"/>
               </a:spcBef>
@@ -3950,7 +4005,7 @@
               <a:buChar char="●"/>
               <a:defRPr/>
             </a:lvl4pPr>
-            <a:lvl5pPr indent="-298450" lvl="4" marL="2286000">
+            <a:lvl5pPr marL="2286000" lvl="4" indent="-298450">
               <a:spcBef>
                 <a:spcPts val="0"/>
               </a:spcBef>
@@ -3961,7 +4016,7 @@
               <a:buChar char="○"/>
               <a:defRPr/>
             </a:lvl5pPr>
-            <a:lvl6pPr indent="-298450" lvl="5" marL="2743200">
+            <a:lvl6pPr marL="2743200" lvl="5" indent="-298450">
               <a:spcBef>
                 <a:spcPts val="0"/>
               </a:spcBef>
@@ -3972,7 +4027,7 @@
               <a:buChar char="■"/>
               <a:defRPr/>
             </a:lvl6pPr>
-            <a:lvl7pPr indent="-298450" lvl="6" marL="3200400">
+            <a:lvl7pPr marL="3200400" lvl="6" indent="-298450">
               <a:spcBef>
                 <a:spcPts val="0"/>
               </a:spcBef>
@@ -3983,7 +4038,7 @@
               <a:buChar char="●"/>
               <a:defRPr/>
             </a:lvl7pPr>
-            <a:lvl8pPr indent="-298450" lvl="7" marL="3657600">
+            <a:lvl8pPr marL="3657600" lvl="7" indent="-298450">
               <a:spcBef>
                 <a:spcPts val="0"/>
               </a:spcBef>
@@ -3994,7 +4049,7 @@
               <a:buChar char="○"/>
               <a:defRPr/>
             </a:lvl8pPr>
-            <a:lvl9pPr indent="-298450" lvl="8" marL="4114800">
+            <a:lvl9pPr marL="4114800" lvl="8" indent="-298450">
               <a:spcBef>
                 <a:spcPts val="0"/>
               </a:spcBef>
@@ -4006,15 +4061,19 @@
               <a:defRPr/>
             </a:lvl9pPr>
           </a:lstStyle>
-          <a:p/>
+          <a:p>
+            <a:endParaRPr/>
+          </a:p>
         </p:txBody>
       </p:sp>
       <p:sp>
         <p:nvSpPr>
           <p:cNvPr id="39" name="Google Shape;39;p5"/>
-          <p:cNvSpPr txBox="1"/>
+          <p:cNvSpPr txBox="1">
+            <a:spLocks noGrp="1"/>
+          </p:cNvSpPr>
           <p:nvPr>
-            <p:ph idx="12" type="sldNum"/>
+            <p:ph type="sldNum" idx="12"/>
           </p:nvPr>
         </p:nvSpPr>
         <p:spPr>
@@ -4027,7 +4086,7 @@
           </a:prstGeom>
         </p:spPr>
         <p:txBody>
-          <a:bodyPr anchorCtr="0" anchor="ctr" bIns="91425" lIns="91425" spcFirstLastPara="1" rIns="91425" wrap="square" tIns="91425">
+          <a:bodyPr spcFirstLastPara="1" wrap="square" lIns="91425" tIns="91425" rIns="91425" bIns="91425" anchor="ctr" anchorCtr="0">
             <a:normAutofit/>
           </a:bodyPr>
           <a:lstStyle>
@@ -4069,7 +4128,7 @@
             </a:lvl9pPr>
           </a:lstStyle>
           <a:p>
-            <a:pPr indent="0" lvl="0" marL="0" rtl="0" algn="r">
+            <a:pPr marL="0" lvl="0" indent="0" algn="r" rtl="0">
               <a:spcBef>
                 <a:spcPts val="0"/>
               </a:spcBef>
@@ -4095,11 +4154,11 @@
 </file>
 
 <file path=ppt/slideLayouts/slideLayout5.xml><?xml version="1.0" encoding="utf-8"?>
-<p:sldLayout xmlns:a="http://schemas.openxmlformats.org/drawingml/2006/main" xmlns:r="http://schemas.openxmlformats.org/officeDocument/2006/relationships" xmlns:mc="http://schemas.openxmlformats.org/markup-compatibility/2006" xmlns:mv="urn:schemas-microsoft-com:mac:vml" xmlns:p="http://schemas.openxmlformats.org/presentationml/2006/main" xmlns:c="http://schemas.openxmlformats.org/drawingml/2006/chart" xmlns:dgm="http://schemas.openxmlformats.org/drawingml/2006/diagram" xmlns:o="urn:schemas-microsoft-com:office:office" xmlns:v="urn:schemas-microsoft-com:vml" xmlns:pvml="urn:schemas-microsoft-com:office:powerpoint" xmlns:com="http://schemas.openxmlformats.org/drawingml/2006/compatibility" xmlns:p14="http://schemas.microsoft.com/office/powerpoint/2010/main" xmlns:p15="http://schemas.microsoft.com/office/powerpoint/2012/main" xmlns:ahyp="http://schemas.microsoft.com/office/drawing/2018/hyperlinkcolor" matchingName="Title only" type="titleOnly">
+<p:sldLayout xmlns:a="http://schemas.openxmlformats.org/drawingml/2006/main" xmlns:r="http://schemas.openxmlformats.org/officeDocument/2006/relationships" xmlns:p="http://schemas.openxmlformats.org/presentationml/2006/main" matchingName="Title only" type="titleOnly">
   <p:cSld name="TITLE_ONLY">
     <p:spTree>
       <p:nvGrpSpPr>
-        <p:cNvPr id="40" name="Shape 40"/>
+        <p:cNvPr id="1" name="Shape 40"/>
         <p:cNvGrpSpPr/>
         <p:nvPr/>
       </p:nvGrpSpPr>
@@ -4133,12 +4192,12 @@
           </a:ln>
         </p:spPr>
         <p:txBody>
-          <a:bodyPr anchorCtr="0" anchor="ctr" bIns="91425" lIns="91425" spcFirstLastPara="1" rIns="91425" wrap="square" tIns="91425">
+          <a:bodyPr spcFirstLastPara="1" wrap="square" lIns="91425" tIns="91425" rIns="91425" bIns="91425" anchor="ctr" anchorCtr="0">
             <a:noAutofit/>
           </a:bodyPr>
           <a:lstStyle/>
           <a:p>
-            <a:pPr indent="0" lvl="0" marL="0" rtl="0" algn="l">
+            <a:pPr marL="0" lvl="0" indent="0" algn="l" rtl="0">
               <a:spcBef>
                 <a:spcPts val="0"/>
               </a:spcBef>
@@ -4147,9 +4206,6 @@
               </a:spcAft>
               <a:buNone/>
             </a:pPr>
-            <a:r>
-              <a:t/>
-            </a:r>
             <a:endParaRPr/>
           </a:p>
         </p:txBody>
@@ -4190,12 +4246,12 @@
             </a:ln>
           </p:spPr>
           <p:txBody>
-            <a:bodyPr anchorCtr="0" anchor="ctr" bIns="91425" lIns="91425" spcFirstLastPara="1" rIns="91425" wrap="square" tIns="91425">
+            <a:bodyPr spcFirstLastPara="1" wrap="square" lIns="91425" tIns="91425" rIns="91425" bIns="91425" anchor="ctr" anchorCtr="0">
               <a:noAutofit/>
             </a:bodyPr>
             <a:lstStyle/>
             <a:p>
-              <a:pPr indent="0" lvl="0" marL="0" rtl="0" algn="l">
+              <a:pPr marL="0" lvl="0" indent="0" algn="l" rtl="0">
                 <a:spcBef>
                   <a:spcPts val="0"/>
                 </a:spcBef>
@@ -4204,9 +4260,6 @@
                 </a:spcAft>
                 <a:buNone/>
               </a:pPr>
-              <a:r>
-                <a:t/>
-              </a:r>
               <a:endParaRPr/>
             </a:p>
           </p:txBody>
@@ -4233,12 +4286,12 @@
             </a:ln>
           </p:spPr>
           <p:txBody>
-            <a:bodyPr anchorCtr="0" anchor="ctr" bIns="91425" lIns="91425" spcFirstLastPara="1" rIns="91425" wrap="square" tIns="91425">
+            <a:bodyPr spcFirstLastPara="1" wrap="square" lIns="91425" tIns="91425" rIns="91425" bIns="91425" anchor="ctr" anchorCtr="0">
               <a:noAutofit/>
             </a:bodyPr>
             <a:lstStyle/>
             <a:p>
-              <a:pPr indent="0" lvl="0" marL="0" rtl="0" algn="l">
+              <a:pPr marL="0" lvl="0" indent="0" algn="l" rtl="0">
                 <a:spcBef>
                   <a:spcPts val="0"/>
                 </a:spcBef>
@@ -4247,9 +4300,6 @@
                 </a:spcAft>
                 <a:buNone/>
               </a:pPr>
-              <a:r>
-                <a:t/>
-              </a:r>
               <a:endParaRPr/>
             </a:p>
           </p:txBody>
@@ -4258,7 +4308,9 @@
       <p:sp>
         <p:nvSpPr>
           <p:cNvPr id="45" name="Google Shape;45;p6"/>
-          <p:cNvSpPr txBox="1"/>
+          <p:cNvSpPr txBox="1">
+            <a:spLocks noGrp="1"/>
+          </p:cNvSpPr>
           <p:nvPr>
             <p:ph type="title"/>
           </p:nvPr>
@@ -4273,7 +4325,7 @@
           </a:prstGeom>
         </p:spPr>
         <p:txBody>
-          <a:bodyPr anchorCtr="0" anchor="t" bIns="91425" lIns="91425" spcFirstLastPara="1" rIns="91425" wrap="square" tIns="91425">
+          <a:bodyPr spcFirstLastPara="1" wrap="square" lIns="91425" tIns="91425" rIns="91425" bIns="91425" anchor="t" anchorCtr="0">
             <a:normAutofit/>
           </a:bodyPr>
           <a:lstStyle>
@@ -4377,15 +4429,19 @@
               <a:defRPr sz="2600"/>
             </a:lvl9pPr>
           </a:lstStyle>
-          <a:p/>
+          <a:p>
+            <a:endParaRPr/>
+          </a:p>
         </p:txBody>
       </p:sp>
       <p:sp>
         <p:nvSpPr>
           <p:cNvPr id="46" name="Google Shape;46;p6"/>
-          <p:cNvSpPr txBox="1"/>
+          <p:cNvSpPr txBox="1">
+            <a:spLocks noGrp="1"/>
+          </p:cNvSpPr>
           <p:nvPr>
-            <p:ph idx="12" type="sldNum"/>
+            <p:ph type="sldNum" idx="12"/>
           </p:nvPr>
         </p:nvSpPr>
         <p:spPr>
@@ -4398,7 +4454,7 @@
           </a:prstGeom>
         </p:spPr>
         <p:txBody>
-          <a:bodyPr anchorCtr="0" anchor="ctr" bIns="91425" lIns="91425" spcFirstLastPara="1" rIns="91425" wrap="square" tIns="91425">
+          <a:bodyPr spcFirstLastPara="1" wrap="square" lIns="91425" tIns="91425" rIns="91425" bIns="91425" anchor="ctr" anchorCtr="0">
             <a:normAutofit/>
           </a:bodyPr>
           <a:lstStyle>
@@ -4440,7 +4496,7 @@
             </a:lvl9pPr>
           </a:lstStyle>
           <a:p>
-            <a:pPr indent="0" lvl="0" marL="0" rtl="0" algn="r">
+            <a:pPr marL="0" lvl="0" indent="0" algn="r" rtl="0">
               <a:spcBef>
                 <a:spcPts val="0"/>
               </a:spcBef>
@@ -4466,11 +4522,11 @@
 </file>
 
 <file path=ppt/slideLayouts/slideLayout6.xml><?xml version="1.0" encoding="utf-8"?>
-<p:sldLayout xmlns:a="http://schemas.openxmlformats.org/drawingml/2006/main" xmlns:r="http://schemas.openxmlformats.org/officeDocument/2006/relationships" xmlns:mc="http://schemas.openxmlformats.org/markup-compatibility/2006" xmlns:mv="urn:schemas-microsoft-com:mac:vml" xmlns:p="http://schemas.openxmlformats.org/presentationml/2006/main" xmlns:c="http://schemas.openxmlformats.org/drawingml/2006/chart" xmlns:dgm="http://schemas.openxmlformats.org/drawingml/2006/diagram" xmlns:o="urn:schemas-microsoft-com:office:office" xmlns:v="urn:schemas-microsoft-com:vml" xmlns:pvml="urn:schemas-microsoft-com:office:powerpoint" xmlns:com="http://schemas.openxmlformats.org/drawingml/2006/compatibility" xmlns:p14="http://schemas.microsoft.com/office/powerpoint/2010/main" xmlns:p15="http://schemas.microsoft.com/office/powerpoint/2012/main" xmlns:ahyp="http://schemas.microsoft.com/office/drawing/2018/hyperlinkcolor" matchingName="One column text">
+<p:sldLayout xmlns:a="http://schemas.openxmlformats.org/drawingml/2006/main" xmlns:r="http://schemas.openxmlformats.org/officeDocument/2006/relationships" xmlns:p="http://schemas.openxmlformats.org/presentationml/2006/main" matchingName="One column text">
   <p:cSld name="ONE_COLUMN_TEXT">
     <p:spTree>
       <p:nvGrpSpPr>
-        <p:cNvPr id="47" name="Shape 47"/>
+        <p:cNvPr id="1" name="Shape 47"/>
         <p:cNvGrpSpPr/>
         <p:nvPr/>
       </p:nvGrpSpPr>
@@ -4504,12 +4560,12 @@
           </a:ln>
         </p:spPr>
         <p:txBody>
-          <a:bodyPr anchorCtr="0" anchor="ctr" bIns="91425" lIns="91425" spcFirstLastPara="1" rIns="91425" wrap="square" tIns="91425">
+          <a:bodyPr spcFirstLastPara="1" wrap="square" lIns="91425" tIns="91425" rIns="91425" bIns="91425" anchor="ctr" anchorCtr="0">
             <a:noAutofit/>
           </a:bodyPr>
           <a:lstStyle/>
           <a:p>
-            <a:pPr indent="0" lvl="0" marL="0" rtl="0" algn="l">
+            <a:pPr marL="0" lvl="0" indent="0" algn="l" rtl="0">
               <a:spcBef>
                 <a:spcPts val="0"/>
               </a:spcBef>
@@ -4518,9 +4574,6 @@
               </a:spcAft>
               <a:buNone/>
             </a:pPr>
-            <a:r>
-              <a:t/>
-            </a:r>
             <a:endParaRPr/>
           </a:p>
         </p:txBody>
@@ -4561,12 +4614,12 @@
             </a:ln>
           </p:spPr>
           <p:txBody>
-            <a:bodyPr anchorCtr="0" anchor="ctr" bIns="91425" lIns="91425" spcFirstLastPara="1" rIns="91425" wrap="square" tIns="91425">
+            <a:bodyPr spcFirstLastPara="1" wrap="square" lIns="91425" tIns="91425" rIns="91425" bIns="91425" anchor="ctr" anchorCtr="0">
               <a:noAutofit/>
             </a:bodyPr>
             <a:lstStyle/>
             <a:p>
-              <a:pPr indent="0" lvl="0" marL="0" rtl="0" algn="l">
+              <a:pPr marL="0" lvl="0" indent="0" algn="l" rtl="0">
                 <a:spcBef>
                   <a:spcPts val="0"/>
                 </a:spcBef>
@@ -4575,9 +4628,6 @@
                 </a:spcAft>
                 <a:buNone/>
               </a:pPr>
-              <a:r>
-                <a:t/>
-              </a:r>
               <a:endParaRPr/>
             </a:p>
           </p:txBody>
@@ -4604,12 +4654,12 @@
             </a:ln>
           </p:spPr>
           <p:txBody>
-            <a:bodyPr anchorCtr="0" anchor="ctr" bIns="91425" lIns="91425" spcFirstLastPara="1" rIns="91425" wrap="square" tIns="91425">
+            <a:bodyPr spcFirstLastPara="1" wrap="square" lIns="91425" tIns="91425" rIns="91425" bIns="91425" anchor="ctr" anchorCtr="0">
               <a:noAutofit/>
             </a:bodyPr>
             <a:lstStyle/>
             <a:p>
-              <a:pPr indent="0" lvl="0" marL="0" rtl="0" algn="l">
+              <a:pPr marL="0" lvl="0" indent="0" algn="l" rtl="0">
                 <a:spcBef>
                   <a:spcPts val="0"/>
                 </a:spcBef>
@@ -4618,9 +4668,6 @@
                 </a:spcAft>
                 <a:buNone/>
               </a:pPr>
-              <a:r>
-                <a:t/>
-              </a:r>
               <a:endParaRPr/>
             </a:p>
           </p:txBody>
@@ -4629,7 +4676,9 @@
       <p:sp>
         <p:nvSpPr>
           <p:cNvPr id="52" name="Google Shape;52;p7"/>
-          <p:cNvSpPr txBox="1"/>
+          <p:cNvSpPr txBox="1">
+            <a:spLocks noGrp="1"/>
+          </p:cNvSpPr>
           <p:nvPr>
             <p:ph type="title"/>
           </p:nvPr>
@@ -4644,7 +4693,7 @@
           </a:prstGeom>
         </p:spPr>
         <p:txBody>
-          <a:bodyPr anchorCtr="0" anchor="t" bIns="91425" lIns="91425" spcFirstLastPara="1" rIns="91425" wrap="square" tIns="91425">
+          <a:bodyPr spcFirstLastPara="1" wrap="square" lIns="91425" tIns="91425" rIns="91425" bIns="91425" anchor="t" anchorCtr="0">
             <a:normAutofit/>
           </a:bodyPr>
           <a:lstStyle>
@@ -4748,15 +4797,19 @@
               <a:defRPr sz="2600"/>
             </a:lvl9pPr>
           </a:lstStyle>
-          <a:p/>
+          <a:p>
+            <a:endParaRPr/>
+          </a:p>
         </p:txBody>
       </p:sp>
       <p:sp>
         <p:nvSpPr>
           <p:cNvPr id="53" name="Google Shape;53;p7"/>
-          <p:cNvSpPr txBox="1"/>
+          <p:cNvSpPr txBox="1">
+            <a:spLocks noGrp="1"/>
+          </p:cNvSpPr>
           <p:nvPr>
-            <p:ph idx="1" type="body"/>
+            <p:ph type="body" idx="1"/>
           </p:nvPr>
         </p:nvSpPr>
         <p:spPr>
@@ -4769,11 +4822,11 @@
           </a:prstGeom>
         </p:spPr>
         <p:txBody>
-          <a:bodyPr anchorCtr="0" anchor="t" bIns="91425" lIns="91425" spcFirstLastPara="1" rIns="91425" wrap="square" tIns="91425">
+          <a:bodyPr spcFirstLastPara="1" wrap="square" lIns="91425" tIns="91425" rIns="91425" bIns="91425" anchor="t" anchorCtr="0">
             <a:normAutofit/>
           </a:bodyPr>
           <a:lstStyle>
-            <a:lvl1pPr indent="-311150" lvl="0" marL="457200">
+            <a:lvl1pPr marL="457200" lvl="0" indent="-311150">
               <a:spcBef>
                 <a:spcPts val="0"/>
               </a:spcBef>
@@ -4784,7 +4837,7 @@
               <a:buChar char="●"/>
               <a:defRPr/>
             </a:lvl1pPr>
-            <a:lvl2pPr indent="-298450" lvl="1" marL="914400">
+            <a:lvl2pPr marL="914400" lvl="1" indent="-298450">
               <a:spcBef>
                 <a:spcPts val="0"/>
               </a:spcBef>
@@ -4795,7 +4848,7 @@
               <a:buChar char="○"/>
               <a:defRPr/>
             </a:lvl2pPr>
-            <a:lvl3pPr indent="-298450" lvl="2" marL="1371600">
+            <a:lvl3pPr marL="1371600" lvl="2" indent="-298450">
               <a:spcBef>
                 <a:spcPts val="0"/>
               </a:spcBef>
@@ -4806,7 +4859,7 @@
               <a:buChar char="■"/>
               <a:defRPr/>
             </a:lvl3pPr>
-            <a:lvl4pPr indent="-298450" lvl="3" marL="1828800">
+            <a:lvl4pPr marL="1828800" lvl="3" indent="-298450">
               <a:spcBef>
                 <a:spcPts val="0"/>
               </a:spcBef>
@@ -4817,7 +4870,7 @@
               <a:buChar char="●"/>
               <a:defRPr/>
             </a:lvl4pPr>
-            <a:lvl5pPr indent="-298450" lvl="4" marL="2286000">
+            <a:lvl5pPr marL="2286000" lvl="4" indent="-298450">
               <a:spcBef>
                 <a:spcPts val="0"/>
               </a:spcBef>
@@ -4828,7 +4881,7 @@
               <a:buChar char="○"/>
               <a:defRPr/>
             </a:lvl5pPr>
-            <a:lvl6pPr indent="-298450" lvl="5" marL="2743200">
+            <a:lvl6pPr marL="2743200" lvl="5" indent="-298450">
               <a:spcBef>
                 <a:spcPts val="0"/>
               </a:spcBef>
@@ -4839,7 +4892,7 @@
               <a:buChar char="■"/>
               <a:defRPr/>
             </a:lvl6pPr>
-            <a:lvl7pPr indent="-298450" lvl="6" marL="3200400">
+            <a:lvl7pPr marL="3200400" lvl="6" indent="-298450">
               <a:spcBef>
                 <a:spcPts val="0"/>
               </a:spcBef>
@@ -4850,7 +4903,7 @@
               <a:buChar char="●"/>
               <a:defRPr/>
             </a:lvl7pPr>
-            <a:lvl8pPr indent="-298450" lvl="7" marL="3657600">
+            <a:lvl8pPr marL="3657600" lvl="7" indent="-298450">
               <a:spcBef>
                 <a:spcPts val="0"/>
               </a:spcBef>
@@ -4861,7 +4914,7 @@
               <a:buChar char="○"/>
               <a:defRPr/>
             </a:lvl8pPr>
-            <a:lvl9pPr indent="-298450" lvl="8" marL="4114800">
+            <a:lvl9pPr marL="4114800" lvl="8" indent="-298450">
               <a:spcBef>
                 <a:spcPts val="0"/>
               </a:spcBef>
@@ -4873,15 +4926,19 @@
               <a:defRPr/>
             </a:lvl9pPr>
           </a:lstStyle>
-          <a:p/>
+          <a:p>
+            <a:endParaRPr/>
+          </a:p>
         </p:txBody>
       </p:sp>
       <p:sp>
         <p:nvSpPr>
           <p:cNvPr id="54" name="Google Shape;54;p7"/>
-          <p:cNvSpPr txBox="1"/>
+          <p:cNvSpPr txBox="1">
+            <a:spLocks noGrp="1"/>
+          </p:cNvSpPr>
           <p:nvPr>
-            <p:ph idx="12" type="sldNum"/>
+            <p:ph type="sldNum" idx="12"/>
           </p:nvPr>
         </p:nvSpPr>
         <p:spPr>
@@ -4894,7 +4951,7 @@
           </a:prstGeom>
         </p:spPr>
         <p:txBody>
-          <a:bodyPr anchorCtr="0" anchor="ctr" bIns="91425" lIns="91425" spcFirstLastPara="1" rIns="91425" wrap="square" tIns="91425">
+          <a:bodyPr spcFirstLastPara="1" wrap="square" lIns="91425" tIns="91425" rIns="91425" bIns="91425" anchor="ctr" anchorCtr="0">
             <a:normAutofit/>
           </a:bodyPr>
           <a:lstStyle>
@@ -4936,7 +4993,7 @@
             </a:lvl9pPr>
           </a:lstStyle>
           <a:p>
-            <a:pPr indent="0" lvl="0" marL="0" rtl="0" algn="r">
+            <a:pPr marL="0" lvl="0" indent="0" algn="r" rtl="0">
               <a:spcBef>
                 <a:spcPts val="0"/>
               </a:spcBef>
@@ -4962,18 +5019,19 @@
 </file>
 
 <file path=ppt/slideLayouts/slideLayout7.xml><?xml version="1.0" encoding="utf-8"?>
-<p:sldLayout xmlns:a="http://schemas.openxmlformats.org/drawingml/2006/main" xmlns:r="http://schemas.openxmlformats.org/officeDocument/2006/relationships" xmlns:mc="http://schemas.openxmlformats.org/markup-compatibility/2006" xmlns:mv="urn:schemas-microsoft-com:mac:vml" xmlns:p="http://schemas.openxmlformats.org/presentationml/2006/main" xmlns:c="http://schemas.openxmlformats.org/drawingml/2006/chart" xmlns:dgm="http://schemas.openxmlformats.org/drawingml/2006/diagram" xmlns:o="urn:schemas-microsoft-com:office:office" xmlns:v="urn:schemas-microsoft-com:vml" xmlns:pvml="urn:schemas-microsoft-com:office:powerpoint" xmlns:com="http://schemas.openxmlformats.org/drawingml/2006/compatibility" xmlns:p14="http://schemas.microsoft.com/office/powerpoint/2010/main" xmlns:p15="http://schemas.microsoft.com/office/powerpoint/2012/main" xmlns:ahyp="http://schemas.microsoft.com/office/drawing/2018/hyperlinkcolor" matchingName="Main point">
+<p:sldLayout xmlns:a="http://schemas.openxmlformats.org/drawingml/2006/main" xmlns:r="http://schemas.openxmlformats.org/officeDocument/2006/relationships" xmlns:p="http://schemas.openxmlformats.org/presentationml/2006/main" matchingName="Main point">
   <p:cSld name="MAIN_POINT">
     <p:bg>
       <p:bgPr>
         <a:solidFill>
           <a:schemeClr val="accent3"/>
         </a:solidFill>
+        <a:effectLst/>
       </p:bgPr>
     </p:bg>
     <p:spTree>
       <p:nvGrpSpPr>
-        <p:cNvPr id="55" name="Shape 55"/>
+        <p:cNvPr id="1" name="Shape 55"/>
         <p:cNvGrpSpPr/>
         <p:nvPr/>
       </p:nvGrpSpPr>
@@ -5021,12 +5079,12 @@
             </a:ln>
           </p:spPr>
           <p:txBody>
-            <a:bodyPr anchorCtr="0" anchor="ctr" bIns="91425" lIns="91425" spcFirstLastPara="1" rIns="91425" wrap="square" tIns="91425">
+            <a:bodyPr spcFirstLastPara="1" wrap="square" lIns="91425" tIns="91425" rIns="91425" bIns="91425" anchor="ctr" anchorCtr="0">
               <a:noAutofit/>
             </a:bodyPr>
             <a:lstStyle/>
             <a:p>
-              <a:pPr indent="0" lvl="0" marL="0" rtl="0" algn="l">
+              <a:pPr marL="0" lvl="0" indent="0" algn="l" rtl="0">
                 <a:spcBef>
                   <a:spcPts val="0"/>
                 </a:spcBef>
@@ -5035,9 +5093,6 @@
                 </a:spcAft>
                 <a:buNone/>
               </a:pPr>
-              <a:r>
-                <a:t/>
-              </a:r>
               <a:endParaRPr/>
             </a:p>
           </p:txBody>
@@ -5064,12 +5119,12 @@
             </a:ln>
           </p:spPr>
           <p:txBody>
-            <a:bodyPr anchorCtr="0" anchor="ctr" bIns="91425" lIns="91425" spcFirstLastPara="1" rIns="91425" wrap="square" tIns="91425">
+            <a:bodyPr spcFirstLastPara="1" wrap="square" lIns="91425" tIns="91425" rIns="91425" bIns="91425" anchor="ctr" anchorCtr="0">
               <a:noAutofit/>
             </a:bodyPr>
             <a:lstStyle/>
             <a:p>
-              <a:pPr indent="0" lvl="0" marL="0" rtl="0" algn="l">
+              <a:pPr marL="0" lvl="0" indent="0" algn="l" rtl="0">
                 <a:spcBef>
                   <a:spcPts val="0"/>
                 </a:spcBef>
@@ -5078,9 +5133,6 @@
                 </a:spcAft>
                 <a:buNone/>
               </a:pPr>
-              <a:r>
-                <a:t/>
-              </a:r>
               <a:endParaRPr/>
             </a:p>
           </p:txBody>
@@ -5089,7 +5141,9 @@
       <p:sp>
         <p:nvSpPr>
           <p:cNvPr id="59" name="Google Shape;59;p8"/>
-          <p:cNvSpPr txBox="1"/>
+          <p:cNvSpPr txBox="1">
+            <a:spLocks noGrp="1"/>
+          </p:cNvSpPr>
           <p:nvPr>
             <p:ph type="title"/>
           </p:nvPr>
@@ -5104,7 +5158,7 @@
           </a:prstGeom>
         </p:spPr>
         <p:txBody>
-          <a:bodyPr anchorCtr="0" anchor="ctr" bIns="91425" lIns="91425" spcFirstLastPara="1" rIns="91425" wrap="square" tIns="91425">
+          <a:bodyPr spcFirstLastPara="1" wrap="square" lIns="91425" tIns="91425" rIns="91425" bIns="91425" anchor="ctr" anchorCtr="0">
             <a:normAutofit/>
           </a:bodyPr>
           <a:lstStyle>
@@ -5271,15 +5325,19 @@
               </a:defRPr>
             </a:lvl9pPr>
           </a:lstStyle>
-          <a:p/>
+          <a:p>
+            <a:endParaRPr/>
+          </a:p>
         </p:txBody>
       </p:sp>
       <p:sp>
         <p:nvSpPr>
           <p:cNvPr id="60" name="Google Shape;60;p8"/>
-          <p:cNvSpPr txBox="1"/>
+          <p:cNvSpPr txBox="1">
+            <a:spLocks noGrp="1"/>
+          </p:cNvSpPr>
           <p:nvPr>
-            <p:ph idx="12" type="sldNum"/>
+            <p:ph type="sldNum" idx="12"/>
           </p:nvPr>
         </p:nvSpPr>
         <p:spPr>
@@ -5292,7 +5350,7 @@
           </a:prstGeom>
         </p:spPr>
         <p:txBody>
-          <a:bodyPr anchorCtr="0" anchor="ctr" bIns="91425" lIns="91425" spcFirstLastPara="1" rIns="91425" wrap="square" tIns="91425">
+          <a:bodyPr spcFirstLastPara="1" wrap="square" lIns="91425" tIns="91425" rIns="91425" bIns="91425" anchor="ctr" anchorCtr="0">
             <a:normAutofit/>
           </a:bodyPr>
           <a:lstStyle>
@@ -5370,7 +5428,7 @@
             </a:lvl9pPr>
           </a:lstStyle>
           <a:p>
-            <a:pPr indent="0" lvl="0" marL="0" rtl="0" algn="r">
+            <a:pPr marL="0" lvl="0" indent="0" algn="r" rtl="0">
               <a:spcBef>
                 <a:spcPts val="0"/>
               </a:spcBef>
@@ -5396,11 +5454,11 @@
 </file>
 
 <file path=ppt/slideLayouts/slideLayout8.xml><?xml version="1.0" encoding="utf-8"?>
-<p:sldLayout xmlns:a="http://schemas.openxmlformats.org/drawingml/2006/main" xmlns:r="http://schemas.openxmlformats.org/officeDocument/2006/relationships" xmlns:mc="http://schemas.openxmlformats.org/markup-compatibility/2006" xmlns:mv="urn:schemas-microsoft-com:mac:vml" xmlns:p="http://schemas.openxmlformats.org/presentationml/2006/main" xmlns:c="http://schemas.openxmlformats.org/drawingml/2006/chart" xmlns:dgm="http://schemas.openxmlformats.org/drawingml/2006/diagram" xmlns:o="urn:schemas-microsoft-com:office:office" xmlns:v="urn:schemas-microsoft-com:vml" xmlns:pvml="urn:schemas-microsoft-com:office:powerpoint" xmlns:com="http://schemas.openxmlformats.org/drawingml/2006/compatibility" xmlns:p14="http://schemas.microsoft.com/office/powerpoint/2010/main" xmlns:p15="http://schemas.microsoft.com/office/powerpoint/2012/main" xmlns:ahyp="http://schemas.microsoft.com/office/drawing/2018/hyperlinkcolor" matchingName="Section title and description">
+<p:sldLayout xmlns:a="http://schemas.openxmlformats.org/drawingml/2006/main" xmlns:r="http://schemas.openxmlformats.org/officeDocument/2006/relationships" xmlns:p="http://schemas.openxmlformats.org/presentationml/2006/main" matchingName="Section title and description">
   <p:cSld name="SECTION_TITLE_AND_DESCRIPTION">
     <p:spTree>
       <p:nvGrpSpPr>
-        <p:cNvPr id="61" name="Shape 61"/>
+        <p:cNvPr id="1" name="Shape 61"/>
         <p:cNvGrpSpPr/>
         <p:nvPr/>
       </p:nvGrpSpPr>
@@ -5434,12 +5492,12 @@
           </a:ln>
         </p:spPr>
         <p:txBody>
-          <a:bodyPr anchorCtr="0" anchor="ctr" bIns="91425" lIns="91425" spcFirstLastPara="1" rIns="91425" wrap="square" tIns="91425">
+          <a:bodyPr spcFirstLastPara="1" wrap="square" lIns="91425" tIns="91425" rIns="91425" bIns="91425" anchor="ctr" anchorCtr="0">
             <a:noAutofit/>
           </a:bodyPr>
           <a:lstStyle/>
           <a:p>
-            <a:pPr indent="0" lvl="0" marL="0" rtl="0" algn="l">
+            <a:pPr marL="0" lvl="0" indent="0" algn="l" rtl="0">
               <a:spcBef>
                 <a:spcPts val="0"/>
               </a:spcBef>
@@ -5448,9 +5506,6 @@
               </a:spcAft>
               <a:buNone/>
             </a:pPr>
-            <a:r>
-              <a:t/>
-            </a:r>
             <a:endParaRPr/>
           </a:p>
         </p:txBody>
@@ -5491,12 +5546,12 @@
             </a:ln>
           </p:spPr>
           <p:txBody>
-            <a:bodyPr anchorCtr="0" anchor="ctr" bIns="91425" lIns="91425" spcFirstLastPara="1" rIns="91425" wrap="square" tIns="91425">
+            <a:bodyPr spcFirstLastPara="1" wrap="square" lIns="91425" tIns="91425" rIns="91425" bIns="91425" anchor="ctr" anchorCtr="0">
               <a:noAutofit/>
             </a:bodyPr>
             <a:lstStyle/>
             <a:p>
-              <a:pPr indent="0" lvl="0" marL="0" rtl="0" algn="l">
+              <a:pPr marL="0" lvl="0" indent="0" algn="l" rtl="0">
                 <a:spcBef>
                   <a:spcPts val="0"/>
                 </a:spcBef>
@@ -5505,9 +5560,6 @@
                 </a:spcAft>
                 <a:buNone/>
               </a:pPr>
-              <a:r>
-                <a:t/>
-              </a:r>
               <a:endParaRPr/>
             </a:p>
           </p:txBody>
@@ -5534,12 +5586,12 @@
             </a:ln>
           </p:spPr>
           <p:txBody>
-            <a:bodyPr anchorCtr="0" anchor="ctr" bIns="91425" lIns="91425" spcFirstLastPara="1" rIns="91425" wrap="square" tIns="91425">
+            <a:bodyPr spcFirstLastPara="1" wrap="square" lIns="91425" tIns="91425" rIns="91425" bIns="91425" anchor="ctr" anchorCtr="0">
               <a:noAutofit/>
             </a:bodyPr>
             <a:lstStyle/>
             <a:p>
-              <a:pPr indent="0" lvl="0" marL="0" rtl="0" algn="l">
+              <a:pPr marL="0" lvl="0" indent="0" algn="l" rtl="0">
                 <a:spcBef>
                   <a:spcPts val="0"/>
                 </a:spcBef>
@@ -5548,9 +5600,6 @@
                 </a:spcAft>
                 <a:buNone/>
               </a:pPr>
-              <a:r>
-                <a:t/>
-              </a:r>
               <a:endParaRPr/>
             </a:p>
           </p:txBody>
@@ -5559,7 +5608,9 @@
       <p:sp>
         <p:nvSpPr>
           <p:cNvPr id="66" name="Google Shape;66;p9"/>
-          <p:cNvSpPr txBox="1"/>
+          <p:cNvSpPr txBox="1">
+            <a:spLocks noGrp="1"/>
+          </p:cNvSpPr>
           <p:nvPr>
             <p:ph type="title"/>
           </p:nvPr>
@@ -5574,7 +5625,7 @@
           </a:prstGeom>
         </p:spPr>
         <p:txBody>
-          <a:bodyPr anchorCtr="0" anchor="t" bIns="91425" lIns="91425" spcFirstLastPara="1" rIns="91425" wrap="square" tIns="91425">
+          <a:bodyPr spcFirstLastPara="1" wrap="square" lIns="91425" tIns="91425" rIns="91425" bIns="91425" anchor="t" anchorCtr="0">
             <a:normAutofit/>
           </a:bodyPr>
           <a:lstStyle>
@@ -5678,15 +5729,19 @@
               <a:defRPr sz="2600"/>
             </a:lvl9pPr>
           </a:lstStyle>
-          <a:p/>
+          <a:p>
+            <a:endParaRPr/>
+          </a:p>
         </p:txBody>
       </p:sp>
       <p:sp>
         <p:nvSpPr>
           <p:cNvPr id="67" name="Google Shape;67;p9"/>
-          <p:cNvSpPr txBox="1"/>
+          <p:cNvSpPr txBox="1">
+            <a:spLocks noGrp="1"/>
+          </p:cNvSpPr>
           <p:nvPr>
-            <p:ph idx="1" type="subTitle"/>
+            <p:ph type="subTitle" idx="1"/>
           </p:nvPr>
         </p:nvSpPr>
         <p:spPr>
@@ -5699,7 +5754,7 @@
           </a:prstGeom>
         </p:spPr>
         <p:txBody>
-          <a:bodyPr anchorCtr="0" anchor="t" bIns="91425" lIns="91425" spcFirstLastPara="1" rIns="91425" wrap="square" tIns="91425">
+          <a:bodyPr spcFirstLastPara="1" wrap="square" lIns="91425" tIns="91425" rIns="91425" bIns="91425" anchor="t" anchorCtr="0">
             <a:normAutofit/>
           </a:bodyPr>
           <a:lstStyle>
@@ -5830,15 +5885,19 @@
               <a:defRPr sz="1600"/>
             </a:lvl9pPr>
           </a:lstStyle>
-          <a:p/>
+          <a:p>
+            <a:endParaRPr/>
+          </a:p>
         </p:txBody>
       </p:sp>
       <p:sp>
         <p:nvSpPr>
           <p:cNvPr id="68" name="Google Shape;68;p9"/>
-          <p:cNvSpPr txBox="1"/>
+          <p:cNvSpPr txBox="1">
+            <a:spLocks noGrp="1"/>
+          </p:cNvSpPr>
           <p:nvPr>
-            <p:ph idx="2" type="body"/>
+            <p:ph type="body" idx="2"/>
           </p:nvPr>
         </p:nvSpPr>
         <p:spPr>
@@ -5851,11 +5910,11 @@
           </a:prstGeom>
         </p:spPr>
         <p:txBody>
-          <a:bodyPr anchorCtr="0" anchor="t" bIns="91425" lIns="91425" spcFirstLastPara="1" rIns="91425" wrap="square" tIns="91425">
+          <a:bodyPr spcFirstLastPara="1" wrap="square" lIns="91425" tIns="91425" rIns="91425" bIns="91425" anchor="t" anchorCtr="0">
             <a:normAutofit/>
           </a:bodyPr>
           <a:lstStyle>
-            <a:lvl1pPr indent="-311150" lvl="0" marL="457200">
+            <a:lvl1pPr marL="457200" lvl="0" indent="-311150">
               <a:spcBef>
                 <a:spcPts val="0"/>
               </a:spcBef>
@@ -5866,7 +5925,7 @@
               <a:buChar char="●"/>
               <a:defRPr/>
             </a:lvl1pPr>
-            <a:lvl2pPr indent="-298450" lvl="1" marL="914400">
+            <a:lvl2pPr marL="914400" lvl="1" indent="-298450">
               <a:spcBef>
                 <a:spcPts val="0"/>
               </a:spcBef>
@@ -5877,7 +5936,7 @@
               <a:buChar char="○"/>
               <a:defRPr/>
             </a:lvl2pPr>
-            <a:lvl3pPr indent="-298450" lvl="2" marL="1371600">
+            <a:lvl3pPr marL="1371600" lvl="2" indent="-298450">
               <a:spcBef>
                 <a:spcPts val="0"/>
               </a:spcBef>
@@ -5888,7 +5947,7 @@
               <a:buChar char="■"/>
               <a:defRPr/>
             </a:lvl3pPr>
-            <a:lvl4pPr indent="-298450" lvl="3" marL="1828800">
+            <a:lvl4pPr marL="1828800" lvl="3" indent="-298450">
               <a:spcBef>
                 <a:spcPts val="0"/>
               </a:spcBef>
@@ -5899,7 +5958,7 @@
               <a:buChar char="●"/>
               <a:defRPr/>
             </a:lvl4pPr>
-            <a:lvl5pPr indent="-298450" lvl="4" marL="2286000">
+            <a:lvl5pPr marL="2286000" lvl="4" indent="-298450">
               <a:spcBef>
                 <a:spcPts val="0"/>
               </a:spcBef>
@@ -5910,7 +5969,7 @@
               <a:buChar char="○"/>
               <a:defRPr/>
             </a:lvl5pPr>
-            <a:lvl6pPr indent="-298450" lvl="5" marL="2743200">
+            <a:lvl6pPr marL="2743200" lvl="5" indent="-298450">
               <a:spcBef>
                 <a:spcPts val="0"/>
               </a:spcBef>
@@ -5921,7 +5980,7 @@
               <a:buChar char="■"/>
               <a:defRPr/>
             </a:lvl6pPr>
-            <a:lvl7pPr indent="-298450" lvl="6" marL="3200400">
+            <a:lvl7pPr marL="3200400" lvl="6" indent="-298450">
               <a:spcBef>
                 <a:spcPts val="0"/>
               </a:spcBef>
@@ -5932,7 +5991,7 @@
               <a:buChar char="●"/>
               <a:defRPr/>
             </a:lvl7pPr>
-            <a:lvl8pPr indent="-298450" lvl="7" marL="3657600">
+            <a:lvl8pPr marL="3657600" lvl="7" indent="-298450">
               <a:spcBef>
                 <a:spcPts val="0"/>
               </a:spcBef>
@@ -5943,7 +6002,7 @@
               <a:buChar char="○"/>
               <a:defRPr/>
             </a:lvl8pPr>
-            <a:lvl9pPr indent="-298450" lvl="8" marL="4114800">
+            <a:lvl9pPr marL="4114800" lvl="8" indent="-298450">
               <a:spcBef>
                 <a:spcPts val="0"/>
               </a:spcBef>
@@ -5955,15 +6014,19 @@
               <a:defRPr/>
             </a:lvl9pPr>
           </a:lstStyle>
-          <a:p/>
+          <a:p>
+            <a:endParaRPr/>
+          </a:p>
         </p:txBody>
       </p:sp>
       <p:sp>
         <p:nvSpPr>
           <p:cNvPr id="69" name="Google Shape;69;p9"/>
-          <p:cNvSpPr txBox="1"/>
+          <p:cNvSpPr txBox="1">
+            <a:spLocks noGrp="1"/>
+          </p:cNvSpPr>
           <p:nvPr>
-            <p:ph idx="12" type="sldNum"/>
+            <p:ph type="sldNum" idx="12"/>
           </p:nvPr>
         </p:nvSpPr>
         <p:spPr>
@@ -5976,7 +6039,7 @@
           </a:prstGeom>
         </p:spPr>
         <p:txBody>
-          <a:bodyPr anchorCtr="0" anchor="ctr" bIns="91425" lIns="91425" spcFirstLastPara="1" rIns="91425" wrap="square" tIns="91425">
+          <a:bodyPr spcFirstLastPara="1" wrap="square" lIns="91425" tIns="91425" rIns="91425" bIns="91425" anchor="ctr" anchorCtr="0">
             <a:normAutofit/>
           </a:bodyPr>
           <a:lstStyle>
@@ -6018,7 +6081,7 @@
             </a:lvl9pPr>
           </a:lstStyle>
           <a:p>
-            <a:pPr indent="0" lvl="0" marL="0" rtl="0" algn="r">
+            <a:pPr marL="0" lvl="0" indent="0" algn="r" rtl="0">
               <a:spcBef>
                 <a:spcPts val="0"/>
               </a:spcBef>
@@ -6044,11 +6107,11 @@
 </file>
 
 <file path=ppt/slideLayouts/slideLayout9.xml><?xml version="1.0" encoding="utf-8"?>
-<p:sldLayout xmlns:a="http://schemas.openxmlformats.org/drawingml/2006/main" xmlns:r="http://schemas.openxmlformats.org/officeDocument/2006/relationships" xmlns:mc="http://schemas.openxmlformats.org/markup-compatibility/2006" xmlns:mv="urn:schemas-microsoft-com:mac:vml" xmlns:p="http://schemas.openxmlformats.org/presentationml/2006/main" xmlns:c="http://schemas.openxmlformats.org/drawingml/2006/chart" xmlns:dgm="http://schemas.openxmlformats.org/drawingml/2006/diagram" xmlns:o="urn:schemas-microsoft-com:office:office" xmlns:v="urn:schemas-microsoft-com:vml" xmlns:pvml="urn:schemas-microsoft-com:office:powerpoint" xmlns:com="http://schemas.openxmlformats.org/drawingml/2006/compatibility" xmlns:p14="http://schemas.microsoft.com/office/powerpoint/2010/main" xmlns:p15="http://schemas.microsoft.com/office/powerpoint/2012/main" xmlns:ahyp="http://schemas.microsoft.com/office/drawing/2018/hyperlinkcolor" matchingName="Caption">
+<p:sldLayout xmlns:a="http://schemas.openxmlformats.org/drawingml/2006/main" xmlns:r="http://schemas.openxmlformats.org/officeDocument/2006/relationships" xmlns:p="http://schemas.openxmlformats.org/presentationml/2006/main" matchingName="Caption">
   <p:cSld name="CAPTION_ONLY">
     <p:spTree>
       <p:nvGrpSpPr>
-        <p:cNvPr id="70" name="Shape 70"/>
+        <p:cNvPr id="1" name="Shape 70"/>
         <p:cNvGrpSpPr/>
         <p:nvPr/>
       </p:nvGrpSpPr>
@@ -6063,9 +6126,11 @@
       <p:sp>
         <p:nvSpPr>
           <p:cNvPr id="71" name="Google Shape;71;p10"/>
-          <p:cNvSpPr txBox="1"/>
+          <p:cNvSpPr txBox="1">
+            <a:spLocks noGrp="1"/>
+          </p:cNvSpPr>
           <p:nvPr>
-            <p:ph idx="1" type="body"/>
+            <p:ph type="body" idx="1"/>
           </p:nvPr>
         </p:nvSpPr>
         <p:spPr>
@@ -6078,11 +6143,11 @@
           </a:prstGeom>
         </p:spPr>
         <p:txBody>
-          <a:bodyPr anchorCtr="0" anchor="ctr" bIns="91425" lIns="91425" spcFirstLastPara="1" rIns="91425" wrap="square" tIns="91425">
+          <a:bodyPr spcFirstLastPara="1" wrap="square" lIns="91425" tIns="91425" rIns="91425" bIns="91425" anchor="ctr" anchorCtr="0">
             <a:normAutofit/>
           </a:bodyPr>
           <a:lstStyle>
-            <a:lvl1pPr indent="-228600" lvl="0" marL="457200">
+            <a:lvl1pPr marL="457200" lvl="0" indent="-228600">
               <a:lnSpc>
                 <a:spcPct val="100000"/>
               </a:lnSpc>
@@ -6097,15 +6162,19 @@
               <a:defRPr/>
             </a:lvl1pPr>
           </a:lstStyle>
-          <a:p/>
+          <a:p>
+            <a:endParaRPr/>
+          </a:p>
         </p:txBody>
       </p:sp>
       <p:sp>
         <p:nvSpPr>
           <p:cNvPr id="72" name="Google Shape;72;p10"/>
-          <p:cNvSpPr txBox="1"/>
+          <p:cNvSpPr txBox="1">
+            <a:spLocks noGrp="1"/>
+          </p:cNvSpPr>
           <p:nvPr>
-            <p:ph idx="12" type="sldNum"/>
+            <p:ph type="sldNum" idx="12"/>
           </p:nvPr>
         </p:nvSpPr>
         <p:spPr>
@@ -6118,7 +6187,7 @@
           </a:prstGeom>
         </p:spPr>
         <p:txBody>
-          <a:bodyPr anchorCtr="0" anchor="ctr" bIns="91425" lIns="91425" spcFirstLastPara="1" rIns="91425" wrap="square" tIns="91425">
+          <a:bodyPr spcFirstLastPara="1" wrap="square" lIns="91425" tIns="91425" rIns="91425" bIns="91425" anchor="ctr" anchorCtr="0">
             <a:normAutofit/>
           </a:bodyPr>
           <a:lstStyle>
@@ -6160,7 +6229,7 @@
             </a:lvl9pPr>
           </a:lstStyle>
           <a:p>
-            <a:pPr indent="0" lvl="0" marL="0" rtl="0" algn="r">
+            <a:pPr marL="0" lvl="0" indent="0" algn="r" rtl="0">
               <a:spcBef>
                 <a:spcPts val="0"/>
               </a:spcBef>
@@ -6186,18 +6255,19 @@
 </file>
 
 <file path=ppt/slideMasters/slideMaster1.xml><?xml version="1.0" encoding="utf-8"?>
-<p:sldMaster xmlns:a="http://schemas.openxmlformats.org/drawingml/2006/main" xmlns:r="http://schemas.openxmlformats.org/officeDocument/2006/relationships" xmlns:mc="http://schemas.openxmlformats.org/markup-compatibility/2006" xmlns:mv="urn:schemas-microsoft-com:mac:vml" xmlns:p="http://schemas.openxmlformats.org/presentationml/2006/main" xmlns:c="http://schemas.openxmlformats.org/drawingml/2006/chart" xmlns:dgm="http://schemas.openxmlformats.org/drawingml/2006/diagram" xmlns:o="urn:schemas-microsoft-com:office:office" xmlns:v="urn:schemas-microsoft-com:vml" xmlns:pvml="urn:schemas-microsoft-com:office:powerpoint" xmlns:com="http://schemas.openxmlformats.org/drawingml/2006/compatibility" xmlns:p14="http://schemas.microsoft.com/office/powerpoint/2010/main" xmlns:p15="http://schemas.microsoft.com/office/powerpoint/2012/main" xmlns:ahyp="http://schemas.microsoft.com/office/drawing/2018/hyperlinkcolor">
+<p:sldMaster xmlns:a="http://schemas.openxmlformats.org/drawingml/2006/main" xmlns:r="http://schemas.openxmlformats.org/officeDocument/2006/relationships" xmlns:p="http://schemas.openxmlformats.org/presentationml/2006/main">
   <p:cSld name="streamline">
     <p:bg>
       <p:bgPr>
         <a:solidFill>
           <a:schemeClr val="lt1"/>
         </a:solidFill>
+        <a:effectLst/>
       </p:bgPr>
     </p:bg>
     <p:spTree>
       <p:nvGrpSpPr>
-        <p:cNvPr id="5" name="Shape 5"/>
+        <p:cNvPr id="1" name="Shape 5"/>
         <p:cNvGrpSpPr/>
         <p:nvPr/>
       </p:nvGrpSpPr>
@@ -6212,7 +6282,9 @@
       <p:sp>
         <p:nvSpPr>
           <p:cNvPr id="6" name="Google Shape;6;p1"/>
-          <p:cNvSpPr txBox="1"/>
+          <p:cNvSpPr txBox="1">
+            <a:spLocks noGrp="1"/>
+          </p:cNvSpPr>
           <p:nvPr>
             <p:ph type="title"/>
           </p:nvPr>
@@ -6231,7 +6303,7 @@
           </a:ln>
         </p:spPr>
         <p:txBody>
-          <a:bodyPr anchorCtr="0" anchor="t" bIns="91425" lIns="91425" spcFirstLastPara="1" rIns="91425" wrap="square" tIns="91425">
+          <a:bodyPr spcFirstLastPara="1" wrap="square" lIns="91425" tIns="91425" rIns="91425" bIns="91425" anchor="t" anchorCtr="0">
             <a:normAutofit/>
           </a:bodyPr>
           <a:lstStyle>
@@ -6248,7 +6320,7 @@
               <a:buSzPts val="2800"/>
               <a:buFont typeface="Raleway"/>
               <a:buNone/>
-              <a:defRPr b="1" sz="2800">
+              <a:defRPr sz="2800" b="1">
                 <a:solidFill>
                   <a:schemeClr val="dk2"/>
                 </a:solidFill>
@@ -6271,7 +6343,7 @@
               <a:buSzPts val="2800"/>
               <a:buFont typeface="Raleway"/>
               <a:buNone/>
-              <a:defRPr b="1" sz="2800">
+              <a:defRPr sz="2800" b="1">
                 <a:solidFill>
                   <a:schemeClr val="dk2"/>
                 </a:solidFill>
@@ -6294,7 +6366,7 @@
               <a:buSzPts val="2800"/>
               <a:buFont typeface="Raleway"/>
               <a:buNone/>
-              <a:defRPr b="1" sz="2800">
+              <a:defRPr sz="2800" b="1">
                 <a:solidFill>
                   <a:schemeClr val="dk2"/>
                 </a:solidFill>
@@ -6317,7 +6389,7 @@
               <a:buSzPts val="2800"/>
               <a:buFont typeface="Raleway"/>
               <a:buNone/>
-              <a:defRPr b="1" sz="2800">
+              <a:defRPr sz="2800" b="1">
                 <a:solidFill>
                   <a:schemeClr val="dk2"/>
                 </a:solidFill>
@@ -6340,7 +6412,7 @@
               <a:buSzPts val="2800"/>
               <a:buFont typeface="Raleway"/>
               <a:buNone/>
-              <a:defRPr b="1" sz="2800">
+              <a:defRPr sz="2800" b="1">
                 <a:solidFill>
                   <a:schemeClr val="dk2"/>
                 </a:solidFill>
@@ -6363,7 +6435,7 @@
               <a:buSzPts val="2800"/>
               <a:buFont typeface="Raleway"/>
               <a:buNone/>
-              <a:defRPr b="1" sz="2800">
+              <a:defRPr sz="2800" b="1">
                 <a:solidFill>
                   <a:schemeClr val="dk2"/>
                 </a:solidFill>
@@ -6386,7 +6458,7 @@
               <a:buSzPts val="2800"/>
               <a:buFont typeface="Raleway"/>
               <a:buNone/>
-              <a:defRPr b="1" sz="2800">
+              <a:defRPr sz="2800" b="1">
                 <a:solidFill>
                   <a:schemeClr val="dk2"/>
                 </a:solidFill>
@@ -6409,7 +6481,7 @@
               <a:buSzPts val="2800"/>
               <a:buFont typeface="Raleway"/>
               <a:buNone/>
-              <a:defRPr b="1" sz="2800">
+              <a:defRPr sz="2800" b="1">
                 <a:solidFill>
                   <a:schemeClr val="dk2"/>
                 </a:solidFill>
@@ -6432,7 +6504,7 @@
               <a:buSzPts val="2800"/>
               <a:buFont typeface="Raleway"/>
               <a:buNone/>
-              <a:defRPr b="1" sz="2800">
+              <a:defRPr sz="2800" b="1">
                 <a:solidFill>
                   <a:schemeClr val="dk2"/>
                 </a:solidFill>
@@ -6443,15 +6515,19 @@
               </a:defRPr>
             </a:lvl9pPr>
           </a:lstStyle>
-          <a:p/>
+          <a:p>
+            <a:endParaRPr/>
+          </a:p>
         </p:txBody>
       </p:sp>
       <p:sp>
         <p:nvSpPr>
           <p:cNvPr id="7" name="Google Shape;7;p1"/>
-          <p:cNvSpPr txBox="1"/>
+          <p:cNvSpPr txBox="1">
+            <a:spLocks noGrp="1"/>
+          </p:cNvSpPr>
           <p:nvPr>
-            <p:ph idx="1" type="body"/>
+            <p:ph type="body" idx="1"/>
           </p:nvPr>
         </p:nvSpPr>
         <p:spPr>
@@ -6468,11 +6544,11 @@
           </a:ln>
         </p:spPr>
         <p:txBody>
-          <a:bodyPr anchorCtr="0" anchor="t" bIns="91425" lIns="91425" spcFirstLastPara="1" rIns="91425" wrap="square" tIns="91425">
+          <a:bodyPr spcFirstLastPara="1" wrap="square" lIns="91425" tIns="91425" rIns="91425" bIns="91425" anchor="t" anchorCtr="0">
             <a:normAutofit/>
           </a:bodyPr>
           <a:lstStyle>
-            <a:lvl1pPr indent="-311150" lvl="0" marL="457200">
+            <a:lvl1pPr marL="457200" lvl="0" indent="-311150">
               <a:lnSpc>
                 <a:spcPct val="115000"/>
               </a:lnSpc>
@@ -6498,7 +6574,7 @@
                 <a:sym typeface="Lato"/>
               </a:defRPr>
             </a:lvl1pPr>
-            <a:lvl2pPr indent="-298450" lvl="1" marL="914400">
+            <a:lvl2pPr marL="914400" lvl="1" indent="-298450">
               <a:lnSpc>
                 <a:spcPct val="115000"/>
               </a:lnSpc>
@@ -6524,7 +6600,7 @@
                 <a:sym typeface="Lato"/>
               </a:defRPr>
             </a:lvl2pPr>
-            <a:lvl3pPr indent="-298450" lvl="2" marL="1371600">
+            <a:lvl3pPr marL="1371600" lvl="2" indent="-298450">
               <a:lnSpc>
                 <a:spcPct val="115000"/>
               </a:lnSpc>
@@ -6550,7 +6626,7 @@
                 <a:sym typeface="Lato"/>
               </a:defRPr>
             </a:lvl3pPr>
-            <a:lvl4pPr indent="-298450" lvl="3" marL="1828800">
+            <a:lvl4pPr marL="1828800" lvl="3" indent="-298450">
               <a:lnSpc>
                 <a:spcPct val="115000"/>
               </a:lnSpc>
@@ -6576,7 +6652,7 @@
                 <a:sym typeface="Lato"/>
               </a:defRPr>
             </a:lvl4pPr>
-            <a:lvl5pPr indent="-298450" lvl="4" marL="2286000">
+            <a:lvl5pPr marL="2286000" lvl="4" indent="-298450">
               <a:lnSpc>
                 <a:spcPct val="115000"/>
               </a:lnSpc>
@@ -6602,7 +6678,7 @@
                 <a:sym typeface="Lato"/>
               </a:defRPr>
             </a:lvl5pPr>
-            <a:lvl6pPr indent="-298450" lvl="5" marL="2743200">
+            <a:lvl6pPr marL="2743200" lvl="5" indent="-298450">
               <a:lnSpc>
                 <a:spcPct val="115000"/>
               </a:lnSpc>
@@ -6628,7 +6704,7 @@
                 <a:sym typeface="Lato"/>
               </a:defRPr>
             </a:lvl6pPr>
-            <a:lvl7pPr indent="-298450" lvl="6" marL="3200400">
+            <a:lvl7pPr marL="3200400" lvl="6" indent="-298450">
               <a:lnSpc>
                 <a:spcPct val="115000"/>
               </a:lnSpc>
@@ -6654,7 +6730,7 @@
                 <a:sym typeface="Lato"/>
               </a:defRPr>
             </a:lvl7pPr>
-            <a:lvl8pPr indent="-298450" lvl="7" marL="3657600">
+            <a:lvl8pPr marL="3657600" lvl="7" indent="-298450">
               <a:lnSpc>
                 <a:spcPct val="115000"/>
               </a:lnSpc>
@@ -6680,7 +6756,7 @@
                 <a:sym typeface="Lato"/>
               </a:defRPr>
             </a:lvl8pPr>
-            <a:lvl9pPr indent="-298450" lvl="8" marL="4114800">
+            <a:lvl9pPr marL="4114800" lvl="8" indent="-298450">
               <a:lnSpc>
                 <a:spcPct val="115000"/>
               </a:lnSpc>
@@ -6707,15 +6783,19 @@
               </a:defRPr>
             </a:lvl9pPr>
           </a:lstStyle>
-          <a:p/>
+          <a:p>
+            <a:endParaRPr/>
+          </a:p>
         </p:txBody>
       </p:sp>
       <p:sp>
         <p:nvSpPr>
           <p:cNvPr id="8" name="Google Shape;8;p1"/>
-          <p:cNvSpPr txBox="1"/>
+          <p:cNvSpPr txBox="1">
+            <a:spLocks noGrp="1"/>
+          </p:cNvSpPr>
           <p:nvPr>
-            <p:ph idx="12" type="sldNum"/>
+            <p:ph type="sldNum" idx="12"/>
           </p:nvPr>
         </p:nvSpPr>
         <p:spPr>
@@ -6732,7 +6812,7 @@
           </a:ln>
         </p:spPr>
         <p:txBody>
-          <a:bodyPr anchorCtr="0" anchor="ctr" bIns="91425" lIns="91425" spcFirstLastPara="1" rIns="91425" wrap="square" tIns="91425">
+          <a:bodyPr spcFirstLastPara="1" wrap="square" lIns="91425" tIns="91425" rIns="91425" bIns="91425" anchor="ctr" anchorCtr="0">
             <a:normAutofit/>
           </a:bodyPr>
           <a:lstStyle>
@@ -6846,7 +6926,7 @@
             </a:lvl9pPr>
           </a:lstStyle>
           <a:p>
-            <a:pPr indent="0" lvl="0" marL="0" rtl="0" algn="r">
+            <a:pPr marL="0" lvl="0" indent="0" algn="r" rtl="0">
               <a:spcBef>
                 <a:spcPts val="0"/>
               </a:spcBef>
@@ -6865,7 +6945,7 @@
       </p:sp>
     </p:spTree>
   </p:cSld>
-  <p:clrMap accent1="accent1" accent2="accent2" accent3="accent3" accent4="accent4" accent5="accent5" accent6="accent6" bg1="lt1" bg2="dk2" tx1="dk1" tx2="lt2" folHlink="folHlink" hlink="hlink"/>
+  <p:clrMap bg1="lt1" tx1="dk1" bg2="dk2" tx2="lt2" accent1="accent1" accent2="accent2" accent3="accent3" accent4="accent4" accent5="accent5" accent6="accent6" hlink="hlink" folHlink="folHlink"/>
   <p:sldLayoutIdLst>
     <p:sldLayoutId id="2147483648" r:id="rId1"/>
     <p:sldLayoutId id="2147483649" r:id="rId2"/>
@@ -6879,10 +6959,10 @@
     <p:sldLayoutId id="2147483657" r:id="rId10"/>
     <p:sldLayoutId id="2147483658" r:id="rId11"/>
   </p:sldLayoutIdLst>
-  <p:hf dt="0" ftr="0" hdr="0" sldNum="0"/>
+  <p:hf sldNum="0" hdr="0" ftr="0" dt="0"/>
   <p:txStyles>
     <p:titleStyle>
-      <a:defPPr lvl="0" marR="0" rtl="0" algn="l">
+      <a:defPPr marR="0" lvl="0" algn="l" rtl="0">
         <a:lnSpc>
           <a:spcPct val="100000"/>
         </a:lnSpc>
@@ -6893,7 +6973,7 @@
           <a:spcPts val="0"/>
         </a:spcAft>
       </a:defPPr>
-      <a:lvl1pPr lvl="0" marR="0" rtl="0" algn="l">
+      <a:lvl1pPr marR="0" lvl="0" algn="l" rtl="0">
         <a:lnSpc>
           <a:spcPct val="100000"/>
         </a:lnSpc>
@@ -6907,7 +6987,7 @@
           <a:srgbClr val="000000"/>
         </a:buClr>
         <a:buFont typeface="Arial"/>
-        <a:defRPr b="0" i="0" sz="1400" u="none" cap="none" strike="noStrike">
+        <a:defRPr sz="1400" b="0" i="0" u="none" strike="noStrike" cap="none">
           <a:solidFill>
             <a:srgbClr val="000000"/>
           </a:solidFill>
@@ -6917,7 +6997,7 @@
           <a:sym typeface="Arial"/>
         </a:defRPr>
       </a:lvl1pPr>
-      <a:lvl2pPr lvl="1" marR="0" rtl="0" algn="l">
+      <a:lvl2pPr marR="0" lvl="1" algn="l" rtl="0">
         <a:lnSpc>
           <a:spcPct val="100000"/>
         </a:lnSpc>
@@ -6931,7 +7011,7 @@
           <a:srgbClr val="000000"/>
         </a:buClr>
         <a:buFont typeface="Arial"/>
-        <a:defRPr b="0" i="0" sz="1400" u="none" cap="none" strike="noStrike">
+        <a:defRPr sz="1400" b="0" i="0" u="none" strike="noStrike" cap="none">
           <a:solidFill>
             <a:srgbClr val="000000"/>
           </a:solidFill>
@@ -6941,7 +7021,7 @@
           <a:sym typeface="Arial"/>
         </a:defRPr>
       </a:lvl2pPr>
-      <a:lvl3pPr lvl="2" marR="0" rtl="0" algn="l">
+      <a:lvl3pPr marR="0" lvl="2" algn="l" rtl="0">
         <a:lnSpc>
           <a:spcPct val="100000"/>
         </a:lnSpc>
@@ -6955,7 +7035,7 @@
           <a:srgbClr val="000000"/>
         </a:buClr>
         <a:buFont typeface="Arial"/>
-        <a:defRPr b="0" i="0" sz="1400" u="none" cap="none" strike="noStrike">
+        <a:defRPr sz="1400" b="0" i="0" u="none" strike="noStrike" cap="none">
           <a:solidFill>
             <a:srgbClr val="000000"/>
           </a:solidFill>
@@ -6965,7 +7045,7 @@
           <a:sym typeface="Arial"/>
         </a:defRPr>
       </a:lvl3pPr>
-      <a:lvl4pPr lvl="3" marR="0" rtl="0" algn="l">
+      <a:lvl4pPr marR="0" lvl="3" algn="l" rtl="0">
         <a:lnSpc>
           <a:spcPct val="100000"/>
         </a:lnSpc>
@@ -6979,7 +7059,7 @@
           <a:srgbClr val="000000"/>
         </a:buClr>
         <a:buFont typeface="Arial"/>
-        <a:defRPr b="0" i="0" sz="1400" u="none" cap="none" strike="noStrike">
+        <a:defRPr sz="1400" b="0" i="0" u="none" strike="noStrike" cap="none">
           <a:solidFill>
             <a:srgbClr val="000000"/>
           </a:solidFill>
@@ -6989,7 +7069,7 @@
           <a:sym typeface="Arial"/>
         </a:defRPr>
       </a:lvl4pPr>
-      <a:lvl5pPr lvl="4" marR="0" rtl="0" algn="l">
+      <a:lvl5pPr marR="0" lvl="4" algn="l" rtl="0">
         <a:lnSpc>
           <a:spcPct val="100000"/>
         </a:lnSpc>
@@ -7003,7 +7083,7 @@
           <a:srgbClr val="000000"/>
         </a:buClr>
         <a:buFont typeface="Arial"/>
-        <a:defRPr b="0" i="0" sz="1400" u="none" cap="none" strike="noStrike">
+        <a:defRPr sz="1400" b="0" i="0" u="none" strike="noStrike" cap="none">
           <a:solidFill>
             <a:srgbClr val="000000"/>
           </a:solidFill>
@@ -7013,7 +7093,7 @@
           <a:sym typeface="Arial"/>
         </a:defRPr>
       </a:lvl5pPr>
-      <a:lvl6pPr lvl="5" marR="0" rtl="0" algn="l">
+      <a:lvl6pPr marR="0" lvl="5" algn="l" rtl="0">
         <a:lnSpc>
           <a:spcPct val="100000"/>
         </a:lnSpc>
@@ -7027,7 +7107,7 @@
           <a:srgbClr val="000000"/>
         </a:buClr>
         <a:buFont typeface="Arial"/>
-        <a:defRPr b="0" i="0" sz="1400" u="none" cap="none" strike="noStrike">
+        <a:defRPr sz="1400" b="0" i="0" u="none" strike="noStrike" cap="none">
           <a:solidFill>
             <a:srgbClr val="000000"/>
           </a:solidFill>
@@ -7037,7 +7117,7 @@
           <a:sym typeface="Arial"/>
         </a:defRPr>
       </a:lvl6pPr>
-      <a:lvl7pPr lvl="6" marR="0" rtl="0" algn="l">
+      <a:lvl7pPr marR="0" lvl="6" algn="l" rtl="0">
         <a:lnSpc>
           <a:spcPct val="100000"/>
         </a:lnSpc>
@@ -7051,7 +7131,7 @@
           <a:srgbClr val="000000"/>
         </a:buClr>
         <a:buFont typeface="Arial"/>
-        <a:defRPr b="0" i="0" sz="1400" u="none" cap="none" strike="noStrike">
+        <a:defRPr sz="1400" b="0" i="0" u="none" strike="noStrike" cap="none">
           <a:solidFill>
             <a:srgbClr val="000000"/>
           </a:solidFill>
@@ -7061,7 +7141,7 @@
           <a:sym typeface="Arial"/>
         </a:defRPr>
       </a:lvl7pPr>
-      <a:lvl8pPr lvl="7" marR="0" rtl="0" algn="l">
+      <a:lvl8pPr marR="0" lvl="7" algn="l" rtl="0">
         <a:lnSpc>
           <a:spcPct val="100000"/>
         </a:lnSpc>
@@ -7075,7 +7155,7 @@
           <a:srgbClr val="000000"/>
         </a:buClr>
         <a:buFont typeface="Arial"/>
-        <a:defRPr b="0" i="0" sz="1400" u="none" cap="none" strike="noStrike">
+        <a:defRPr sz="1400" b="0" i="0" u="none" strike="noStrike" cap="none">
           <a:solidFill>
             <a:srgbClr val="000000"/>
           </a:solidFill>
@@ -7085,7 +7165,7 @@
           <a:sym typeface="Arial"/>
         </a:defRPr>
       </a:lvl8pPr>
-      <a:lvl9pPr lvl="8" marR="0" rtl="0" algn="l">
+      <a:lvl9pPr marR="0" lvl="8" algn="l" rtl="0">
         <a:lnSpc>
           <a:spcPct val="100000"/>
         </a:lnSpc>
@@ -7099,7 +7179,7 @@
           <a:srgbClr val="000000"/>
         </a:buClr>
         <a:buFont typeface="Arial"/>
-        <a:defRPr b="0" i="0" sz="1400" u="none" cap="none" strike="noStrike">
+        <a:defRPr sz="1400" b="0" i="0" u="none" strike="noStrike" cap="none">
           <a:solidFill>
             <a:srgbClr val="000000"/>
           </a:solidFill>
@@ -7111,7 +7191,7 @@
       </a:lvl9pPr>
     </p:titleStyle>
     <p:bodyStyle>
-      <a:defPPr lvl="0" marR="0" rtl="0" algn="l">
+      <a:defPPr marR="0" lvl="0" algn="l" rtl="0">
         <a:lnSpc>
           <a:spcPct val="100000"/>
         </a:lnSpc>
@@ -7122,7 +7202,7 @@
           <a:spcPts val="0"/>
         </a:spcAft>
       </a:defPPr>
-      <a:lvl1pPr lvl="0" marR="0" rtl="0" algn="l">
+      <a:lvl1pPr marR="0" lvl="0" algn="l" rtl="0">
         <a:lnSpc>
           <a:spcPct val="100000"/>
         </a:lnSpc>
@@ -7136,7 +7216,7 @@
           <a:srgbClr val="000000"/>
         </a:buClr>
         <a:buFont typeface="Arial"/>
-        <a:defRPr b="0" i="0" sz="1400" u="none" cap="none" strike="noStrike">
+        <a:defRPr sz="1400" b="0" i="0" u="none" strike="noStrike" cap="none">
           <a:solidFill>
             <a:srgbClr val="000000"/>
           </a:solidFill>
@@ -7146,7 +7226,7 @@
           <a:sym typeface="Arial"/>
         </a:defRPr>
       </a:lvl1pPr>
-      <a:lvl2pPr lvl="1" marR="0" rtl="0" algn="l">
+      <a:lvl2pPr marR="0" lvl="1" algn="l" rtl="0">
         <a:lnSpc>
           <a:spcPct val="100000"/>
         </a:lnSpc>
@@ -7160,7 +7240,7 @@
           <a:srgbClr val="000000"/>
         </a:buClr>
         <a:buFont typeface="Arial"/>
-        <a:defRPr b="0" i="0" sz="1400" u="none" cap="none" strike="noStrike">
+        <a:defRPr sz="1400" b="0" i="0" u="none" strike="noStrike" cap="none">
           <a:solidFill>
             <a:srgbClr val="000000"/>
           </a:solidFill>
@@ -7170,7 +7250,7 @@
           <a:sym typeface="Arial"/>
         </a:defRPr>
       </a:lvl2pPr>
-      <a:lvl3pPr lvl="2" marR="0" rtl="0" algn="l">
+      <a:lvl3pPr marR="0" lvl="2" algn="l" rtl="0">
         <a:lnSpc>
           <a:spcPct val="100000"/>
         </a:lnSpc>
@@ -7184,7 +7264,7 @@
           <a:srgbClr val="000000"/>
         </a:buClr>
         <a:buFont typeface="Arial"/>
-        <a:defRPr b="0" i="0" sz="1400" u="none" cap="none" strike="noStrike">
+        <a:defRPr sz="1400" b="0" i="0" u="none" strike="noStrike" cap="none">
           <a:solidFill>
             <a:srgbClr val="000000"/>
           </a:solidFill>
@@ -7194,7 +7274,7 @@
           <a:sym typeface="Arial"/>
         </a:defRPr>
       </a:lvl3pPr>
-      <a:lvl4pPr lvl="3" marR="0" rtl="0" algn="l">
+      <a:lvl4pPr marR="0" lvl="3" algn="l" rtl="0">
         <a:lnSpc>
           <a:spcPct val="100000"/>
         </a:lnSpc>
@@ -7208,7 +7288,7 @@
           <a:srgbClr val="000000"/>
         </a:buClr>
         <a:buFont typeface="Arial"/>
-        <a:defRPr b="0" i="0" sz="1400" u="none" cap="none" strike="noStrike">
+        <a:defRPr sz="1400" b="0" i="0" u="none" strike="noStrike" cap="none">
           <a:solidFill>
             <a:srgbClr val="000000"/>
           </a:solidFill>
@@ -7218,7 +7298,7 @@
           <a:sym typeface="Arial"/>
         </a:defRPr>
       </a:lvl4pPr>
-      <a:lvl5pPr lvl="4" marR="0" rtl="0" algn="l">
+      <a:lvl5pPr marR="0" lvl="4" algn="l" rtl="0">
         <a:lnSpc>
           <a:spcPct val="100000"/>
         </a:lnSpc>
@@ -7232,7 +7312,7 @@
           <a:srgbClr val="000000"/>
         </a:buClr>
         <a:buFont typeface="Arial"/>
-        <a:defRPr b="0" i="0" sz="1400" u="none" cap="none" strike="noStrike">
+        <a:defRPr sz="1400" b="0" i="0" u="none" strike="noStrike" cap="none">
           <a:solidFill>
             <a:srgbClr val="000000"/>
           </a:solidFill>
@@ -7242,7 +7322,7 @@
           <a:sym typeface="Arial"/>
         </a:defRPr>
       </a:lvl5pPr>
-      <a:lvl6pPr lvl="5" marR="0" rtl="0" algn="l">
+      <a:lvl6pPr marR="0" lvl="5" algn="l" rtl="0">
         <a:lnSpc>
           <a:spcPct val="100000"/>
         </a:lnSpc>
@@ -7256,7 +7336,7 @@
           <a:srgbClr val="000000"/>
         </a:buClr>
         <a:buFont typeface="Arial"/>
-        <a:defRPr b="0" i="0" sz="1400" u="none" cap="none" strike="noStrike">
+        <a:defRPr sz="1400" b="0" i="0" u="none" strike="noStrike" cap="none">
           <a:solidFill>
             <a:srgbClr val="000000"/>
           </a:solidFill>
@@ -7266,7 +7346,7 @@
           <a:sym typeface="Arial"/>
         </a:defRPr>
       </a:lvl6pPr>
-      <a:lvl7pPr lvl="6" marR="0" rtl="0" algn="l">
+      <a:lvl7pPr marR="0" lvl="6" algn="l" rtl="0">
         <a:lnSpc>
           <a:spcPct val="100000"/>
         </a:lnSpc>
@@ -7280,7 +7360,7 @@
           <a:srgbClr val="000000"/>
         </a:buClr>
         <a:buFont typeface="Arial"/>
-        <a:defRPr b="0" i="0" sz="1400" u="none" cap="none" strike="noStrike">
+        <a:defRPr sz="1400" b="0" i="0" u="none" strike="noStrike" cap="none">
           <a:solidFill>
             <a:srgbClr val="000000"/>
           </a:solidFill>
@@ -7290,7 +7370,7 @@
           <a:sym typeface="Arial"/>
         </a:defRPr>
       </a:lvl7pPr>
-      <a:lvl8pPr lvl="7" marR="0" rtl="0" algn="l">
+      <a:lvl8pPr marR="0" lvl="7" algn="l" rtl="0">
         <a:lnSpc>
           <a:spcPct val="100000"/>
         </a:lnSpc>
@@ -7304,7 +7384,7 @@
           <a:srgbClr val="000000"/>
         </a:buClr>
         <a:buFont typeface="Arial"/>
-        <a:defRPr b="0" i="0" sz="1400" u="none" cap="none" strike="noStrike">
+        <a:defRPr sz="1400" b="0" i="0" u="none" strike="noStrike" cap="none">
           <a:solidFill>
             <a:srgbClr val="000000"/>
           </a:solidFill>
@@ -7314,7 +7394,7 @@
           <a:sym typeface="Arial"/>
         </a:defRPr>
       </a:lvl8pPr>
-      <a:lvl9pPr lvl="8" marR="0" rtl="0" algn="l">
+      <a:lvl9pPr marR="0" lvl="8" algn="l" rtl="0">
         <a:lnSpc>
           <a:spcPct val="100000"/>
         </a:lnSpc>
@@ -7328,7 +7408,7 @@
           <a:srgbClr val="000000"/>
         </a:buClr>
         <a:buFont typeface="Arial"/>
-        <a:defRPr b="0" i="0" sz="1400" u="none" cap="none" strike="noStrike">
+        <a:defRPr sz="1400" b="0" i="0" u="none" strike="noStrike" cap="none">
           <a:solidFill>
             <a:srgbClr val="000000"/>
           </a:solidFill>
@@ -7340,7 +7420,7 @@
       </a:lvl9pPr>
     </p:bodyStyle>
     <p:otherStyle>
-      <a:defPPr lvl="0" marR="0" rtl="0" algn="l">
+      <a:defPPr marR="0" lvl="0" algn="l" rtl="0">
         <a:lnSpc>
           <a:spcPct val="100000"/>
         </a:lnSpc>
@@ -7351,7 +7431,7 @@
           <a:spcPts val="0"/>
         </a:spcAft>
       </a:defPPr>
-      <a:lvl1pPr lvl="0" marR="0" rtl="0" algn="l">
+      <a:lvl1pPr marR="0" lvl="0" algn="l" rtl="0">
         <a:lnSpc>
           <a:spcPct val="100000"/>
         </a:lnSpc>
@@ -7365,7 +7445,7 @@
           <a:srgbClr val="000000"/>
         </a:buClr>
         <a:buFont typeface="Arial"/>
-        <a:defRPr b="0" i="0" sz="1400" u="none" cap="none" strike="noStrike">
+        <a:defRPr sz="1400" b="0" i="0" u="none" strike="noStrike" cap="none">
           <a:solidFill>
             <a:srgbClr val="000000"/>
           </a:solidFill>
@@ -7375,7 +7455,7 @@
           <a:sym typeface="Arial"/>
         </a:defRPr>
       </a:lvl1pPr>
-      <a:lvl2pPr lvl="1" marR="0" rtl="0" algn="l">
+      <a:lvl2pPr marR="0" lvl="1" algn="l" rtl="0">
         <a:lnSpc>
           <a:spcPct val="100000"/>
         </a:lnSpc>
@@ -7389,7 +7469,7 @@
           <a:srgbClr val="000000"/>
         </a:buClr>
         <a:buFont typeface="Arial"/>
-        <a:defRPr b="0" i="0" sz="1400" u="none" cap="none" strike="noStrike">
+        <a:defRPr sz="1400" b="0" i="0" u="none" strike="noStrike" cap="none">
           <a:solidFill>
             <a:srgbClr val="000000"/>
           </a:solidFill>
@@ -7399,7 +7479,7 @@
           <a:sym typeface="Arial"/>
         </a:defRPr>
       </a:lvl2pPr>
-      <a:lvl3pPr lvl="2" marR="0" rtl="0" algn="l">
+      <a:lvl3pPr marR="0" lvl="2" algn="l" rtl="0">
         <a:lnSpc>
           <a:spcPct val="100000"/>
         </a:lnSpc>
@@ -7413,7 +7493,7 @@
           <a:srgbClr val="000000"/>
         </a:buClr>
         <a:buFont typeface="Arial"/>
-        <a:defRPr b="0" i="0" sz="1400" u="none" cap="none" strike="noStrike">
+        <a:defRPr sz="1400" b="0" i="0" u="none" strike="noStrike" cap="none">
           <a:solidFill>
             <a:srgbClr val="000000"/>
           </a:solidFill>
@@ -7423,7 +7503,7 @@
           <a:sym typeface="Arial"/>
         </a:defRPr>
       </a:lvl3pPr>
-      <a:lvl4pPr lvl="3" marR="0" rtl="0" algn="l">
+      <a:lvl4pPr marR="0" lvl="3" algn="l" rtl="0">
         <a:lnSpc>
           <a:spcPct val="100000"/>
         </a:lnSpc>
@@ -7437,7 +7517,7 @@
           <a:srgbClr val="000000"/>
         </a:buClr>
         <a:buFont typeface="Arial"/>
-        <a:defRPr b="0" i="0" sz="1400" u="none" cap="none" strike="noStrike">
+        <a:defRPr sz="1400" b="0" i="0" u="none" strike="noStrike" cap="none">
           <a:solidFill>
             <a:srgbClr val="000000"/>
           </a:solidFill>
@@ -7447,7 +7527,7 @@
           <a:sym typeface="Arial"/>
         </a:defRPr>
       </a:lvl4pPr>
-      <a:lvl5pPr lvl="4" marR="0" rtl="0" algn="l">
+      <a:lvl5pPr marR="0" lvl="4" algn="l" rtl="0">
         <a:lnSpc>
           <a:spcPct val="100000"/>
         </a:lnSpc>
@@ -7461,7 +7541,7 @@
           <a:srgbClr val="000000"/>
         </a:buClr>
         <a:buFont typeface="Arial"/>
-        <a:defRPr b="0" i="0" sz="1400" u="none" cap="none" strike="noStrike">
+        <a:defRPr sz="1400" b="0" i="0" u="none" strike="noStrike" cap="none">
           <a:solidFill>
             <a:srgbClr val="000000"/>
           </a:solidFill>
@@ -7471,7 +7551,7 @@
           <a:sym typeface="Arial"/>
         </a:defRPr>
       </a:lvl5pPr>
-      <a:lvl6pPr lvl="5" marR="0" rtl="0" algn="l">
+      <a:lvl6pPr marR="0" lvl="5" algn="l" rtl="0">
         <a:lnSpc>
           <a:spcPct val="100000"/>
         </a:lnSpc>
@@ -7485,7 +7565,7 @@
           <a:srgbClr val="000000"/>
         </a:buClr>
         <a:buFont typeface="Arial"/>
-        <a:defRPr b="0" i="0" sz="1400" u="none" cap="none" strike="noStrike">
+        <a:defRPr sz="1400" b="0" i="0" u="none" strike="noStrike" cap="none">
           <a:solidFill>
             <a:srgbClr val="000000"/>
           </a:solidFill>
@@ -7495,7 +7575,7 @@
           <a:sym typeface="Arial"/>
         </a:defRPr>
       </a:lvl6pPr>
-      <a:lvl7pPr lvl="6" marR="0" rtl="0" algn="l">
+      <a:lvl7pPr marR="0" lvl="6" algn="l" rtl="0">
         <a:lnSpc>
           <a:spcPct val="100000"/>
         </a:lnSpc>
@@ -7509,7 +7589,7 @@
           <a:srgbClr val="000000"/>
         </a:buClr>
         <a:buFont typeface="Arial"/>
-        <a:defRPr b="0" i="0" sz="1400" u="none" cap="none" strike="noStrike">
+        <a:defRPr sz="1400" b="0" i="0" u="none" strike="noStrike" cap="none">
           <a:solidFill>
             <a:srgbClr val="000000"/>
           </a:solidFill>
@@ -7519,7 +7599,7 @@
           <a:sym typeface="Arial"/>
         </a:defRPr>
       </a:lvl7pPr>
-      <a:lvl8pPr lvl="7" marR="0" rtl="0" algn="l">
+      <a:lvl8pPr marR="0" lvl="7" algn="l" rtl="0">
         <a:lnSpc>
           <a:spcPct val="100000"/>
         </a:lnSpc>
@@ -7533,7 +7613,7 @@
           <a:srgbClr val="000000"/>
         </a:buClr>
         <a:buFont typeface="Arial"/>
-        <a:defRPr b="0" i="0" sz="1400" u="none" cap="none" strike="noStrike">
+        <a:defRPr sz="1400" b="0" i="0" u="none" strike="noStrike" cap="none">
           <a:solidFill>
             <a:srgbClr val="000000"/>
           </a:solidFill>
@@ -7543,7 +7623,7 @@
           <a:sym typeface="Arial"/>
         </a:defRPr>
       </a:lvl8pPr>
-      <a:lvl9pPr lvl="8" marR="0" rtl="0" algn="l">
+      <a:lvl9pPr marR="0" lvl="8" algn="l" rtl="0">
         <a:lnSpc>
           <a:spcPct val="100000"/>
         </a:lnSpc>
@@ -7557,7 +7637,7 @@
           <a:srgbClr val="000000"/>
         </a:buClr>
         <a:buFont typeface="Arial"/>
-        <a:defRPr b="0" i="0" sz="1400" u="none" cap="none" strike="noStrike">
+        <a:defRPr sz="1400" b="0" i="0" u="none" strike="noStrike" cap="none">
           <a:solidFill>
             <a:srgbClr val="000000"/>
           </a:solidFill>
@@ -7573,11 +7653,11 @@
 </file>
 
 <file path=ppt/slides/slide1.xml><?xml version="1.0" encoding="utf-8"?>
-<p:sld xmlns:a="http://schemas.openxmlformats.org/drawingml/2006/main" xmlns:r="http://schemas.openxmlformats.org/officeDocument/2006/relationships" xmlns:mc="http://schemas.openxmlformats.org/markup-compatibility/2006" xmlns:mv="urn:schemas-microsoft-com:mac:vml" xmlns:p="http://schemas.openxmlformats.org/presentationml/2006/main" xmlns:c="http://schemas.openxmlformats.org/drawingml/2006/chart" xmlns:dgm="http://schemas.openxmlformats.org/drawingml/2006/diagram" xmlns:o="urn:schemas-microsoft-com:office:office" xmlns:v="urn:schemas-microsoft-com:vml" xmlns:pvml="urn:schemas-microsoft-com:office:powerpoint" xmlns:com="http://schemas.openxmlformats.org/drawingml/2006/compatibility" xmlns:p14="http://schemas.microsoft.com/office/powerpoint/2010/main" xmlns:p15="http://schemas.microsoft.com/office/powerpoint/2012/main" xmlns:ahyp="http://schemas.microsoft.com/office/drawing/2018/hyperlinkcolor">
+<p:sld xmlns:a="http://schemas.openxmlformats.org/drawingml/2006/main" xmlns:r="http://schemas.openxmlformats.org/officeDocument/2006/relationships" xmlns:p="http://schemas.openxmlformats.org/presentationml/2006/main">
   <p:cSld>
     <p:spTree>
       <p:nvGrpSpPr>
-        <p:cNvPr id="85" name="Shape 85"/>
+        <p:cNvPr id="1" name="Shape 85"/>
         <p:cNvGrpSpPr/>
         <p:nvPr/>
       </p:nvGrpSpPr>
@@ -7592,7 +7672,9 @@
       <p:sp>
         <p:nvSpPr>
           <p:cNvPr id="86" name="Google Shape;86;p13"/>
-          <p:cNvSpPr txBox="1"/>
+          <p:cNvSpPr txBox="1">
+            <a:spLocks noGrp="1"/>
+          </p:cNvSpPr>
           <p:nvPr>
             <p:ph type="ctrTitle"/>
           </p:nvPr>
@@ -7607,12 +7689,12 @@
           </a:prstGeom>
         </p:spPr>
         <p:txBody>
-          <a:bodyPr anchorCtr="0" anchor="t" bIns="91425" lIns="91425" spcFirstLastPara="1" rIns="91425" wrap="square" tIns="91425">
-            <a:normAutofit fontScale="90000"/>
+          <a:bodyPr spcFirstLastPara="1" wrap="square" lIns="91425" tIns="91425" rIns="91425" bIns="91425" anchor="t" anchorCtr="0">
+            <a:normAutofit/>
           </a:bodyPr>
           <a:lstStyle/>
           <a:p>
-            <a:pPr indent="0" lvl="0" marL="0" rtl="0" algn="l">
+            <a:pPr marL="0" lvl="0" indent="0" algn="l" rtl="0">
               <a:spcBef>
                 <a:spcPts val="0"/>
               </a:spcBef>
@@ -7628,7 +7710,7 @@
             <a:endParaRPr sz="4155"/>
           </a:p>
           <a:p>
-            <a:pPr indent="0" lvl="0" marL="0" rtl="0" algn="l">
+            <a:pPr marL="0" lvl="0" indent="0" algn="l" rtl="0">
               <a:spcBef>
                 <a:spcPts val="0"/>
               </a:spcBef>
@@ -7649,7 +7731,7 @@
             <a:endParaRPr sz="4155"/>
           </a:p>
           <a:p>
-            <a:pPr indent="0" lvl="0" marL="0" rtl="0" algn="l">
+            <a:pPr marL="0" lvl="0" indent="0" algn="l" rtl="0">
               <a:spcBef>
                 <a:spcPts val="0"/>
               </a:spcBef>
@@ -7658,9 +7740,6 @@
               </a:spcAft>
               <a:buNone/>
             </a:pPr>
-            <a:r>
-              <a:t/>
-            </a:r>
             <a:endParaRPr/>
           </a:p>
         </p:txBody>
@@ -7668,9 +7747,11 @@
       <p:sp>
         <p:nvSpPr>
           <p:cNvPr id="87" name="Google Shape;87;p13"/>
-          <p:cNvSpPr txBox="1"/>
+          <p:cNvSpPr txBox="1">
+            <a:spLocks noGrp="1"/>
+          </p:cNvSpPr>
           <p:nvPr>
-            <p:ph idx="1" type="subTitle"/>
+            <p:ph type="subTitle" idx="1"/>
           </p:nvPr>
         </p:nvSpPr>
         <p:spPr>
@@ -7683,12 +7764,12 @@
           </a:prstGeom>
         </p:spPr>
         <p:txBody>
-          <a:bodyPr anchorCtr="0" anchor="t" bIns="91425" lIns="91425" spcFirstLastPara="1" rIns="91425" wrap="square" tIns="91425">
+          <a:bodyPr spcFirstLastPara="1" wrap="square" lIns="91425" tIns="91425" rIns="91425" bIns="91425" anchor="t" anchorCtr="0">
             <a:normAutofit/>
           </a:bodyPr>
           <a:lstStyle/>
           <a:p>
-            <a:pPr indent="0" lvl="0" marL="0" rtl="0" algn="r">
+            <a:pPr marL="0" lvl="0" indent="0" algn="r" rtl="0">
               <a:spcBef>
                 <a:spcPts val="0"/>
               </a:spcBef>
@@ -7712,7 +7793,7 @@
             </a:endParaRPr>
           </a:p>
           <a:p>
-            <a:pPr indent="0" lvl="0" marL="0" rtl="0" algn="r">
+            <a:pPr marL="0" lvl="0" indent="0" algn="r" rtl="0">
               <a:spcBef>
                 <a:spcPts val="0"/>
               </a:spcBef>
@@ -7746,11 +7827,11 @@
 </file>
 
 <file path=ppt/slides/slide2.xml><?xml version="1.0" encoding="utf-8"?>
-<p:sld xmlns:a="http://schemas.openxmlformats.org/drawingml/2006/main" xmlns:r="http://schemas.openxmlformats.org/officeDocument/2006/relationships" xmlns:mc="http://schemas.openxmlformats.org/markup-compatibility/2006" xmlns:mv="urn:schemas-microsoft-com:mac:vml" xmlns:p="http://schemas.openxmlformats.org/presentationml/2006/main" xmlns:c="http://schemas.openxmlformats.org/drawingml/2006/chart" xmlns:dgm="http://schemas.openxmlformats.org/drawingml/2006/diagram" xmlns:o="urn:schemas-microsoft-com:office:office" xmlns:v="urn:schemas-microsoft-com:vml" xmlns:pvml="urn:schemas-microsoft-com:office:powerpoint" xmlns:com="http://schemas.openxmlformats.org/drawingml/2006/compatibility" xmlns:p14="http://schemas.microsoft.com/office/powerpoint/2010/main" xmlns:p15="http://schemas.microsoft.com/office/powerpoint/2012/main" xmlns:ahyp="http://schemas.microsoft.com/office/drawing/2018/hyperlinkcolor">
+<p:sld xmlns:a="http://schemas.openxmlformats.org/drawingml/2006/main" xmlns:r="http://schemas.openxmlformats.org/officeDocument/2006/relationships" xmlns:p="http://schemas.openxmlformats.org/presentationml/2006/main">
   <p:cSld>
     <p:spTree>
       <p:nvGrpSpPr>
-        <p:cNvPr id="91" name="Shape 91"/>
+        <p:cNvPr id="1" name="Shape 91"/>
         <p:cNvGrpSpPr/>
         <p:nvPr/>
       </p:nvGrpSpPr>
@@ -7765,7 +7846,9 @@
       <p:sp>
         <p:nvSpPr>
           <p:cNvPr id="92" name="Google Shape;92;p14"/>
-          <p:cNvSpPr txBox="1"/>
+          <p:cNvSpPr txBox="1">
+            <a:spLocks noGrp="1"/>
+          </p:cNvSpPr>
           <p:nvPr>
             <p:ph type="title"/>
           </p:nvPr>
@@ -7780,12 +7863,12 @@
           </a:prstGeom>
         </p:spPr>
         <p:txBody>
-          <a:bodyPr anchorCtr="0" anchor="t" bIns="91425" lIns="91425" spcFirstLastPara="1" rIns="91425" wrap="square" tIns="91425">
+          <a:bodyPr spcFirstLastPara="1" wrap="square" lIns="91425" tIns="91425" rIns="91425" bIns="91425" anchor="t" anchorCtr="0">
             <a:normAutofit fontScale="90000"/>
           </a:bodyPr>
           <a:lstStyle/>
           <a:p>
-            <a:pPr indent="0" lvl="0" marL="0" rtl="0" algn="l">
+            <a:pPr marL="0" lvl="0" indent="0" algn="l" rtl="0">
               <a:spcBef>
                 <a:spcPts val="0"/>
               </a:spcBef>
@@ -7805,9 +7888,11 @@
       <p:sp>
         <p:nvSpPr>
           <p:cNvPr id="93" name="Google Shape;93;p14"/>
-          <p:cNvSpPr txBox="1"/>
+          <p:cNvSpPr txBox="1">
+            <a:spLocks noGrp="1"/>
+          </p:cNvSpPr>
           <p:nvPr>
-            <p:ph idx="1" type="body"/>
+            <p:ph type="body" idx="1"/>
           </p:nvPr>
         </p:nvSpPr>
         <p:spPr>
@@ -7820,12 +7905,12 @@
           </a:prstGeom>
         </p:spPr>
         <p:txBody>
-          <a:bodyPr anchorCtr="0" anchor="t" bIns="91425" lIns="91425" spcFirstLastPara="1" rIns="91425" wrap="square" tIns="91425">
+          <a:bodyPr spcFirstLastPara="1" wrap="square" lIns="91425" tIns="91425" rIns="91425" bIns="91425" anchor="t" anchorCtr="0">
             <a:normAutofit/>
           </a:bodyPr>
           <a:lstStyle/>
           <a:p>
-            <a:pPr indent="0" lvl="0" marL="0" rtl="0" algn="just">
+            <a:pPr marL="0" lvl="0" indent="0" algn="just" rtl="0">
               <a:lnSpc>
                 <a:spcPct val="150000"/>
               </a:lnSpc>
@@ -7854,11 +7939,11 @@
 </file>
 
 <file path=ppt/slides/slide3.xml><?xml version="1.0" encoding="utf-8"?>
-<p:sld xmlns:a="http://schemas.openxmlformats.org/drawingml/2006/main" xmlns:r="http://schemas.openxmlformats.org/officeDocument/2006/relationships" xmlns:mc="http://schemas.openxmlformats.org/markup-compatibility/2006" xmlns:mv="urn:schemas-microsoft-com:mac:vml" xmlns:p="http://schemas.openxmlformats.org/presentationml/2006/main" xmlns:c="http://schemas.openxmlformats.org/drawingml/2006/chart" xmlns:dgm="http://schemas.openxmlformats.org/drawingml/2006/diagram" xmlns:o="urn:schemas-microsoft-com:office:office" xmlns:v="urn:schemas-microsoft-com:vml" xmlns:pvml="urn:schemas-microsoft-com:office:powerpoint" xmlns:com="http://schemas.openxmlformats.org/drawingml/2006/compatibility" xmlns:p14="http://schemas.microsoft.com/office/powerpoint/2010/main" xmlns:p15="http://schemas.microsoft.com/office/powerpoint/2012/main" xmlns:ahyp="http://schemas.microsoft.com/office/drawing/2018/hyperlinkcolor">
+<p:sld xmlns:a="http://schemas.openxmlformats.org/drawingml/2006/main" xmlns:r="http://schemas.openxmlformats.org/officeDocument/2006/relationships" xmlns:p="http://schemas.openxmlformats.org/presentationml/2006/main">
   <p:cSld>
     <p:spTree>
       <p:nvGrpSpPr>
-        <p:cNvPr id="97" name="Shape 97"/>
+        <p:cNvPr id="1" name="Shape 97"/>
         <p:cNvGrpSpPr/>
         <p:nvPr/>
       </p:nvGrpSpPr>
@@ -7873,7 +7958,9 @@
       <p:sp>
         <p:nvSpPr>
           <p:cNvPr id="98" name="Google Shape;98;p15"/>
-          <p:cNvSpPr txBox="1"/>
+          <p:cNvSpPr txBox="1">
+            <a:spLocks noGrp="1"/>
+          </p:cNvSpPr>
           <p:nvPr>
             <p:ph type="title"/>
           </p:nvPr>
@@ -7888,12 +7975,12 @@
           </a:prstGeom>
         </p:spPr>
         <p:txBody>
-          <a:bodyPr anchorCtr="0" anchor="t" bIns="91425" lIns="91425" spcFirstLastPara="1" rIns="91425" wrap="square" tIns="91425">
+          <a:bodyPr spcFirstLastPara="1" wrap="square" lIns="91425" tIns="91425" rIns="91425" bIns="91425" anchor="t" anchorCtr="0">
             <a:normAutofit fontScale="90000"/>
           </a:bodyPr>
           <a:lstStyle/>
           <a:p>
-            <a:pPr indent="0" lvl="0" marL="0" rtl="0" algn="l">
+            <a:pPr marL="0" lvl="0" indent="0" algn="l" rtl="0">
               <a:spcBef>
                 <a:spcPts val="0"/>
               </a:spcBef>
@@ -7913,9 +8000,11 @@
       <p:sp>
         <p:nvSpPr>
           <p:cNvPr id="99" name="Google Shape;99;p15"/>
-          <p:cNvSpPr txBox="1"/>
+          <p:cNvSpPr txBox="1">
+            <a:spLocks noGrp="1"/>
+          </p:cNvSpPr>
           <p:nvPr>
-            <p:ph idx="1" type="body"/>
+            <p:ph type="body" idx="1"/>
           </p:nvPr>
         </p:nvSpPr>
         <p:spPr>
@@ -7928,12 +8017,12 @@
           </a:prstGeom>
         </p:spPr>
         <p:txBody>
-          <a:bodyPr anchorCtr="0" anchor="t" bIns="91425" lIns="91425" spcFirstLastPara="1" rIns="91425" wrap="square" tIns="91425">
+          <a:bodyPr spcFirstLastPara="1" wrap="square" lIns="91425" tIns="91425" rIns="91425" bIns="91425" anchor="t" anchorCtr="0">
             <a:noAutofit/>
           </a:bodyPr>
           <a:lstStyle/>
           <a:p>
-            <a:pPr indent="0" lvl="0" marL="0" rtl="0" algn="just">
+            <a:pPr marL="0" lvl="0" indent="0" algn="just" rtl="0">
               <a:spcBef>
                 <a:spcPts val="0"/>
               </a:spcBef>
@@ -7949,7 +8038,7 @@
             <a:endParaRPr sz="1600"/>
           </a:p>
           <a:p>
-            <a:pPr indent="0" lvl="0" marL="0" rtl="0" algn="just">
+            <a:pPr marL="0" lvl="0" indent="0" algn="just" rtl="0">
               <a:spcBef>
                 <a:spcPts val="1200"/>
               </a:spcBef>
@@ -7965,7 +8054,7 @@
             <a:endParaRPr sz="1600"/>
           </a:p>
           <a:p>
-            <a:pPr indent="0" lvl="0" marL="0" rtl="0" algn="just">
+            <a:pPr marL="0" lvl="0" indent="0" algn="just" rtl="0">
               <a:spcBef>
                 <a:spcPts val="1200"/>
               </a:spcBef>
@@ -7981,7 +8070,7 @@
             <a:endParaRPr sz="1600"/>
           </a:p>
           <a:p>
-            <a:pPr indent="0" lvl="0" marL="0" rtl="0" algn="just">
+            <a:pPr marL="0" lvl="0" indent="0" algn="just" rtl="0">
               <a:spcBef>
                 <a:spcPts val="1200"/>
               </a:spcBef>
@@ -7997,7 +8086,7 @@
             <a:endParaRPr sz="1600"/>
           </a:p>
           <a:p>
-            <a:pPr indent="0" lvl="0" marL="0" rtl="0" algn="just">
+            <a:pPr marL="0" lvl="0" indent="0" algn="just" rtl="0">
               <a:spcBef>
                 <a:spcPts val="1200"/>
               </a:spcBef>
@@ -8023,11 +8112,11 @@
 </file>
 
 <file path=ppt/slides/slide4.xml><?xml version="1.0" encoding="utf-8"?>
-<p:sld xmlns:a="http://schemas.openxmlformats.org/drawingml/2006/main" xmlns:r="http://schemas.openxmlformats.org/officeDocument/2006/relationships" xmlns:mc="http://schemas.openxmlformats.org/markup-compatibility/2006" xmlns:mv="urn:schemas-microsoft-com:mac:vml" xmlns:p="http://schemas.openxmlformats.org/presentationml/2006/main" xmlns:c="http://schemas.openxmlformats.org/drawingml/2006/chart" xmlns:dgm="http://schemas.openxmlformats.org/drawingml/2006/diagram" xmlns:o="urn:schemas-microsoft-com:office:office" xmlns:v="urn:schemas-microsoft-com:vml" xmlns:pvml="urn:schemas-microsoft-com:office:powerpoint" xmlns:com="http://schemas.openxmlformats.org/drawingml/2006/compatibility" xmlns:p14="http://schemas.microsoft.com/office/powerpoint/2010/main" xmlns:p15="http://schemas.microsoft.com/office/powerpoint/2012/main" xmlns:ahyp="http://schemas.microsoft.com/office/drawing/2018/hyperlinkcolor">
+<p:sld xmlns:a="http://schemas.openxmlformats.org/drawingml/2006/main" xmlns:r="http://schemas.openxmlformats.org/officeDocument/2006/relationships" xmlns:p="http://schemas.openxmlformats.org/presentationml/2006/main">
   <p:cSld>
     <p:spTree>
       <p:nvGrpSpPr>
-        <p:cNvPr id="103" name="Shape 103"/>
+        <p:cNvPr id="1" name="Shape 103"/>
         <p:cNvGrpSpPr/>
         <p:nvPr/>
       </p:nvGrpSpPr>
@@ -8042,9 +8131,11 @@
       <p:sp>
         <p:nvSpPr>
           <p:cNvPr id="104" name="Google Shape;104;p16"/>
-          <p:cNvSpPr txBox="1"/>
+          <p:cNvSpPr txBox="1">
+            <a:spLocks noGrp="1"/>
+          </p:cNvSpPr>
           <p:nvPr>
-            <p:ph idx="4294967295" type="title"/>
+            <p:ph type="title" idx="4294967295"/>
           </p:nvPr>
         </p:nvSpPr>
         <p:spPr>
@@ -8057,12 +8148,12 @@
           </a:prstGeom>
         </p:spPr>
         <p:txBody>
-          <a:bodyPr anchorCtr="0" anchor="t" bIns="91425" lIns="91425" spcFirstLastPara="1" rIns="91425" wrap="square" tIns="91425">
+          <a:bodyPr spcFirstLastPara="1" wrap="square" lIns="91425" tIns="91425" rIns="91425" bIns="91425" anchor="t" anchorCtr="0">
             <a:normAutofit fontScale="90000"/>
           </a:bodyPr>
           <a:lstStyle/>
           <a:p>
-            <a:pPr indent="0" lvl="0" marL="0" rtl="0" algn="l">
+            <a:pPr marL="0" lvl="0" indent="0" algn="l" rtl="0">
               <a:spcBef>
                 <a:spcPts val="0"/>
               </a:spcBef>
@@ -8116,11 +8207,11 @@
 </file>
 
 <file path=ppt/slides/slide5.xml><?xml version="1.0" encoding="utf-8"?>
-<p:sld xmlns:a="http://schemas.openxmlformats.org/drawingml/2006/main" xmlns:r="http://schemas.openxmlformats.org/officeDocument/2006/relationships" xmlns:mc="http://schemas.openxmlformats.org/markup-compatibility/2006" xmlns:mv="urn:schemas-microsoft-com:mac:vml" xmlns:p="http://schemas.openxmlformats.org/presentationml/2006/main" xmlns:c="http://schemas.openxmlformats.org/drawingml/2006/chart" xmlns:dgm="http://schemas.openxmlformats.org/drawingml/2006/diagram" xmlns:o="urn:schemas-microsoft-com:office:office" xmlns:v="urn:schemas-microsoft-com:vml" xmlns:pvml="urn:schemas-microsoft-com:office:powerpoint" xmlns:com="http://schemas.openxmlformats.org/drawingml/2006/compatibility" xmlns:p14="http://schemas.microsoft.com/office/powerpoint/2010/main" xmlns:p15="http://schemas.microsoft.com/office/powerpoint/2012/main" xmlns:ahyp="http://schemas.microsoft.com/office/drawing/2018/hyperlinkcolor">
+<p:sld xmlns:a="http://schemas.openxmlformats.org/drawingml/2006/main" xmlns:r="http://schemas.openxmlformats.org/officeDocument/2006/relationships" xmlns:p="http://schemas.openxmlformats.org/presentationml/2006/main">
   <p:cSld>
     <p:spTree>
       <p:nvGrpSpPr>
-        <p:cNvPr id="109" name="Shape 109"/>
+        <p:cNvPr id="1" name="Shape 109"/>
         <p:cNvGrpSpPr/>
         <p:nvPr/>
       </p:nvGrpSpPr>
@@ -8132,71 +8223,51 @@
           <a:chExt cx="0" cy="0"/>
         </a:xfrm>
       </p:grpSpPr>
-      <p:sp>
-        <p:nvSpPr>
-          <p:cNvPr id="110" name="Google Shape;110;p17"/>
-          <p:cNvSpPr txBox="1"/>
-          <p:nvPr>
-            <p:ph idx="4294967295" type="title"/>
-          </p:nvPr>
-        </p:nvSpPr>
-        <p:spPr>
-          <a:xfrm>
-            <a:off x="0" y="0"/>
-            <a:ext cx="7688400" cy="535200"/>
-          </a:xfrm>
-          <a:prstGeom prst="rect">
-            <a:avLst/>
-          </a:prstGeom>
-        </p:spPr>
-        <p:txBody>
-          <a:bodyPr anchorCtr="0" anchor="t" bIns="91425" lIns="91425" spcFirstLastPara="1" rIns="91425" wrap="square" tIns="91425">
-            <a:normAutofit fontScale="90000"/>
-          </a:bodyPr>
-          <a:lstStyle/>
-          <a:p>
-            <a:pPr indent="0" lvl="0" marL="0" rtl="0" algn="l">
-              <a:spcBef>
-                <a:spcPts val="0"/>
-              </a:spcBef>
-              <a:spcAft>
-                <a:spcPts val="0"/>
-              </a:spcAft>
-              <a:buNone/>
-            </a:pPr>
-            <a:r>
-              <a:rPr lang="ru"/>
-              <a:t>Инфологическая модель</a:t>
-            </a:r>
-            <a:endParaRPr/>
-          </a:p>
-        </p:txBody>
-      </p:sp>
       <p:pic>
         <p:nvPicPr>
-          <p:cNvPr id="111" name="Google Shape;111;p17"/>
-          <p:cNvPicPr preferRelativeResize="0"/>
+          <p:cNvPr id="1026" name="Picture 2">
+            <a:extLst>
+              <a:ext uri="{FF2B5EF4-FFF2-40B4-BE49-F238E27FC236}">
+                <a16:creationId xmlns:a16="http://schemas.microsoft.com/office/drawing/2014/main" id="{2444CF93-A615-1895-F3EC-04E75A730382}"/>
+              </a:ext>
+            </a:extLst>
+          </p:cNvPr>
+          <p:cNvPicPr>
+            <a:picLocks noChangeAspect="1" noChangeArrowheads="1"/>
+          </p:cNvPicPr>
           <p:nvPr/>
         </p:nvPicPr>
-        <p:blipFill rotWithShape="1">
+        <p:blipFill>
           <a:blip r:embed="rId3">
-            <a:alphaModFix/>
+            <a:extLst>
+              <a:ext uri="{28A0092B-C50C-407E-A947-70E740481C1C}">
+                <a14:useLocalDpi xmlns:a14="http://schemas.microsoft.com/office/drawing/2010/main" val="0"/>
+              </a:ext>
+            </a:extLst>
           </a:blip>
-          <a:srcRect b="0" l="0" r="0" t="7732"/>
-          <a:stretch/>
+          <a:srcRect/>
+          <a:stretch>
+            <a:fillRect/>
+          </a:stretch>
         </p:blipFill>
-        <p:spPr>
+        <p:spPr bwMode="auto">
           <a:xfrm>
-            <a:off x="792875" y="601050"/>
-            <a:ext cx="7219174" cy="4484973"/>
+            <a:off x="747713" y="0"/>
+            <a:ext cx="7646987" cy="5143500"/>
           </a:xfrm>
           <a:prstGeom prst="rect">
             <a:avLst/>
           </a:prstGeom>
           <a:noFill/>
-          <a:ln>
-            <a:noFill/>
-          </a:ln>
+          <a:extLst>
+            <a:ext uri="{909E8E84-426E-40DD-AFC4-6F175D3DCCD1}">
+              <a14:hiddenFill xmlns:a14="http://schemas.microsoft.com/office/drawing/2010/main">
+                <a:solidFill>
+                  <a:srgbClr val="FFFFFF"/>
+                </a:solidFill>
+              </a14:hiddenFill>
+            </a:ext>
+          </a:extLst>
         </p:spPr>
       </p:pic>
     </p:spTree>
@@ -8208,11 +8279,11 @@
 </file>
 
 <file path=ppt/slides/slide6.xml><?xml version="1.0" encoding="utf-8"?>
-<p:sld xmlns:a="http://schemas.openxmlformats.org/drawingml/2006/main" xmlns:r="http://schemas.openxmlformats.org/officeDocument/2006/relationships" xmlns:mc="http://schemas.openxmlformats.org/markup-compatibility/2006" xmlns:mv="urn:schemas-microsoft-com:mac:vml" xmlns:p="http://schemas.openxmlformats.org/presentationml/2006/main" xmlns:c="http://schemas.openxmlformats.org/drawingml/2006/chart" xmlns:dgm="http://schemas.openxmlformats.org/drawingml/2006/diagram" xmlns:o="urn:schemas-microsoft-com:office:office" xmlns:v="urn:schemas-microsoft-com:vml" xmlns:pvml="urn:schemas-microsoft-com:office:powerpoint" xmlns:com="http://schemas.openxmlformats.org/drawingml/2006/compatibility" xmlns:p14="http://schemas.microsoft.com/office/powerpoint/2010/main" xmlns:p15="http://schemas.microsoft.com/office/powerpoint/2012/main" xmlns:ahyp="http://schemas.microsoft.com/office/drawing/2018/hyperlinkcolor">
+<p:sld xmlns:a="http://schemas.openxmlformats.org/drawingml/2006/main" xmlns:r="http://schemas.openxmlformats.org/officeDocument/2006/relationships" xmlns:p="http://schemas.openxmlformats.org/presentationml/2006/main">
   <p:cSld>
     <p:spTree>
       <p:nvGrpSpPr>
-        <p:cNvPr id="115" name="Shape 115"/>
+        <p:cNvPr id="1" name="Shape 115"/>
         <p:cNvGrpSpPr/>
         <p:nvPr/>
       </p:nvGrpSpPr>
@@ -8224,75 +8295,51 @@
           <a:chExt cx="0" cy="0"/>
         </a:xfrm>
       </p:grpSpPr>
-      <p:sp>
-        <p:nvSpPr>
-          <p:cNvPr id="116" name="Google Shape;116;p18"/>
-          <p:cNvSpPr txBox="1"/>
-          <p:nvPr>
-            <p:ph idx="4294967295" type="title"/>
-          </p:nvPr>
-        </p:nvSpPr>
-        <p:spPr>
-          <a:xfrm>
-            <a:off x="0" y="0"/>
-            <a:ext cx="7688400" cy="535200"/>
-          </a:xfrm>
-          <a:prstGeom prst="rect">
-            <a:avLst/>
-          </a:prstGeom>
-        </p:spPr>
-        <p:txBody>
-          <a:bodyPr anchorCtr="0" anchor="t" bIns="91425" lIns="91425" spcFirstLastPara="1" rIns="91425" wrap="square" tIns="91425">
-            <a:normAutofit fontScale="90000"/>
-          </a:bodyPr>
-          <a:lstStyle/>
-          <a:p>
-            <a:pPr indent="0" lvl="0" marL="0" rtl="0" algn="l">
-              <a:spcBef>
-                <a:spcPts val="0"/>
-              </a:spcBef>
-              <a:spcAft>
-                <a:spcPts val="0"/>
-              </a:spcAft>
-              <a:buNone/>
-            </a:pPr>
-            <a:r>
-              <a:rPr lang="ru"/>
-              <a:t>Дата</a:t>
-            </a:r>
-            <a:r>
-              <a:rPr lang="ru"/>
-              <a:t>логическая модель</a:t>
-            </a:r>
-            <a:endParaRPr/>
-          </a:p>
-        </p:txBody>
-      </p:sp>
       <p:pic>
         <p:nvPicPr>
-          <p:cNvPr id="117" name="Google Shape;117;p18"/>
-          <p:cNvPicPr preferRelativeResize="0"/>
+          <p:cNvPr id="2050" name="Picture 2">
+            <a:extLst>
+              <a:ext uri="{FF2B5EF4-FFF2-40B4-BE49-F238E27FC236}">
+                <a16:creationId xmlns:a16="http://schemas.microsoft.com/office/drawing/2014/main" id="{A0E3906E-3A95-62B9-9C10-F5B48ABED6BC}"/>
+              </a:ext>
+            </a:extLst>
+          </p:cNvPr>
+          <p:cNvPicPr>
+            <a:picLocks noChangeAspect="1" noChangeArrowheads="1"/>
+          </p:cNvPicPr>
           <p:nvPr/>
         </p:nvPicPr>
-        <p:blipFill rotWithShape="1">
+        <p:blipFill>
           <a:blip r:embed="rId3">
-            <a:alphaModFix/>
+            <a:extLst>
+              <a:ext uri="{28A0092B-C50C-407E-A947-70E740481C1C}">
+                <a14:useLocalDpi xmlns:a14="http://schemas.microsoft.com/office/drawing/2010/main" val="0"/>
+              </a:ext>
+            </a:extLst>
           </a:blip>
-          <a:srcRect b="0" l="0" r="0" t="10168"/>
-          <a:stretch/>
+          <a:srcRect/>
+          <a:stretch>
+            <a:fillRect/>
+          </a:stretch>
         </p:blipFill>
-        <p:spPr>
+        <p:spPr bwMode="auto">
           <a:xfrm>
-            <a:off x="113000" y="535200"/>
-            <a:ext cx="8921851" cy="4352099"/>
+            <a:off x="0" y="14288"/>
+            <a:ext cx="9144000" cy="5114925"/>
           </a:xfrm>
           <a:prstGeom prst="rect">
             <a:avLst/>
           </a:prstGeom>
           <a:noFill/>
-          <a:ln>
-            <a:noFill/>
-          </a:ln>
+          <a:extLst>
+            <a:ext uri="{909E8E84-426E-40DD-AFC4-6F175D3DCCD1}">
+              <a14:hiddenFill xmlns:a14="http://schemas.microsoft.com/office/drawing/2010/main">
+                <a:solidFill>
+                  <a:srgbClr val="FFFFFF"/>
+                </a:solidFill>
+              </a14:hiddenFill>
+            </a:ext>
+          </a:extLst>
         </p:spPr>
       </p:pic>
     </p:spTree>
@@ -8304,7 +8351,7 @@
 </file>
 
 <file path=ppt/theme/theme1.xml><?xml version="1.0" encoding="utf-8"?>
-<a:theme xmlns:a="http://schemas.openxmlformats.org/drawingml/2006/main" xmlns:r="http://schemas.openxmlformats.org/officeDocument/2006/relationships" name="Streamline">
+<a:theme xmlns:a="http://schemas.openxmlformats.org/drawingml/2006/main" name="Streamline">
   <a:themeElements>
     <a:clrScheme name="Streamline">
       <a:dk1>
@@ -8579,11 +8626,13 @@
       </a:bgFillStyleLst>
     </a:fmtScheme>
   </a:themeElements>
+  <a:objectDefaults/>
+  <a:extraClrSchemeLst/>
 </a:theme>
 </file>
 
 <file path=ppt/theme/theme2.xml><?xml version="1.0" encoding="utf-8"?>
-<a:theme xmlns:a="http://schemas.openxmlformats.org/drawingml/2006/main" xmlns:r="http://schemas.openxmlformats.org/officeDocument/2006/relationships">
+<a:theme xmlns:a="http://schemas.openxmlformats.org/drawingml/2006/main">
   <a:themeElements>
     <a:clrScheme name="Default">
       <a:dk1>
@@ -8858,5 +8907,7 @@
       </a:bgFillStyleLst>
     </a:fmtScheme>
   </a:themeElements>
+  <a:objectDefaults/>
+  <a:extraClrSchemeLst/>
 </a:theme>
 </file>
--- a/lesson_1/airports.pptx
+++ b/lesson_1/airports.pptx
@@ -8225,10 +8225,10 @@
       </p:grpSpPr>
       <p:pic>
         <p:nvPicPr>
-          <p:cNvPr id="1026" name="Picture 2">
+          <p:cNvPr id="2050" name="Picture 2">
             <a:extLst>
               <a:ext uri="{FF2B5EF4-FFF2-40B4-BE49-F238E27FC236}">
-                <a16:creationId xmlns:a16="http://schemas.microsoft.com/office/drawing/2014/main" id="{2444CF93-A615-1895-F3EC-04E75A730382}"/>
+                <a16:creationId xmlns:a16="http://schemas.microsoft.com/office/drawing/2014/main" id="{91B1DD79-FA73-CFC5-B511-F7331F3BD8CB}"/>
               </a:ext>
             </a:extLst>
           </p:cNvPr>
@@ -8252,8 +8252,8 @@
         </p:blipFill>
         <p:spPr bwMode="auto">
           <a:xfrm>
-            <a:off x="747713" y="0"/>
-            <a:ext cx="7646987" cy="5143500"/>
+            <a:off x="754063" y="0"/>
+            <a:ext cx="7635875" cy="5143500"/>
           </a:xfrm>
           <a:prstGeom prst="rect">
             <a:avLst/>
@@ -8297,10 +8297,10 @@
       </p:grpSpPr>
       <p:pic>
         <p:nvPicPr>
-          <p:cNvPr id="2050" name="Picture 2">
+          <p:cNvPr id="1026" name="Picture 2">
             <a:extLst>
               <a:ext uri="{FF2B5EF4-FFF2-40B4-BE49-F238E27FC236}">
-                <a16:creationId xmlns:a16="http://schemas.microsoft.com/office/drawing/2014/main" id="{A0E3906E-3A95-62B9-9C10-F5B48ABED6BC}"/>
+                <a16:creationId xmlns:a16="http://schemas.microsoft.com/office/drawing/2014/main" id="{3BCAA7E3-52DF-EBA4-31C7-B37F8FFA62A4}"/>
               </a:ext>
             </a:extLst>
           </p:cNvPr>
@@ -8325,7 +8325,7 @@
         <p:spPr bwMode="auto">
           <a:xfrm>
             <a:off x="0" y="14288"/>
-            <a:ext cx="9144000" cy="5114925"/>
+            <a:ext cx="9144000" cy="5113337"/>
           </a:xfrm>
           <a:prstGeom prst="rect">
             <a:avLst/>

--- a/lesson_1/airports.pptx
+++ b/lesson_1/airports.pptx
@@ -8297,10 +8297,10 @@
       </p:grpSpPr>
       <p:pic>
         <p:nvPicPr>
-          <p:cNvPr id="1026" name="Picture 2">
+          <p:cNvPr id="2" name="Picture 2">
             <a:extLst>
               <a:ext uri="{FF2B5EF4-FFF2-40B4-BE49-F238E27FC236}">
-                <a16:creationId xmlns:a16="http://schemas.microsoft.com/office/drawing/2014/main" id="{3BCAA7E3-52DF-EBA4-31C7-B37F8FFA62A4}"/>
+                <a16:creationId xmlns:a16="http://schemas.microsoft.com/office/drawing/2014/main" id="{F7FBCEC1-FA47-BDC7-3CA3-A1FFD7F80D4C}"/>
               </a:ext>
             </a:extLst>
           </p:cNvPr>
@@ -8324,8 +8324,8 @@
         </p:blipFill>
         <p:spPr bwMode="auto">
           <a:xfrm>
-            <a:off x="0" y="14288"/>
-            <a:ext cx="9144000" cy="5113337"/>
+            <a:off x="58738" y="0"/>
+            <a:ext cx="9026525" cy="5143500"/>
           </a:xfrm>
           <a:prstGeom prst="rect">
             <a:avLst/>
